--- a/models-comp-comm/documents/Models.pptx
+++ b/models-comp-comm/documents/Models.pptx
@@ -5,28 +5,29 @@
     <p:sldMasterId id="2147483659" r:id="rId1"/>
   </p:sldMasterIdLst>
   <p:notesMasterIdLst>
-    <p:notesMasterId r:id="rId21"/>
+    <p:notesMasterId r:id="rId22"/>
   </p:notesMasterIdLst>
   <p:sldIdLst>
-    <p:sldId id="256" r:id="rId2"/>
-    <p:sldId id="257" r:id="rId3"/>
-    <p:sldId id="260" r:id="rId4"/>
-    <p:sldId id="258" r:id="rId5"/>
-    <p:sldId id="259" r:id="rId6"/>
-    <p:sldId id="262" r:id="rId7"/>
-    <p:sldId id="263" r:id="rId8"/>
-    <p:sldId id="264" r:id="rId9"/>
-    <p:sldId id="265" r:id="rId10"/>
-    <p:sldId id="266" r:id="rId11"/>
-    <p:sldId id="267" r:id="rId12"/>
-    <p:sldId id="268" r:id="rId13"/>
-    <p:sldId id="269" r:id="rId14"/>
-    <p:sldId id="270" r:id="rId15"/>
-    <p:sldId id="271" r:id="rId16"/>
-    <p:sldId id="272" r:id="rId17"/>
-    <p:sldId id="273" r:id="rId18"/>
-    <p:sldId id="274" r:id="rId19"/>
-    <p:sldId id="261" r:id="rId20"/>
+    <p:sldId id="275" r:id="rId2"/>
+    <p:sldId id="256" r:id="rId3"/>
+    <p:sldId id="257" r:id="rId4"/>
+    <p:sldId id="260" r:id="rId5"/>
+    <p:sldId id="258" r:id="rId6"/>
+    <p:sldId id="259" r:id="rId7"/>
+    <p:sldId id="262" r:id="rId8"/>
+    <p:sldId id="263" r:id="rId9"/>
+    <p:sldId id="264" r:id="rId10"/>
+    <p:sldId id="265" r:id="rId11"/>
+    <p:sldId id="266" r:id="rId12"/>
+    <p:sldId id="267" r:id="rId13"/>
+    <p:sldId id="268" r:id="rId14"/>
+    <p:sldId id="269" r:id="rId15"/>
+    <p:sldId id="270" r:id="rId16"/>
+    <p:sldId id="271" r:id="rId17"/>
+    <p:sldId id="272" r:id="rId18"/>
+    <p:sldId id="273" r:id="rId19"/>
+    <p:sldId id="274" r:id="rId20"/>
+    <p:sldId id="261" r:id="rId21"/>
   </p:sldIdLst>
   <p:sldSz cx="9144000" cy="5143500" type="screen16x9"/>
   <p:notesSz cx="6858000" cy="9144000"/>
@@ -724,7 +725,7 @@
   <p:cSld>
     <p:spTree>
       <p:nvGrpSpPr>
-        <p:cNvPr id="1" name="Shape 50"/>
+        <p:cNvPr id="1" name="Shape 68"/>
         <p:cNvGrpSpPr/>
         <p:nvPr/>
       </p:nvGrpSpPr>
@@ -738,7 +739,7 @@
       </p:grpSpPr>
       <p:sp>
         <p:nvSpPr>
-          <p:cNvPr id="51" name="Google Shape;51;p:notes"/>
+          <p:cNvPr id="69" name="Google Shape;69;p4:notes"/>
           <p:cNvSpPr>
             <a:spLocks noGrp="1" noRot="1" noChangeAspect="1"/>
           </p:cNvSpPr>
@@ -775,11 +776,21 @@
               </a:path>
             </a:pathLst>
           </a:custGeom>
+          <a:noFill/>
+          <a:ln w="9525" cap="flat" cmpd="sng">
+            <a:solidFill>
+              <a:srgbClr val="000000"/>
+            </a:solidFill>
+            <a:prstDash val="solid"/>
+            <a:round/>
+            <a:headEnd type="none" w="sm" len="sm"/>
+            <a:tailEnd type="none" w="sm" len="sm"/>
+          </a:ln>
         </p:spPr>
       </p:sp>
       <p:sp>
         <p:nvSpPr>
-          <p:cNvPr id="52" name="Google Shape;52;p:notes"/>
+          <p:cNvPr id="70" name="Google Shape;70;p4:notes"/>
           <p:cNvSpPr txBox="1">
             <a:spLocks noGrp="1"/>
           </p:cNvSpPr>
@@ -795,6 +806,10 @@
           <a:prstGeom prst="rect">
             <a:avLst/>
           </a:prstGeom>
+          <a:noFill/>
+          <a:ln>
+            <a:noFill/>
+          </a:ln>
         </p:spPr>
         <p:txBody>
           <a:bodyPr spcFirstLastPara="1" wrap="square" lIns="91425" tIns="91425" rIns="91425" bIns="91425" anchor="t" anchorCtr="0">
@@ -803,12 +818,16 @@
           <a:lstStyle/>
           <a:p>
             <a:pPr marL="0" lvl="0" indent="0" algn="l" rtl="0">
-              <a:spcBef>
-                <a:spcPts val="0"/>
-              </a:spcBef>
-              <a:spcAft>
-                <a:spcPts val="0"/>
-              </a:spcAft>
+              <a:lnSpc>
+                <a:spcPct val="100000"/>
+              </a:lnSpc>
+              <a:spcBef>
+                <a:spcPts val="0"/>
+              </a:spcBef>
+              <a:spcAft>
+                <a:spcPts val="0"/>
+              </a:spcAft>
+              <a:buSzPts val="1100"/>
               <a:buNone/>
             </a:pPr>
             <a:endParaRPr/>
@@ -824,6 +843,110 @@
 </file>
 
 <file path=ppt/notesSlides/notesSlide10.xml><?xml version="1.0" encoding="utf-8"?>
+<p:notes xmlns:a="http://schemas.openxmlformats.org/drawingml/2006/main" xmlns:r="http://schemas.openxmlformats.org/officeDocument/2006/relationships" xmlns:p="http://schemas.openxmlformats.org/presentationml/2006/main" showMasterSp="0" showMasterPhAnim="0">
+  <p:cSld>
+    <p:spTree>
+      <p:nvGrpSpPr>
+        <p:cNvPr id="1" name="Shape 119"/>
+        <p:cNvGrpSpPr/>
+        <p:nvPr/>
+      </p:nvGrpSpPr>
+      <p:grpSpPr>
+        <a:xfrm>
+          <a:off x="0" y="0"/>
+          <a:ext cx="0" cy="0"/>
+          <a:chOff x="0" y="0"/>
+          <a:chExt cx="0" cy="0"/>
+        </a:xfrm>
+      </p:grpSpPr>
+      <p:sp>
+        <p:nvSpPr>
+          <p:cNvPr id="120" name="Google Shape;120;gecb262fc41_0_245:notes"/>
+          <p:cNvSpPr>
+            <a:spLocks noGrp="1" noRot="1" noChangeAspect="1"/>
+          </p:cNvSpPr>
+          <p:nvPr>
+            <p:ph type="sldImg" idx="2"/>
+          </p:nvPr>
+        </p:nvSpPr>
+        <p:spPr>
+          <a:xfrm>
+            <a:off x="381000" y="685800"/>
+            <a:ext cx="6096000" cy="3429000"/>
+          </a:xfrm>
+          <a:custGeom>
+            <a:avLst/>
+            <a:gdLst/>
+            <a:ahLst/>
+            <a:cxnLst/>
+            <a:rect l="l" t="t" r="r" b="b"/>
+            <a:pathLst>
+              <a:path w="120000" h="120000" extrusionOk="0">
+                <a:moveTo>
+                  <a:pt x="0" y="0"/>
+                </a:moveTo>
+                <a:lnTo>
+                  <a:pt x="120000" y="0"/>
+                </a:lnTo>
+                <a:lnTo>
+                  <a:pt x="120000" y="120000"/>
+                </a:lnTo>
+                <a:lnTo>
+                  <a:pt x="0" y="120000"/>
+                </a:lnTo>
+                <a:close/>
+              </a:path>
+            </a:pathLst>
+          </a:custGeom>
+        </p:spPr>
+      </p:sp>
+      <p:sp>
+        <p:nvSpPr>
+          <p:cNvPr id="121" name="Google Shape;121;gecb262fc41_0_245:notes"/>
+          <p:cNvSpPr txBox="1">
+            <a:spLocks noGrp="1"/>
+          </p:cNvSpPr>
+          <p:nvPr>
+            <p:ph type="body" idx="1"/>
+          </p:nvPr>
+        </p:nvSpPr>
+        <p:spPr>
+          <a:xfrm>
+            <a:off x="685800" y="4343400"/>
+            <a:ext cx="5486400" cy="4114800"/>
+          </a:xfrm>
+          <a:prstGeom prst="rect">
+            <a:avLst/>
+          </a:prstGeom>
+        </p:spPr>
+        <p:txBody>
+          <a:bodyPr spcFirstLastPara="1" wrap="square" lIns="91425" tIns="91425" rIns="91425" bIns="91425" anchor="t" anchorCtr="0">
+            <a:noAutofit/>
+          </a:bodyPr>
+          <a:lstStyle/>
+          <a:p>
+            <a:pPr marL="0" lvl="0" indent="0" algn="l" rtl="0">
+              <a:spcBef>
+                <a:spcPts val="0"/>
+              </a:spcBef>
+              <a:spcAft>
+                <a:spcPts val="0"/>
+              </a:spcAft>
+              <a:buNone/>
+            </a:pPr>
+            <a:endParaRPr dirty="0"/>
+          </a:p>
+        </p:txBody>
+      </p:sp>
+    </p:spTree>
+  </p:cSld>
+  <p:clrMapOvr>
+    <a:masterClrMapping/>
+  </p:clrMapOvr>
+</p:notes>
+</file>
+
+<file path=ppt/notesSlides/notesSlide11.xml><?xml version="1.0" encoding="utf-8"?>
 <p:notes xmlns:a="http://schemas.openxmlformats.org/drawingml/2006/main" xmlns:r="http://schemas.openxmlformats.org/officeDocument/2006/relationships" xmlns:p="http://schemas.openxmlformats.org/presentationml/2006/main" showMasterSp="0" showMasterPhAnim="0">
   <p:cSld>
     <p:spTree>
@@ -927,7 +1050,7 @@
 </p:notes>
 </file>
 
-<file path=ppt/notesSlides/notesSlide11.xml><?xml version="1.0" encoding="utf-8"?>
+<file path=ppt/notesSlides/notesSlide12.xml><?xml version="1.0" encoding="utf-8"?>
 <p:notes xmlns:a="http://schemas.openxmlformats.org/drawingml/2006/main" xmlns:r="http://schemas.openxmlformats.org/officeDocument/2006/relationships" xmlns:p="http://schemas.openxmlformats.org/presentationml/2006/main" showMasterSp="0" showMasterPhAnim="0">
   <p:cSld>
     <p:spTree>
@@ -1031,7 +1154,7 @@
 </p:notes>
 </file>
 
-<file path=ppt/notesSlides/notesSlide12.xml><?xml version="1.0" encoding="utf-8"?>
+<file path=ppt/notesSlides/notesSlide13.xml><?xml version="1.0" encoding="utf-8"?>
 <p:notes xmlns:a="http://schemas.openxmlformats.org/drawingml/2006/main" xmlns:r="http://schemas.openxmlformats.org/officeDocument/2006/relationships" xmlns:p="http://schemas.openxmlformats.org/presentationml/2006/main" showMasterSp="0" showMasterPhAnim="0">
   <p:cSld>
     <p:spTree>
@@ -1135,7 +1258,7 @@
 </p:notes>
 </file>
 
-<file path=ppt/notesSlides/notesSlide13.xml><?xml version="1.0" encoding="utf-8"?>
+<file path=ppt/notesSlides/notesSlide14.xml><?xml version="1.0" encoding="utf-8"?>
 <p:notes xmlns:a="http://schemas.openxmlformats.org/drawingml/2006/main" xmlns:r="http://schemas.openxmlformats.org/officeDocument/2006/relationships" xmlns:p="http://schemas.openxmlformats.org/presentationml/2006/main" showMasterSp="0" showMasterPhAnim="0">
   <p:cSld>
     <p:spTree>
@@ -1239,7 +1362,7 @@
 </p:notes>
 </file>
 
-<file path=ppt/notesSlides/notesSlide14.xml><?xml version="1.0" encoding="utf-8"?>
+<file path=ppt/notesSlides/notesSlide15.xml><?xml version="1.0" encoding="utf-8"?>
 <p:notes xmlns:a="http://schemas.openxmlformats.org/drawingml/2006/main" xmlns:r="http://schemas.openxmlformats.org/officeDocument/2006/relationships" xmlns:p="http://schemas.openxmlformats.org/presentationml/2006/main" showMasterSp="0" showMasterPhAnim="0">
   <p:cSld>
     <p:spTree>
@@ -1343,7 +1466,7 @@
 </p:notes>
 </file>
 
-<file path=ppt/notesSlides/notesSlide15.xml><?xml version="1.0" encoding="utf-8"?>
+<file path=ppt/notesSlides/notesSlide16.xml><?xml version="1.0" encoding="utf-8"?>
 <p:notes xmlns:a="http://schemas.openxmlformats.org/drawingml/2006/main" xmlns:r="http://schemas.openxmlformats.org/officeDocument/2006/relationships" xmlns:p="http://schemas.openxmlformats.org/presentationml/2006/main" showMasterSp="0" showMasterPhAnim="0">
   <p:cSld>
     <p:spTree>
@@ -1447,7 +1570,7 @@
 </p:notes>
 </file>
 
-<file path=ppt/notesSlides/notesSlide16.xml><?xml version="1.0" encoding="utf-8"?>
+<file path=ppt/notesSlides/notesSlide17.xml><?xml version="1.0" encoding="utf-8"?>
 <p:notes xmlns:a="http://schemas.openxmlformats.org/drawingml/2006/main" xmlns:r="http://schemas.openxmlformats.org/officeDocument/2006/relationships" xmlns:p="http://schemas.openxmlformats.org/presentationml/2006/main" showMasterSp="0" showMasterPhAnim="0">
   <p:cSld>
     <p:spTree>
@@ -1551,7 +1674,7 @@
 </p:notes>
 </file>
 
-<file path=ppt/notesSlides/notesSlide17.xml><?xml version="1.0" encoding="utf-8"?>
+<file path=ppt/notesSlides/notesSlide18.xml><?xml version="1.0" encoding="utf-8"?>
 <p:notes xmlns:a="http://schemas.openxmlformats.org/drawingml/2006/main" xmlns:r="http://schemas.openxmlformats.org/officeDocument/2006/relationships" xmlns:p="http://schemas.openxmlformats.org/presentationml/2006/main" showMasterSp="0" showMasterPhAnim="0">
   <p:cSld>
     <p:spTree>
@@ -1655,7 +1778,7 @@
 </p:notes>
 </file>
 
-<file path=ppt/notesSlides/notesSlide18.xml><?xml version="1.0" encoding="utf-8"?>
+<file path=ppt/notesSlides/notesSlide19.xml><?xml version="1.0" encoding="utf-8"?>
 <p:notes xmlns:a="http://schemas.openxmlformats.org/drawingml/2006/main" xmlns:r="http://schemas.openxmlformats.org/officeDocument/2006/relationships" xmlns:p="http://schemas.openxmlformats.org/presentationml/2006/main" showMasterSp="0" showMasterPhAnim="0">
   <p:cSld>
     <p:spTree>
@@ -1764,6 +1887,110 @@
   <p:cSld>
     <p:spTree>
       <p:nvGrpSpPr>
+        <p:cNvPr id="1" name="Shape 50"/>
+        <p:cNvGrpSpPr/>
+        <p:nvPr/>
+      </p:nvGrpSpPr>
+      <p:grpSpPr>
+        <a:xfrm>
+          <a:off x="0" y="0"/>
+          <a:ext cx="0" cy="0"/>
+          <a:chOff x="0" y="0"/>
+          <a:chExt cx="0" cy="0"/>
+        </a:xfrm>
+      </p:grpSpPr>
+      <p:sp>
+        <p:nvSpPr>
+          <p:cNvPr id="51" name="Google Shape;51;p:notes"/>
+          <p:cNvSpPr>
+            <a:spLocks noGrp="1" noRot="1" noChangeAspect="1"/>
+          </p:cNvSpPr>
+          <p:nvPr>
+            <p:ph type="sldImg" idx="2"/>
+          </p:nvPr>
+        </p:nvSpPr>
+        <p:spPr>
+          <a:xfrm>
+            <a:off x="381000" y="685800"/>
+            <a:ext cx="6096000" cy="3429000"/>
+          </a:xfrm>
+          <a:custGeom>
+            <a:avLst/>
+            <a:gdLst/>
+            <a:ahLst/>
+            <a:cxnLst/>
+            <a:rect l="l" t="t" r="r" b="b"/>
+            <a:pathLst>
+              <a:path w="120000" h="120000" extrusionOk="0">
+                <a:moveTo>
+                  <a:pt x="0" y="0"/>
+                </a:moveTo>
+                <a:lnTo>
+                  <a:pt x="120000" y="0"/>
+                </a:lnTo>
+                <a:lnTo>
+                  <a:pt x="120000" y="120000"/>
+                </a:lnTo>
+                <a:lnTo>
+                  <a:pt x="0" y="120000"/>
+                </a:lnTo>
+                <a:close/>
+              </a:path>
+            </a:pathLst>
+          </a:custGeom>
+        </p:spPr>
+      </p:sp>
+      <p:sp>
+        <p:nvSpPr>
+          <p:cNvPr id="52" name="Google Shape;52;p:notes"/>
+          <p:cNvSpPr txBox="1">
+            <a:spLocks noGrp="1"/>
+          </p:cNvSpPr>
+          <p:nvPr>
+            <p:ph type="body" idx="1"/>
+          </p:nvPr>
+        </p:nvSpPr>
+        <p:spPr>
+          <a:xfrm>
+            <a:off x="685800" y="4343400"/>
+            <a:ext cx="5486400" cy="4114800"/>
+          </a:xfrm>
+          <a:prstGeom prst="rect">
+            <a:avLst/>
+          </a:prstGeom>
+        </p:spPr>
+        <p:txBody>
+          <a:bodyPr spcFirstLastPara="1" wrap="square" lIns="91425" tIns="91425" rIns="91425" bIns="91425" anchor="t" anchorCtr="0">
+            <a:noAutofit/>
+          </a:bodyPr>
+          <a:lstStyle/>
+          <a:p>
+            <a:pPr marL="0" lvl="0" indent="0" algn="l" rtl="0">
+              <a:spcBef>
+                <a:spcPts val="0"/>
+              </a:spcBef>
+              <a:spcAft>
+                <a:spcPts val="0"/>
+              </a:spcAft>
+              <a:buNone/>
+            </a:pPr>
+            <a:endParaRPr/>
+          </a:p>
+        </p:txBody>
+      </p:sp>
+    </p:spTree>
+  </p:cSld>
+  <p:clrMapOvr>
+    <a:masterClrMapping/>
+  </p:clrMapOvr>
+</p:notes>
+</file>
+
+<file path=ppt/notesSlides/notesSlide3.xml><?xml version="1.0" encoding="utf-8"?>
+<p:notes xmlns:a="http://schemas.openxmlformats.org/drawingml/2006/main" xmlns:r="http://schemas.openxmlformats.org/officeDocument/2006/relationships" xmlns:p="http://schemas.openxmlformats.org/presentationml/2006/main" showMasterSp="0" showMasterPhAnim="0">
+  <p:cSld>
+    <p:spTree>
+      <p:nvGrpSpPr>
         <p:cNvPr id="1" name="Shape 56"/>
         <p:cNvGrpSpPr/>
         <p:nvPr/>
@@ -1851,7 +2078,7 @@
               </a:spcAft>
               <a:buNone/>
             </a:pPr>
-            <a:endParaRPr/>
+            <a:endParaRPr dirty="0"/>
           </a:p>
         </p:txBody>
       </p:sp>
@@ -1863,7 +2090,7 @@
 </p:notes>
 </file>
 
-<file path=ppt/notesSlides/notesSlide3.xml><?xml version="1.0" encoding="utf-8"?>
+<file path=ppt/notesSlides/notesSlide4.xml><?xml version="1.0" encoding="utf-8"?>
 <p:notes xmlns:a="http://schemas.openxmlformats.org/drawingml/2006/main" xmlns:r="http://schemas.openxmlformats.org/officeDocument/2006/relationships" xmlns:p="http://schemas.openxmlformats.org/presentationml/2006/main" showMasterSp="0" showMasterPhAnim="0">
   <p:cSld>
     <p:spTree>
@@ -1967,7 +2194,7 @@
 </p:notes>
 </file>
 
-<file path=ppt/notesSlides/notesSlide4.xml><?xml version="1.0" encoding="utf-8"?>
+<file path=ppt/notesSlides/notesSlide5.xml><?xml version="1.0" encoding="utf-8"?>
 <p:notes xmlns:a="http://schemas.openxmlformats.org/drawingml/2006/main" xmlns:r="http://schemas.openxmlformats.org/officeDocument/2006/relationships" xmlns:p="http://schemas.openxmlformats.org/presentationml/2006/main" showMasterSp="0" showMasterPhAnim="0">
   <p:cSld>
     <p:spTree>
@@ -2071,7 +2298,7 @@
 </p:notes>
 </file>
 
-<file path=ppt/notesSlides/notesSlide5.xml><?xml version="1.0" encoding="utf-8"?>
+<file path=ppt/notesSlides/notesSlide6.xml><?xml version="1.0" encoding="utf-8"?>
 <p:notes xmlns:a="http://schemas.openxmlformats.org/drawingml/2006/main" xmlns:r="http://schemas.openxmlformats.org/officeDocument/2006/relationships" xmlns:p="http://schemas.openxmlformats.org/presentationml/2006/main" showMasterSp="0" showMasterPhAnim="0">
   <p:cSld>
     <p:spTree>
@@ -2100,7 +2327,7 @@
         </p:nvSpPr>
         <p:spPr>
           <a:xfrm>
-            <a:off x="381300" y="685800"/>
+            <a:off x="381000" y="685800"/>
             <a:ext cx="6096000" cy="3429000"/>
           </a:xfrm>
           <a:custGeom>
@@ -2175,7 +2402,7 @@
 </p:notes>
 </file>
 
-<file path=ppt/notesSlides/notesSlide6.xml><?xml version="1.0" encoding="utf-8"?>
+<file path=ppt/notesSlides/notesSlide7.xml><?xml version="1.0" encoding="utf-8"?>
 <p:notes xmlns:a="http://schemas.openxmlformats.org/drawingml/2006/main" xmlns:r="http://schemas.openxmlformats.org/officeDocument/2006/relationships" xmlns:p="http://schemas.openxmlformats.org/presentationml/2006/main" showMasterSp="0" showMasterPhAnim="0">
   <p:cSld>
     <p:spTree>
@@ -2204,7 +2431,7 @@
         </p:nvSpPr>
         <p:spPr>
           <a:xfrm>
-            <a:off x="381300" y="685800"/>
+            <a:off x="381000" y="685800"/>
             <a:ext cx="6096000" cy="3429000"/>
           </a:xfrm>
           <a:custGeom>
@@ -2279,7 +2506,7 @@
 </p:notes>
 </file>
 
-<file path=ppt/notesSlides/notesSlide7.xml><?xml version="1.0" encoding="utf-8"?>
+<file path=ppt/notesSlides/notesSlide8.xml><?xml version="1.0" encoding="utf-8"?>
 <p:notes xmlns:a="http://schemas.openxmlformats.org/drawingml/2006/main" xmlns:r="http://schemas.openxmlformats.org/officeDocument/2006/relationships" xmlns:p="http://schemas.openxmlformats.org/presentationml/2006/main" showMasterSp="0" showMasterPhAnim="0">
   <p:cSld>
     <p:spTree>
@@ -2308,7 +2535,7 @@
         </p:nvSpPr>
         <p:spPr>
           <a:xfrm>
-            <a:off x="381300" y="685800"/>
+            <a:off x="381000" y="685800"/>
             <a:ext cx="6096000" cy="3429000"/>
           </a:xfrm>
           <a:custGeom>
@@ -2383,7 +2610,7 @@
 </p:notes>
 </file>
 
-<file path=ppt/notesSlides/notesSlide8.xml><?xml version="1.0" encoding="utf-8"?>
+<file path=ppt/notesSlides/notesSlide9.xml><?xml version="1.0" encoding="utf-8"?>
 <p:notes xmlns:a="http://schemas.openxmlformats.org/drawingml/2006/main" xmlns:r="http://schemas.openxmlformats.org/officeDocument/2006/relationships" xmlns:p="http://schemas.openxmlformats.org/presentationml/2006/main" showMasterSp="0" showMasterPhAnim="0">
   <p:cSld>
     <p:spTree>
@@ -2412,7 +2639,7 @@
         </p:nvSpPr>
         <p:spPr>
           <a:xfrm>
-            <a:off x="381300" y="685800"/>
+            <a:off x="381000" y="685800"/>
             <a:ext cx="6096000" cy="3429000"/>
           </a:xfrm>
           <a:custGeom>
@@ -2475,111 +2702,7 @@
               </a:spcAft>
               <a:buNone/>
             </a:pPr>
-            <a:endParaRPr/>
-          </a:p>
-        </p:txBody>
-      </p:sp>
-    </p:spTree>
-  </p:cSld>
-  <p:clrMapOvr>
-    <a:masterClrMapping/>
-  </p:clrMapOvr>
-</p:notes>
-</file>
-
-<file path=ppt/notesSlides/notesSlide9.xml><?xml version="1.0" encoding="utf-8"?>
-<p:notes xmlns:a="http://schemas.openxmlformats.org/drawingml/2006/main" xmlns:r="http://schemas.openxmlformats.org/officeDocument/2006/relationships" xmlns:p="http://schemas.openxmlformats.org/presentationml/2006/main" showMasterSp="0" showMasterPhAnim="0">
-  <p:cSld>
-    <p:spTree>
-      <p:nvGrpSpPr>
-        <p:cNvPr id="1" name="Shape 119"/>
-        <p:cNvGrpSpPr/>
-        <p:nvPr/>
-      </p:nvGrpSpPr>
-      <p:grpSpPr>
-        <a:xfrm>
-          <a:off x="0" y="0"/>
-          <a:ext cx="0" cy="0"/>
-          <a:chOff x="0" y="0"/>
-          <a:chExt cx="0" cy="0"/>
-        </a:xfrm>
-      </p:grpSpPr>
-      <p:sp>
-        <p:nvSpPr>
-          <p:cNvPr id="120" name="Google Shape;120;gecb262fc41_0_245:notes"/>
-          <p:cNvSpPr>
-            <a:spLocks noGrp="1" noRot="1" noChangeAspect="1"/>
-          </p:cNvSpPr>
-          <p:nvPr>
-            <p:ph type="sldImg" idx="2"/>
-          </p:nvPr>
-        </p:nvSpPr>
-        <p:spPr>
-          <a:xfrm>
-            <a:off x="381300" y="685800"/>
-            <a:ext cx="6096000" cy="3429000"/>
-          </a:xfrm>
-          <a:custGeom>
-            <a:avLst/>
-            <a:gdLst/>
-            <a:ahLst/>
-            <a:cxnLst/>
-            <a:rect l="l" t="t" r="r" b="b"/>
-            <a:pathLst>
-              <a:path w="120000" h="120000" extrusionOk="0">
-                <a:moveTo>
-                  <a:pt x="0" y="0"/>
-                </a:moveTo>
-                <a:lnTo>
-                  <a:pt x="120000" y="0"/>
-                </a:lnTo>
-                <a:lnTo>
-                  <a:pt x="120000" y="120000"/>
-                </a:lnTo>
-                <a:lnTo>
-                  <a:pt x="0" y="120000"/>
-                </a:lnTo>
-                <a:close/>
-              </a:path>
-            </a:pathLst>
-          </a:custGeom>
-        </p:spPr>
-      </p:sp>
-      <p:sp>
-        <p:nvSpPr>
-          <p:cNvPr id="121" name="Google Shape;121;gecb262fc41_0_245:notes"/>
-          <p:cNvSpPr txBox="1">
-            <a:spLocks noGrp="1"/>
-          </p:cNvSpPr>
-          <p:nvPr>
-            <p:ph type="body" idx="1"/>
-          </p:nvPr>
-        </p:nvSpPr>
-        <p:spPr>
-          <a:xfrm>
-            <a:off x="685800" y="4343400"/>
-            <a:ext cx="5486400" cy="4114800"/>
-          </a:xfrm>
-          <a:prstGeom prst="rect">
-            <a:avLst/>
-          </a:prstGeom>
-        </p:spPr>
-        <p:txBody>
-          <a:bodyPr spcFirstLastPara="1" wrap="square" lIns="91425" tIns="91425" rIns="91425" bIns="91425" anchor="t" anchorCtr="0">
-            <a:noAutofit/>
-          </a:bodyPr>
-          <a:lstStyle/>
-          <a:p>
-            <a:pPr marL="0" lvl="0" indent="0" algn="l" rtl="0">
-              <a:spcBef>
-                <a:spcPts val="0"/>
-              </a:spcBef>
-              <a:spcAft>
-                <a:spcPts val="0"/>
-              </a:spcAft>
-              <a:buNone/>
-            </a:pPr>
-            <a:endParaRPr/>
+            <a:endParaRPr dirty="0"/>
           </a:p>
         </p:txBody>
       </p:sp>
@@ -7345,7 +7468,7 @@
   <p:cSld>
     <p:spTree>
       <p:nvGrpSpPr>
-        <p:cNvPr id="1" name="Shape 53"/>
+        <p:cNvPr id="1" name="Shape 71"/>
         <p:cNvGrpSpPr/>
         <p:nvPr/>
       </p:nvGrpSpPr>
@@ -7359,7 +7482,465 @@
       </p:grpSpPr>
       <p:sp>
         <p:nvSpPr>
-          <p:cNvPr id="54" name="Google Shape;54;p13"/>
+          <p:cNvPr id="72" name="Google Shape;72;p16"/>
+          <p:cNvSpPr txBox="1">
+            <a:spLocks noGrp="1"/>
+          </p:cNvSpPr>
+          <p:nvPr>
+            <p:ph type="body" idx="1"/>
+          </p:nvPr>
+        </p:nvSpPr>
+        <p:spPr>
+          <a:xfrm>
+            <a:off x="311700" y="1152475"/>
+            <a:ext cx="8520600" cy="3416400"/>
+          </a:xfrm>
+          <a:prstGeom prst="rect">
+            <a:avLst/>
+          </a:prstGeom>
+          <a:noFill/>
+          <a:ln>
+            <a:noFill/>
+          </a:ln>
+        </p:spPr>
+        <p:txBody>
+          <a:bodyPr spcFirstLastPara="1" wrap="square" lIns="91425" tIns="91425" rIns="91425" bIns="91425" anchor="t" anchorCtr="0">
+            <a:noAutofit/>
+          </a:bodyPr>
+          <a:lstStyle/>
+          <a:p>
+            <a:pPr marL="457200" lvl="0" indent="-323850" algn="l" rtl="0">
+              <a:lnSpc>
+                <a:spcPct val="115000"/>
+              </a:lnSpc>
+              <a:spcBef>
+                <a:spcPts val="0"/>
+              </a:spcBef>
+              <a:spcAft>
+                <a:spcPts val="0"/>
+              </a:spcAft>
+              <a:buSzPts val="1500"/>
+              <a:buChar char="●"/>
+            </a:pPr>
+            <a:r>
+              <a:rPr lang="en" sz="1500" dirty="0"/>
+              <a:t>Languages</a:t>
+            </a:r>
+            <a:endParaRPr sz="1500" dirty="0"/>
+          </a:p>
+          <a:p>
+            <a:pPr marL="914400" lvl="1" indent="-298450" algn="l" rtl="0">
+              <a:lnSpc>
+                <a:spcPct val="115000"/>
+              </a:lnSpc>
+              <a:spcBef>
+                <a:spcPts val="0"/>
+              </a:spcBef>
+              <a:spcAft>
+                <a:spcPts val="0"/>
+              </a:spcAft>
+              <a:buSzPts val="1100"/>
+              <a:buChar char="○"/>
+            </a:pPr>
+            <a:r>
+              <a:rPr lang="en" sz="1100" dirty="0"/>
+              <a:t>Domain Specific</a:t>
+            </a:r>
+            <a:br>
+              <a:rPr lang="en" sz="1100" dirty="0"/>
+            </a:br>
+            <a:br>
+              <a:rPr lang="en" sz="1100" dirty="0"/>
+            </a:br>
+            <a:endParaRPr sz="1100" dirty="0"/>
+          </a:p>
+          <a:p>
+            <a:pPr marL="457200" lvl="0" indent="-323850" algn="l" rtl="0">
+              <a:lnSpc>
+                <a:spcPct val="115000"/>
+              </a:lnSpc>
+              <a:spcBef>
+                <a:spcPts val="0"/>
+              </a:spcBef>
+              <a:spcAft>
+                <a:spcPts val="0"/>
+              </a:spcAft>
+              <a:buSzPts val="1500"/>
+              <a:buChar char="●"/>
+            </a:pPr>
+            <a:r>
+              <a:rPr lang="en" sz="1500" dirty="0"/>
+              <a:t>Compilers &amp; Interpreters</a:t>
+            </a:r>
+            <a:endParaRPr sz="1500" dirty="0"/>
+          </a:p>
+          <a:p>
+            <a:pPr marL="914400" lvl="1" indent="-298450" algn="l" rtl="0">
+              <a:lnSpc>
+                <a:spcPct val="115000"/>
+              </a:lnSpc>
+              <a:spcBef>
+                <a:spcPts val="0"/>
+              </a:spcBef>
+              <a:spcAft>
+                <a:spcPts val="0"/>
+              </a:spcAft>
+              <a:buSzPts val="1100"/>
+              <a:buChar char="○"/>
+            </a:pPr>
+            <a:r>
+              <a:rPr lang="en" sz="1100" dirty="0"/>
+              <a:t>Analysis</a:t>
+            </a:r>
+            <a:endParaRPr sz="1100" dirty="0"/>
+          </a:p>
+          <a:p>
+            <a:pPr marL="1371600" lvl="2" indent="-298450" algn="l" rtl="0">
+              <a:lnSpc>
+                <a:spcPct val="115000"/>
+              </a:lnSpc>
+              <a:spcBef>
+                <a:spcPts val="0"/>
+              </a:spcBef>
+              <a:spcAft>
+                <a:spcPts val="0"/>
+              </a:spcAft>
+              <a:buSzPts val="1100"/>
+              <a:buChar char="■"/>
+            </a:pPr>
+            <a:r>
+              <a:rPr lang="en" sz="1100" dirty="0"/>
+              <a:t>lexicographical</a:t>
+            </a:r>
+            <a:endParaRPr sz="1100" dirty="0"/>
+          </a:p>
+          <a:p>
+            <a:pPr marL="1371600" lvl="2" indent="-298450" algn="l" rtl="0">
+              <a:lnSpc>
+                <a:spcPct val="115000"/>
+              </a:lnSpc>
+              <a:spcBef>
+                <a:spcPts val="0"/>
+              </a:spcBef>
+              <a:spcAft>
+                <a:spcPts val="0"/>
+              </a:spcAft>
+              <a:buSzPts val="1100"/>
+              <a:buChar char="■"/>
+            </a:pPr>
+            <a:r>
+              <a:rPr lang="en" sz="1100" dirty="0" err="1"/>
+              <a:t>syntaxical</a:t>
+            </a:r>
+            <a:endParaRPr sz="1100" dirty="0"/>
+          </a:p>
+          <a:p>
+            <a:pPr marL="1371600" lvl="2" indent="-298450" algn="l" rtl="0">
+              <a:lnSpc>
+                <a:spcPct val="115000"/>
+              </a:lnSpc>
+              <a:spcBef>
+                <a:spcPts val="0"/>
+              </a:spcBef>
+              <a:spcAft>
+                <a:spcPts val="0"/>
+              </a:spcAft>
+              <a:buSzPts val="1100"/>
+              <a:buChar char="■"/>
+            </a:pPr>
+            <a:r>
+              <a:rPr lang="en" sz="1100" dirty="0"/>
+              <a:t>semantics</a:t>
+            </a:r>
+            <a:endParaRPr sz="1100" dirty="0"/>
+          </a:p>
+          <a:p>
+            <a:pPr marL="914400" lvl="1" indent="-298450" algn="l" rtl="0">
+              <a:lnSpc>
+                <a:spcPct val="115000"/>
+              </a:lnSpc>
+              <a:spcBef>
+                <a:spcPts val="0"/>
+              </a:spcBef>
+              <a:spcAft>
+                <a:spcPts val="0"/>
+              </a:spcAft>
+              <a:buSzPts val="1100"/>
+              <a:buChar char="○"/>
+            </a:pPr>
+            <a:r>
+              <a:rPr lang="en" sz="1100" dirty="0"/>
+              <a:t>Language Optimization</a:t>
+            </a:r>
+            <a:endParaRPr sz="1100" dirty="0"/>
+          </a:p>
+          <a:p>
+            <a:pPr marL="914400" lvl="1" indent="-298450" algn="l" rtl="0">
+              <a:lnSpc>
+                <a:spcPct val="115000"/>
+              </a:lnSpc>
+              <a:spcBef>
+                <a:spcPts val="0"/>
+              </a:spcBef>
+              <a:spcAft>
+                <a:spcPts val="0"/>
+              </a:spcAft>
+              <a:buSzPts val="1100"/>
+              <a:buChar char="○"/>
+            </a:pPr>
+            <a:r>
+              <a:rPr lang="en" sz="1100" dirty="0"/>
+              <a:t>Machine Optimization</a:t>
+            </a:r>
+            <a:endParaRPr sz="1100" dirty="0"/>
+          </a:p>
+          <a:p>
+            <a:pPr marL="914400" lvl="1" indent="-298450" algn="l" rtl="0">
+              <a:lnSpc>
+                <a:spcPct val="115000"/>
+              </a:lnSpc>
+              <a:spcBef>
+                <a:spcPts val="0"/>
+              </a:spcBef>
+              <a:spcAft>
+                <a:spcPts val="0"/>
+              </a:spcAft>
+              <a:buSzPts val="1100"/>
+              <a:buChar char="○"/>
+            </a:pPr>
+            <a:r>
+              <a:rPr lang="en" sz="1100" dirty="0"/>
+              <a:t>Translation:  TAC → MIPS</a:t>
+            </a:r>
+            <a:br>
+              <a:rPr lang="en" sz="1100" dirty="0"/>
+            </a:br>
+            <a:endParaRPr sz="1100" dirty="0"/>
+          </a:p>
+          <a:p>
+            <a:pPr marL="457200" lvl="0" indent="-323850" algn="l" rtl="0">
+              <a:lnSpc>
+                <a:spcPct val="115000"/>
+              </a:lnSpc>
+              <a:spcBef>
+                <a:spcPts val="0"/>
+              </a:spcBef>
+              <a:spcAft>
+                <a:spcPts val="0"/>
+              </a:spcAft>
+              <a:buSzPts val="1500"/>
+              <a:buChar char="●"/>
+            </a:pPr>
+            <a:r>
+              <a:rPr lang="en" sz="1500" dirty="0"/>
+              <a:t>Hardware</a:t>
+            </a:r>
+            <a:endParaRPr sz="1500" dirty="0"/>
+          </a:p>
+          <a:p>
+            <a:pPr marL="914400" lvl="1" indent="-298450" algn="l" rtl="0">
+              <a:lnSpc>
+                <a:spcPct val="115000"/>
+              </a:lnSpc>
+              <a:spcBef>
+                <a:spcPts val="0"/>
+              </a:spcBef>
+              <a:spcAft>
+                <a:spcPts val="0"/>
+              </a:spcAft>
+              <a:buSzPts val="1100"/>
+              <a:buChar char="○"/>
+            </a:pPr>
+            <a:r>
+              <a:rPr lang="en" sz="1100" dirty="0"/>
+              <a:t>General Types: Registers / Stack</a:t>
+            </a:r>
+            <a:endParaRPr sz="1100" dirty="0"/>
+          </a:p>
+          <a:p>
+            <a:pPr marL="914400" lvl="1" indent="-298450" algn="l" rtl="0">
+              <a:lnSpc>
+                <a:spcPct val="115000"/>
+              </a:lnSpc>
+              <a:spcBef>
+                <a:spcPts val="0"/>
+              </a:spcBef>
+              <a:spcAft>
+                <a:spcPts val="0"/>
+              </a:spcAft>
+              <a:buSzPts val="1100"/>
+              <a:buChar char="○"/>
+            </a:pPr>
+            <a:r>
+              <a:rPr lang="en" sz="1100" dirty="0"/>
+              <a:t>Specific CPU Controls</a:t>
+            </a:r>
+            <a:br>
+              <a:rPr lang="en" sz="1100" dirty="0"/>
+            </a:br>
+            <a:endParaRPr sz="1000" dirty="0"/>
+          </a:p>
+          <a:p>
+            <a:pPr marL="457200" lvl="0" indent="-323850" algn="l" rtl="0">
+              <a:lnSpc>
+                <a:spcPct val="115000"/>
+              </a:lnSpc>
+              <a:spcBef>
+                <a:spcPts val="0"/>
+              </a:spcBef>
+              <a:spcAft>
+                <a:spcPts val="0"/>
+              </a:spcAft>
+              <a:buSzPts val="1500"/>
+              <a:buChar char="●"/>
+            </a:pPr>
+            <a:r>
+              <a:rPr lang="en" sz="1500" dirty="0"/>
+              <a:t>CLI: compilation exercise</a:t>
+            </a:r>
+            <a:endParaRPr sz="1500" dirty="0"/>
+          </a:p>
+        </p:txBody>
+      </p:sp>
+      <p:sp>
+        <p:nvSpPr>
+          <p:cNvPr id="73" name="Google Shape;73;p16"/>
+          <p:cNvSpPr/>
+          <p:nvPr/>
+        </p:nvSpPr>
+        <p:spPr>
+          <a:xfrm>
+            <a:off x="3457627" y="1578675"/>
+            <a:ext cx="2027400" cy="1150200"/>
+          </a:xfrm>
+          <a:prstGeom prst="rect">
+            <a:avLst/>
+          </a:prstGeom>
+          <a:solidFill>
+            <a:schemeClr val="lt2"/>
+          </a:solidFill>
+          <a:ln w="9525" cap="flat" cmpd="sng">
+            <a:solidFill>
+              <a:schemeClr val="dk2"/>
+            </a:solidFill>
+            <a:prstDash val="solid"/>
+            <a:round/>
+            <a:headEnd type="none" w="sm" len="sm"/>
+            <a:tailEnd type="none" w="sm" len="sm"/>
+          </a:ln>
+        </p:spPr>
+        <p:txBody>
+          <a:bodyPr spcFirstLastPara="1" wrap="square" lIns="91425" tIns="91425" rIns="91425" bIns="91425" anchor="ctr" anchorCtr="0">
+            <a:noAutofit/>
+          </a:bodyPr>
+          <a:lstStyle/>
+          <a:p>
+            <a:pPr marL="0" marR="0" lvl="0" indent="0" algn="l" rtl="0">
+              <a:lnSpc>
+                <a:spcPct val="100000"/>
+              </a:lnSpc>
+              <a:spcBef>
+                <a:spcPts val="0"/>
+              </a:spcBef>
+              <a:spcAft>
+                <a:spcPts val="0"/>
+              </a:spcAft>
+              <a:buClr>
+                <a:srgbClr val="000000"/>
+              </a:buClr>
+              <a:buSzPts val="1400"/>
+              <a:buFont typeface="Arial"/>
+              <a:buNone/>
+            </a:pPr>
+            <a:endParaRPr sz="1400" b="0" i="0" u="none" strike="noStrike" cap="none">
+              <a:solidFill>
+                <a:srgbClr val="000000"/>
+              </a:solidFill>
+              <a:latin typeface="Arial"/>
+              <a:ea typeface="Arial"/>
+              <a:cs typeface="Arial"/>
+              <a:sym typeface="Arial"/>
+            </a:endParaRPr>
+          </a:p>
+        </p:txBody>
+      </p:sp>
+      <p:sp>
+        <p:nvSpPr>
+          <p:cNvPr id="74" name="Google Shape;74;p16"/>
+          <p:cNvSpPr/>
+          <p:nvPr/>
+        </p:nvSpPr>
+        <p:spPr>
+          <a:xfrm>
+            <a:off x="3770469" y="1941075"/>
+            <a:ext cx="1216200" cy="186600"/>
+          </a:xfrm>
+          <a:prstGeom prst="rect">
+            <a:avLst/>
+          </a:prstGeom>
+          <a:solidFill>
+            <a:schemeClr val="lt2"/>
+          </a:solidFill>
+          <a:ln w="9525" cap="flat" cmpd="sng">
+            <a:solidFill>
+              <a:schemeClr val="dk2"/>
+            </a:solidFill>
+            <a:prstDash val="solid"/>
+            <a:round/>
+            <a:headEnd type="none" w="sm" len="sm"/>
+            <a:tailEnd type="none" w="sm" len="sm"/>
+          </a:ln>
+        </p:spPr>
+        <p:txBody>
+          <a:bodyPr spcFirstLastPara="1" wrap="square" lIns="91425" tIns="91425" rIns="91425" bIns="91425" anchor="ctr" anchorCtr="0">
+            <a:noAutofit/>
+          </a:bodyPr>
+          <a:lstStyle/>
+          <a:p>
+            <a:pPr marL="0" marR="0" lvl="0" indent="0" algn="l" rtl="0">
+              <a:lnSpc>
+                <a:spcPct val="100000"/>
+              </a:lnSpc>
+              <a:spcBef>
+                <a:spcPts val="0"/>
+              </a:spcBef>
+              <a:spcAft>
+                <a:spcPts val="0"/>
+              </a:spcAft>
+              <a:buClr>
+                <a:srgbClr val="000000"/>
+              </a:buClr>
+              <a:buSzPts val="1200"/>
+              <a:buFont typeface="Arial"/>
+              <a:buNone/>
+            </a:pPr>
+            <a:r>
+              <a:rPr lang="en" sz="1200" b="0" i="0" u="none" strike="noStrike" cap="none">
+                <a:solidFill>
+                  <a:srgbClr val="000000"/>
+                </a:solidFill>
+                <a:latin typeface="Arial"/>
+                <a:ea typeface="Arial"/>
+                <a:cs typeface="Arial"/>
+                <a:sym typeface="Arial"/>
+              </a:rPr>
+              <a:t>Source:      .i</a:t>
+            </a:r>
+            <a:endParaRPr sz="1200" b="0" i="0" u="none" strike="noStrike" cap="none">
+              <a:solidFill>
+                <a:srgbClr val="000000"/>
+              </a:solidFill>
+              <a:latin typeface="Arial"/>
+              <a:ea typeface="Arial"/>
+              <a:cs typeface="Arial"/>
+              <a:sym typeface="Arial"/>
+            </a:endParaRPr>
+          </a:p>
+        </p:txBody>
+      </p:sp>
+      <p:sp>
+        <p:nvSpPr>
+          <p:cNvPr id="75" name="Google Shape;75;p16"/>
           <p:cNvSpPr txBox="1">
             <a:spLocks noGrp="1"/>
           </p:cNvSpPr>
@@ -7375,6 +7956,10 @@
           <a:prstGeom prst="rect">
             <a:avLst/>
           </a:prstGeom>
+          <a:noFill/>
+          <a:ln>
+            <a:noFill/>
+          </a:ln>
         </p:spPr>
         <p:txBody>
           <a:bodyPr spcFirstLastPara="1" wrap="square" lIns="91425" tIns="91425" rIns="91425" bIns="91425" anchor="t" anchorCtr="0">
@@ -7383,17 +7968,21 @@
           <a:lstStyle/>
           <a:p>
             <a:pPr marL="0" lvl="0" indent="0" algn="l" rtl="0">
-              <a:spcBef>
-                <a:spcPts val="0"/>
-              </a:spcBef>
-              <a:spcAft>
-                <a:spcPts val="0"/>
-              </a:spcAft>
+              <a:lnSpc>
+                <a:spcPct val="100000"/>
+              </a:lnSpc>
+              <a:spcBef>
+                <a:spcPts val="0"/>
+              </a:spcBef>
+              <a:spcAft>
+                <a:spcPts val="0"/>
+              </a:spcAft>
+              <a:buSzPct val="111111"/>
               <a:buNone/>
             </a:pPr>
             <a:r>
               <a:rPr lang="en"/>
-              <a:t>Models of Computation and Communication</a:t>
+              <a:t>Landscape: Languages, Compilers, and Hardware:</a:t>
             </a:r>
             <a:endParaRPr/>
           </a:p>
@@ -7401,214 +7990,1628 @@
       </p:sp>
       <p:sp>
         <p:nvSpPr>
-          <p:cNvPr id="55" name="Google Shape;55;p13"/>
-          <p:cNvSpPr txBox="1">
-            <a:spLocks noGrp="1"/>
-          </p:cNvSpPr>
-          <p:nvPr>
-            <p:ph type="body" idx="1"/>
-          </p:nvPr>
+          <p:cNvPr id="76" name="Google Shape;76;p16"/>
+          <p:cNvSpPr/>
+          <p:nvPr/>
         </p:nvSpPr>
         <p:spPr>
           <a:xfrm>
-            <a:off x="311700" y="1152475"/>
-            <a:ext cx="8520600" cy="3416400"/>
+            <a:off x="5404075" y="924400"/>
+            <a:ext cx="1806732" cy="772092"/>
+          </a:xfrm>
+          <a:prstGeom prst="cloud">
+            <a:avLst/>
+          </a:prstGeom>
+          <a:solidFill>
+            <a:schemeClr val="lt2"/>
+          </a:solidFill>
+          <a:ln w="9525" cap="flat" cmpd="sng">
+            <a:solidFill>
+              <a:schemeClr val="dk2"/>
+            </a:solidFill>
+            <a:prstDash val="solid"/>
+            <a:round/>
+            <a:headEnd type="none" w="sm" len="sm"/>
+            <a:tailEnd type="none" w="sm" len="sm"/>
+          </a:ln>
+        </p:spPr>
+        <p:txBody>
+          <a:bodyPr spcFirstLastPara="1" wrap="square" lIns="91425" tIns="91425" rIns="91425" bIns="91425" anchor="ctr" anchorCtr="0">
+            <a:noAutofit/>
+          </a:bodyPr>
+          <a:lstStyle/>
+          <a:p>
+            <a:pPr marL="0" marR="0" lvl="0" indent="0" algn="ctr" rtl="0">
+              <a:lnSpc>
+                <a:spcPct val="100000"/>
+              </a:lnSpc>
+              <a:spcBef>
+                <a:spcPts val="0"/>
+              </a:spcBef>
+              <a:spcAft>
+                <a:spcPts val="0"/>
+              </a:spcAft>
+              <a:buClr>
+                <a:srgbClr val="000000"/>
+              </a:buClr>
+              <a:buSzPts val="1400"/>
+              <a:buFont typeface="Arial"/>
+              <a:buNone/>
+            </a:pPr>
+            <a:r>
+              <a:rPr lang="en" sz="1400" b="0" i="0" u="none" strike="noStrike" cap="none">
+                <a:solidFill>
+                  <a:srgbClr val="000000"/>
+                </a:solidFill>
+                <a:latin typeface="Arial"/>
+                <a:ea typeface="Arial"/>
+                <a:cs typeface="Arial"/>
+                <a:sym typeface="Arial"/>
+              </a:rPr>
+              <a:t>Languages</a:t>
+            </a:r>
+            <a:endParaRPr sz="1400" b="0" i="0" u="none" strike="noStrike" cap="none">
+              <a:solidFill>
+                <a:srgbClr val="000000"/>
+              </a:solidFill>
+              <a:latin typeface="Arial"/>
+              <a:ea typeface="Arial"/>
+              <a:cs typeface="Arial"/>
+              <a:sym typeface="Arial"/>
+            </a:endParaRPr>
+          </a:p>
+        </p:txBody>
+      </p:sp>
+      <p:sp>
+        <p:nvSpPr>
+          <p:cNvPr id="77" name="Google Shape;77;p16"/>
+          <p:cNvSpPr/>
+          <p:nvPr/>
+        </p:nvSpPr>
+        <p:spPr>
+          <a:xfrm>
+            <a:off x="5404075" y="3591400"/>
+            <a:ext cx="1806732" cy="772092"/>
+          </a:xfrm>
+          <a:prstGeom prst="cloud">
+            <a:avLst/>
+          </a:prstGeom>
+          <a:solidFill>
+            <a:schemeClr val="lt2"/>
+          </a:solidFill>
+          <a:ln w="9525" cap="flat" cmpd="sng">
+            <a:solidFill>
+              <a:schemeClr val="dk2"/>
+            </a:solidFill>
+            <a:prstDash val="solid"/>
+            <a:round/>
+            <a:headEnd type="none" w="sm" len="sm"/>
+            <a:tailEnd type="none" w="sm" len="sm"/>
+          </a:ln>
+        </p:spPr>
+        <p:txBody>
+          <a:bodyPr spcFirstLastPara="1" wrap="square" lIns="91425" tIns="91425" rIns="91425" bIns="91425" anchor="ctr" anchorCtr="0">
+            <a:noAutofit/>
+          </a:bodyPr>
+          <a:lstStyle/>
+          <a:p>
+            <a:pPr marL="0" marR="0" lvl="0" indent="0" algn="ctr" rtl="0">
+              <a:lnSpc>
+                <a:spcPct val="100000"/>
+              </a:lnSpc>
+              <a:spcBef>
+                <a:spcPts val="0"/>
+              </a:spcBef>
+              <a:spcAft>
+                <a:spcPts val="0"/>
+              </a:spcAft>
+              <a:buClr>
+                <a:srgbClr val="000000"/>
+              </a:buClr>
+              <a:buSzPts val="1400"/>
+              <a:buFont typeface="Arial"/>
+              <a:buNone/>
+            </a:pPr>
+            <a:r>
+              <a:rPr lang="en" sz="1400" b="0" i="0" u="none" strike="noStrike" cap="none">
+                <a:solidFill>
+                  <a:srgbClr val="000000"/>
+                </a:solidFill>
+                <a:latin typeface="Arial"/>
+                <a:ea typeface="Arial"/>
+                <a:cs typeface="Arial"/>
+                <a:sym typeface="Arial"/>
+              </a:rPr>
+              <a:t>Hardware</a:t>
+            </a:r>
+            <a:endParaRPr sz="1400" b="0" i="0" u="none" strike="noStrike" cap="none">
+              <a:solidFill>
+                <a:srgbClr val="000000"/>
+              </a:solidFill>
+              <a:latin typeface="Arial"/>
+              <a:ea typeface="Arial"/>
+              <a:cs typeface="Arial"/>
+              <a:sym typeface="Arial"/>
+            </a:endParaRPr>
+          </a:p>
+        </p:txBody>
+      </p:sp>
+      <p:sp>
+        <p:nvSpPr>
+          <p:cNvPr id="78" name="Google Shape;78;p16"/>
+          <p:cNvSpPr/>
+          <p:nvPr/>
+        </p:nvSpPr>
+        <p:spPr>
+          <a:xfrm>
+            <a:off x="6083200" y="1763050"/>
+            <a:ext cx="448500" cy="1828200"/>
+          </a:xfrm>
+          <a:prstGeom prst="downArrow">
+            <a:avLst>
+              <a:gd name="adj1" fmla="val 50000"/>
+              <a:gd name="adj2" fmla="val 50000"/>
+            </a:avLst>
+          </a:prstGeom>
+          <a:solidFill>
+            <a:schemeClr val="lt2"/>
+          </a:solidFill>
+          <a:ln w="9525" cap="flat" cmpd="sng">
+            <a:solidFill>
+              <a:schemeClr val="dk2"/>
+            </a:solidFill>
+            <a:prstDash val="solid"/>
+            <a:round/>
+            <a:headEnd type="none" w="sm" len="sm"/>
+            <a:tailEnd type="none" w="sm" len="sm"/>
+          </a:ln>
+        </p:spPr>
+        <p:txBody>
+          <a:bodyPr spcFirstLastPara="1" wrap="square" lIns="91425" tIns="91425" rIns="91425" bIns="91425" anchor="ctr" anchorCtr="0">
+            <a:noAutofit/>
+          </a:bodyPr>
+          <a:lstStyle/>
+          <a:p>
+            <a:pPr marL="0" marR="0" lvl="0" indent="0" algn="l" rtl="0">
+              <a:lnSpc>
+                <a:spcPct val="100000"/>
+              </a:lnSpc>
+              <a:spcBef>
+                <a:spcPts val="0"/>
+              </a:spcBef>
+              <a:spcAft>
+                <a:spcPts val="0"/>
+              </a:spcAft>
+              <a:buClr>
+                <a:srgbClr val="000000"/>
+              </a:buClr>
+              <a:buSzPts val="1400"/>
+              <a:buFont typeface="Arial"/>
+              <a:buNone/>
+            </a:pPr>
+            <a:endParaRPr sz="1400" b="0" i="0" u="none" strike="noStrike" cap="none">
+              <a:solidFill>
+                <a:srgbClr val="000000"/>
+              </a:solidFill>
+              <a:latin typeface="Arial"/>
+              <a:ea typeface="Arial"/>
+              <a:cs typeface="Arial"/>
+              <a:sym typeface="Arial"/>
+            </a:endParaRPr>
+          </a:p>
+        </p:txBody>
+      </p:sp>
+      <p:sp>
+        <p:nvSpPr>
+          <p:cNvPr id="79" name="Google Shape;79;p16"/>
+          <p:cNvSpPr txBox="1"/>
+          <p:nvPr/>
+        </p:nvSpPr>
+        <p:spPr>
+          <a:xfrm>
+            <a:off x="5649991" y="2691325"/>
+            <a:ext cx="1314900" cy="338700"/>
           </a:xfrm>
           <a:prstGeom prst="rect">
             <a:avLst/>
           </a:prstGeom>
+          <a:solidFill>
+            <a:srgbClr val="FFFFFF"/>
+          </a:solidFill>
+          <a:ln w="9525" cap="flat" cmpd="sng">
+            <a:solidFill>
+              <a:srgbClr val="999999"/>
+            </a:solidFill>
+            <a:prstDash val="solid"/>
+            <a:round/>
+            <a:headEnd type="none" w="sm" len="sm"/>
+            <a:tailEnd type="none" w="sm" len="sm"/>
+          </a:ln>
         </p:spPr>
         <p:txBody>
           <a:bodyPr spcFirstLastPara="1" wrap="square" lIns="91425" tIns="91425" rIns="91425" bIns="91425" anchor="t" anchorCtr="0">
-            <a:normAutofit/>
+            <a:spAutoFit/>
           </a:bodyPr>
           <a:lstStyle/>
           <a:p>
-            <a:pPr marL="457200" lvl="0" indent="-342900" algn="l" rtl="0">
-              <a:spcBef>
-                <a:spcPts val="0"/>
-              </a:spcBef>
-              <a:spcAft>
-                <a:spcPts val="0"/>
-              </a:spcAft>
-              <a:buSzPts val="1800"/>
-              <a:buChar char="●"/>
+            <a:pPr marL="0" marR="0" lvl="0" indent="0" algn="ctr" rtl="0">
+              <a:lnSpc>
+                <a:spcPct val="100000"/>
+              </a:lnSpc>
+              <a:spcBef>
+                <a:spcPts val="0"/>
+              </a:spcBef>
+              <a:spcAft>
+                <a:spcPts val="0"/>
+              </a:spcAft>
+              <a:buClr>
+                <a:srgbClr val="000000"/>
+              </a:buClr>
+              <a:buSzPts val="1000"/>
+              <a:buFont typeface="Arial"/>
+              <a:buNone/>
             </a:pPr>
             <a:r>
-              <a:rPr lang="en" dirty="0"/>
-              <a:t>We need to develop a model </a:t>
+              <a:rPr lang="en" sz="1000" b="0" i="0" u="none" strike="noStrike" cap="none">
+                <a:solidFill>
+                  <a:srgbClr val="000000"/>
+                </a:solidFill>
+                <a:latin typeface="Arial"/>
+                <a:ea typeface="Arial"/>
+                <a:cs typeface="Arial"/>
+                <a:sym typeface="Arial"/>
+              </a:rPr>
+              <a:t>Translation Process</a:t>
             </a:r>
-            <a:endParaRPr dirty="0"/>
-          </a:p>
-          <a:p>
-            <a:pPr marL="914400" lvl="1" indent="-317500" algn="l" rtl="0">
-              <a:spcBef>
-                <a:spcPts val="0"/>
-              </a:spcBef>
-              <a:spcAft>
-                <a:spcPts val="0"/>
-              </a:spcAft>
+            <a:endParaRPr sz="1000" b="0" i="0" u="none" strike="noStrike" cap="none">
+              <a:solidFill>
+                <a:srgbClr val="000000"/>
+              </a:solidFill>
+              <a:latin typeface="Arial"/>
+              <a:ea typeface="Arial"/>
+              <a:cs typeface="Arial"/>
+              <a:sym typeface="Arial"/>
+            </a:endParaRPr>
+          </a:p>
+        </p:txBody>
+      </p:sp>
+      <p:sp>
+        <p:nvSpPr>
+          <p:cNvPr id="80" name="Google Shape;80;p16"/>
+          <p:cNvSpPr/>
+          <p:nvPr/>
+        </p:nvSpPr>
+        <p:spPr>
+          <a:xfrm>
+            <a:off x="7533600" y="1045175"/>
+            <a:ext cx="1463700" cy="338700"/>
+          </a:xfrm>
+          <a:prstGeom prst="rect">
+            <a:avLst/>
+          </a:prstGeom>
+          <a:solidFill>
+            <a:schemeClr val="lt2"/>
+          </a:solidFill>
+          <a:ln w="9525" cap="flat" cmpd="sng">
+            <a:solidFill>
+              <a:schemeClr val="dk2"/>
+            </a:solidFill>
+            <a:prstDash val="solid"/>
+            <a:round/>
+            <a:headEnd type="none" w="sm" len="sm"/>
+            <a:tailEnd type="none" w="sm" len="sm"/>
+          </a:ln>
+        </p:spPr>
+        <p:txBody>
+          <a:bodyPr spcFirstLastPara="1" wrap="square" lIns="91425" tIns="91425" rIns="91425" bIns="91425" anchor="ctr" anchorCtr="0">
+            <a:noAutofit/>
+          </a:bodyPr>
+          <a:lstStyle/>
+          <a:p>
+            <a:pPr marL="0" marR="0" lvl="0" indent="0" algn="l" rtl="0">
+              <a:lnSpc>
+                <a:spcPct val="100000"/>
+              </a:lnSpc>
+              <a:spcBef>
+                <a:spcPts val="0"/>
+              </a:spcBef>
+              <a:spcAft>
+                <a:spcPts val="0"/>
+              </a:spcAft>
+              <a:buClr>
+                <a:srgbClr val="000000"/>
+              </a:buClr>
+              <a:buSzPts val="1200"/>
+              <a:buFont typeface="Arial"/>
+              <a:buNone/>
+            </a:pPr>
+            <a:r>
+              <a:rPr lang="en" sz="1200" b="0" i="0" u="none" strike="noStrike" cap="none">
+                <a:solidFill>
+                  <a:srgbClr val="000000"/>
+                </a:solidFill>
+                <a:latin typeface="Arial"/>
+                <a:ea typeface="Arial"/>
+                <a:cs typeface="Arial"/>
+                <a:sym typeface="Arial"/>
+              </a:rPr>
+              <a:t>Source:      .java</a:t>
+            </a:r>
+            <a:endParaRPr sz="1200" b="0" i="0" u="none" strike="noStrike" cap="none">
+              <a:solidFill>
+                <a:srgbClr val="000000"/>
+              </a:solidFill>
+              <a:latin typeface="Arial"/>
+              <a:ea typeface="Arial"/>
+              <a:cs typeface="Arial"/>
+              <a:sym typeface="Arial"/>
+            </a:endParaRPr>
+          </a:p>
+        </p:txBody>
+      </p:sp>
+      <p:sp>
+        <p:nvSpPr>
+          <p:cNvPr id="81" name="Google Shape;81;p16"/>
+          <p:cNvSpPr/>
+          <p:nvPr/>
+        </p:nvSpPr>
+        <p:spPr>
+          <a:xfrm>
+            <a:off x="3647000" y="2322075"/>
+            <a:ext cx="1463700" cy="338700"/>
+          </a:xfrm>
+          <a:prstGeom prst="rect">
+            <a:avLst/>
+          </a:prstGeom>
+          <a:solidFill>
+            <a:schemeClr val="lt2"/>
+          </a:solidFill>
+          <a:ln w="9525" cap="flat" cmpd="sng">
+            <a:solidFill>
+              <a:schemeClr val="dk2"/>
+            </a:solidFill>
+            <a:prstDash val="solid"/>
+            <a:round/>
+            <a:headEnd type="none" w="sm" len="sm"/>
+            <a:tailEnd type="none" w="sm" len="sm"/>
+          </a:ln>
+        </p:spPr>
+        <p:txBody>
+          <a:bodyPr spcFirstLastPara="1" wrap="square" lIns="91425" tIns="91425" rIns="91425" bIns="91425" anchor="ctr" anchorCtr="0">
+            <a:noAutofit/>
+          </a:bodyPr>
+          <a:lstStyle/>
+          <a:p>
+            <a:pPr marL="0" marR="0" lvl="0" indent="0" algn="l" rtl="0">
+              <a:lnSpc>
+                <a:spcPct val="100000"/>
+              </a:lnSpc>
+              <a:spcBef>
+                <a:spcPts val="0"/>
+              </a:spcBef>
+              <a:spcAft>
+                <a:spcPts val="0"/>
+              </a:spcAft>
+              <a:buClr>
+                <a:srgbClr val="000000"/>
+              </a:buClr>
+              <a:buSzPts val="1200"/>
+              <a:buFont typeface="Arial"/>
+              <a:buNone/>
+            </a:pPr>
+            <a:r>
+              <a:rPr lang="en" sz="1200" b="0" i="0" u="none" strike="noStrike" cap="none">
+                <a:solidFill>
+                  <a:srgbClr val="000000"/>
+                </a:solidFill>
+                <a:latin typeface="Arial"/>
+                <a:ea typeface="Arial"/>
+                <a:cs typeface="Arial"/>
+                <a:sym typeface="Arial"/>
+              </a:rPr>
+              <a:t>Assembly:    .s</a:t>
+            </a:r>
+            <a:endParaRPr sz="1200" b="0" i="0" u="none" strike="noStrike" cap="none">
+              <a:solidFill>
+                <a:srgbClr val="000000"/>
+              </a:solidFill>
+              <a:latin typeface="Arial"/>
+              <a:ea typeface="Arial"/>
+              <a:cs typeface="Arial"/>
+              <a:sym typeface="Arial"/>
+            </a:endParaRPr>
+          </a:p>
+        </p:txBody>
+      </p:sp>
+      <p:sp>
+        <p:nvSpPr>
+          <p:cNvPr id="82" name="Google Shape;82;p16"/>
+          <p:cNvSpPr/>
+          <p:nvPr/>
+        </p:nvSpPr>
+        <p:spPr>
+          <a:xfrm>
+            <a:off x="3647000" y="2855475"/>
+            <a:ext cx="1463700" cy="338700"/>
+          </a:xfrm>
+          <a:prstGeom prst="rect">
+            <a:avLst/>
+          </a:prstGeom>
+          <a:solidFill>
+            <a:schemeClr val="lt2"/>
+          </a:solidFill>
+          <a:ln w="9525" cap="flat" cmpd="sng">
+            <a:solidFill>
+              <a:schemeClr val="dk2"/>
+            </a:solidFill>
+            <a:prstDash val="solid"/>
+            <a:round/>
+            <a:headEnd type="none" w="sm" len="sm"/>
+            <a:tailEnd type="none" w="sm" len="sm"/>
+          </a:ln>
+        </p:spPr>
+        <p:txBody>
+          <a:bodyPr spcFirstLastPara="1" wrap="square" lIns="91425" tIns="91425" rIns="91425" bIns="91425" anchor="ctr" anchorCtr="0">
+            <a:noAutofit/>
+          </a:bodyPr>
+          <a:lstStyle/>
+          <a:p>
+            <a:pPr marL="0" marR="0" lvl="0" indent="0" algn="l" rtl="0">
+              <a:lnSpc>
+                <a:spcPct val="100000"/>
+              </a:lnSpc>
+              <a:spcBef>
+                <a:spcPts val="0"/>
+              </a:spcBef>
+              <a:spcAft>
+                <a:spcPts val="0"/>
+              </a:spcAft>
+              <a:buClr>
+                <a:srgbClr val="000000"/>
+              </a:buClr>
+              <a:buSzPts val="1200"/>
+              <a:buFont typeface="Arial"/>
+              <a:buNone/>
+            </a:pPr>
+            <a:r>
+              <a:rPr lang="en" sz="1200" b="0" i="0" u="none" strike="noStrike" cap="none">
+                <a:solidFill>
+                  <a:srgbClr val="000000"/>
+                </a:solidFill>
+                <a:latin typeface="Arial"/>
+                <a:ea typeface="Arial"/>
+                <a:cs typeface="Arial"/>
+                <a:sym typeface="Arial"/>
+              </a:rPr>
+              <a:t>Object:      .o</a:t>
+            </a:r>
+            <a:endParaRPr sz="1200" b="0" i="0" u="none" strike="noStrike" cap="none">
+              <a:solidFill>
+                <a:srgbClr val="000000"/>
+              </a:solidFill>
+              <a:latin typeface="Arial"/>
+              <a:ea typeface="Arial"/>
+              <a:cs typeface="Arial"/>
+              <a:sym typeface="Arial"/>
+            </a:endParaRPr>
+          </a:p>
+        </p:txBody>
+      </p:sp>
+      <p:sp>
+        <p:nvSpPr>
+          <p:cNvPr id="83" name="Google Shape;83;p16"/>
+          <p:cNvSpPr/>
+          <p:nvPr/>
+        </p:nvSpPr>
+        <p:spPr>
+          <a:xfrm>
+            <a:off x="3647000" y="3388875"/>
+            <a:ext cx="1463700" cy="338700"/>
+          </a:xfrm>
+          <a:prstGeom prst="rect">
+            <a:avLst/>
+          </a:prstGeom>
+          <a:solidFill>
+            <a:schemeClr val="lt2"/>
+          </a:solidFill>
+          <a:ln w="9525" cap="flat" cmpd="sng">
+            <a:solidFill>
+              <a:schemeClr val="dk2"/>
+            </a:solidFill>
+            <a:prstDash val="solid"/>
+            <a:round/>
+            <a:headEnd type="none" w="sm" len="sm"/>
+            <a:tailEnd type="none" w="sm" len="sm"/>
+          </a:ln>
+        </p:spPr>
+        <p:txBody>
+          <a:bodyPr spcFirstLastPara="1" wrap="square" lIns="91425" tIns="91425" rIns="91425" bIns="91425" anchor="ctr" anchorCtr="0">
+            <a:noAutofit/>
+          </a:bodyPr>
+          <a:lstStyle/>
+          <a:p>
+            <a:pPr marL="0" marR="0" lvl="0" indent="0" algn="l" rtl="0">
+              <a:lnSpc>
+                <a:spcPct val="100000"/>
+              </a:lnSpc>
+              <a:spcBef>
+                <a:spcPts val="0"/>
+              </a:spcBef>
+              <a:spcAft>
+                <a:spcPts val="0"/>
+              </a:spcAft>
+              <a:buClr>
+                <a:srgbClr val="000000"/>
+              </a:buClr>
+              <a:buSzPts val="1200"/>
+              <a:buFont typeface="Arial"/>
+              <a:buNone/>
+            </a:pPr>
+            <a:r>
+              <a:rPr lang="en" sz="1200" b="0" i="0" u="none" strike="noStrike" cap="none">
+                <a:solidFill>
+                  <a:srgbClr val="000000"/>
+                </a:solidFill>
+                <a:latin typeface="Arial"/>
+                <a:ea typeface="Arial"/>
+                <a:cs typeface="Arial"/>
+                <a:sym typeface="Arial"/>
+              </a:rPr>
+              <a:t>Executable:  a.out</a:t>
+            </a:r>
+            <a:endParaRPr sz="1200" b="0" i="0" u="none" strike="noStrike" cap="none">
+              <a:solidFill>
+                <a:srgbClr val="000000"/>
+              </a:solidFill>
+              <a:latin typeface="Arial"/>
+              <a:ea typeface="Arial"/>
+              <a:cs typeface="Arial"/>
+              <a:sym typeface="Arial"/>
+            </a:endParaRPr>
+          </a:p>
+        </p:txBody>
+      </p:sp>
+      <p:sp>
+        <p:nvSpPr>
+          <p:cNvPr id="84" name="Google Shape;84;p16"/>
+          <p:cNvSpPr/>
+          <p:nvPr/>
+        </p:nvSpPr>
+        <p:spPr>
+          <a:xfrm>
+            <a:off x="7559875" y="2028200"/>
+            <a:ext cx="1463700" cy="338700"/>
+          </a:xfrm>
+          <a:prstGeom prst="rect">
+            <a:avLst/>
+          </a:prstGeom>
+          <a:solidFill>
+            <a:schemeClr val="lt2"/>
+          </a:solidFill>
+          <a:ln w="9525" cap="flat" cmpd="sng">
+            <a:solidFill>
+              <a:schemeClr val="dk2"/>
+            </a:solidFill>
+            <a:prstDash val="solid"/>
+            <a:round/>
+            <a:headEnd type="none" w="sm" len="sm"/>
+            <a:tailEnd type="none" w="sm" len="sm"/>
+          </a:ln>
+        </p:spPr>
+        <p:txBody>
+          <a:bodyPr spcFirstLastPara="1" wrap="square" lIns="91425" tIns="91425" rIns="91425" bIns="91425" anchor="ctr" anchorCtr="0">
+            <a:noAutofit/>
+          </a:bodyPr>
+          <a:lstStyle/>
+          <a:p>
+            <a:pPr marL="0" marR="0" lvl="0" indent="0" algn="l" rtl="0">
+              <a:lnSpc>
+                <a:spcPct val="100000"/>
+              </a:lnSpc>
+              <a:spcBef>
+                <a:spcPts val="0"/>
+              </a:spcBef>
+              <a:spcAft>
+                <a:spcPts val="0"/>
+              </a:spcAft>
+              <a:buClr>
+                <a:srgbClr val="000000"/>
+              </a:buClr>
+              <a:buSzPts val="1200"/>
+              <a:buFont typeface="Arial"/>
+              <a:buNone/>
+            </a:pPr>
+            <a:r>
+              <a:rPr lang="en" sz="1200" b="0" i="0" u="none" strike="noStrike" cap="none">
+                <a:solidFill>
+                  <a:srgbClr val="000000"/>
+                </a:solidFill>
+                <a:latin typeface="Arial"/>
+                <a:ea typeface="Arial"/>
+                <a:cs typeface="Arial"/>
+                <a:sym typeface="Arial"/>
+              </a:rPr>
+              <a:t>Object:      .class</a:t>
+            </a:r>
+            <a:endParaRPr sz="1200" b="0" i="0" u="none" strike="noStrike" cap="none">
+              <a:solidFill>
+                <a:srgbClr val="000000"/>
+              </a:solidFill>
+              <a:latin typeface="Arial"/>
+              <a:ea typeface="Arial"/>
+              <a:cs typeface="Arial"/>
+              <a:sym typeface="Arial"/>
+            </a:endParaRPr>
+          </a:p>
+        </p:txBody>
+      </p:sp>
+      <p:sp>
+        <p:nvSpPr>
+          <p:cNvPr id="85" name="Google Shape;85;p16"/>
+          <p:cNvSpPr txBox="1"/>
+          <p:nvPr/>
+        </p:nvSpPr>
+        <p:spPr>
+          <a:xfrm>
+            <a:off x="7631191" y="2919925"/>
+            <a:ext cx="1314900" cy="338700"/>
+          </a:xfrm>
+          <a:prstGeom prst="rect">
+            <a:avLst/>
+          </a:prstGeom>
+          <a:solidFill>
+            <a:srgbClr val="FFFFFF"/>
+          </a:solidFill>
+          <a:ln w="9525" cap="flat" cmpd="sng">
+            <a:solidFill>
+              <a:srgbClr val="999999"/>
+            </a:solidFill>
+            <a:prstDash val="solid"/>
+            <a:round/>
+            <a:headEnd type="none" w="sm" len="sm"/>
+            <a:tailEnd type="none" w="sm" len="sm"/>
+          </a:ln>
+        </p:spPr>
+        <p:txBody>
+          <a:bodyPr spcFirstLastPara="1" wrap="square" lIns="91425" tIns="91425" rIns="91425" bIns="91425" anchor="t" anchorCtr="0">
+            <a:spAutoFit/>
+          </a:bodyPr>
+          <a:lstStyle/>
+          <a:p>
+            <a:pPr marL="0" marR="0" lvl="0" indent="0" algn="ctr" rtl="0">
+              <a:lnSpc>
+                <a:spcPct val="100000"/>
+              </a:lnSpc>
+              <a:spcBef>
+                <a:spcPts val="0"/>
+              </a:spcBef>
+              <a:spcAft>
+                <a:spcPts val="0"/>
+              </a:spcAft>
+              <a:buClr>
+                <a:srgbClr val="000000"/>
+              </a:buClr>
+              <a:buSzPts val="1000"/>
+              <a:buFont typeface="Arial"/>
+              <a:buNone/>
+            </a:pPr>
+            <a:r>
+              <a:rPr lang="en" sz="1000" b="0" i="0" u="none" strike="noStrike" cap="none">
+                <a:solidFill>
+                  <a:srgbClr val="000000"/>
+                </a:solidFill>
+                <a:latin typeface="Arial"/>
+                <a:ea typeface="Arial"/>
+                <a:cs typeface="Arial"/>
+                <a:sym typeface="Arial"/>
+              </a:rPr>
+              <a:t>Virtual Machine</a:t>
+            </a:r>
+            <a:endParaRPr sz="1000" b="0" i="0" u="none" strike="noStrike" cap="none">
+              <a:solidFill>
+                <a:srgbClr val="000000"/>
+              </a:solidFill>
+              <a:latin typeface="Arial"/>
+              <a:ea typeface="Arial"/>
+              <a:cs typeface="Arial"/>
+              <a:sym typeface="Arial"/>
+            </a:endParaRPr>
+          </a:p>
+        </p:txBody>
+      </p:sp>
+      <p:sp>
+        <p:nvSpPr>
+          <p:cNvPr id="86" name="Google Shape;86;p16"/>
+          <p:cNvSpPr/>
+          <p:nvPr/>
+        </p:nvSpPr>
+        <p:spPr>
+          <a:xfrm rot="-5400000" flipH="1">
+            <a:off x="7743025" y="3384175"/>
+            <a:ext cx="559500" cy="719700"/>
+          </a:xfrm>
+          <a:prstGeom prst="bentUpArrow">
+            <a:avLst>
+              <a:gd name="adj1" fmla="val 25000"/>
+              <a:gd name="adj2" fmla="val 25865"/>
+              <a:gd name="adj3" fmla="val 25000"/>
+            </a:avLst>
+          </a:prstGeom>
+          <a:solidFill>
+            <a:schemeClr val="lt2"/>
+          </a:solidFill>
+          <a:ln w="9525" cap="flat" cmpd="sng">
+            <a:solidFill>
+              <a:schemeClr val="dk2"/>
+            </a:solidFill>
+            <a:prstDash val="solid"/>
+            <a:round/>
+            <a:headEnd type="none" w="sm" len="sm"/>
+            <a:tailEnd type="none" w="sm" len="sm"/>
+          </a:ln>
+        </p:spPr>
+        <p:txBody>
+          <a:bodyPr spcFirstLastPara="1" wrap="square" lIns="91425" tIns="91425" rIns="91425" bIns="91425" anchor="ctr" anchorCtr="0">
+            <a:noAutofit/>
+          </a:bodyPr>
+          <a:lstStyle/>
+          <a:p>
+            <a:pPr marL="0" marR="0" lvl="0" indent="0" algn="l" rtl="0">
+              <a:lnSpc>
+                <a:spcPct val="100000"/>
+              </a:lnSpc>
+              <a:spcBef>
+                <a:spcPts val="0"/>
+              </a:spcBef>
+              <a:spcAft>
+                <a:spcPts val="0"/>
+              </a:spcAft>
+              <a:buClr>
+                <a:srgbClr val="000000"/>
+              </a:buClr>
               <a:buSzPts val="1400"/>
-              <a:buChar char="○"/>
+              <a:buFont typeface="Arial"/>
+              <a:buNone/>
+            </a:pPr>
+            <a:endParaRPr sz="1400" b="0" i="0" u="none" strike="noStrike" cap="none">
+              <a:solidFill>
+                <a:srgbClr val="000000"/>
+              </a:solidFill>
+              <a:latin typeface="Arial"/>
+              <a:ea typeface="Arial"/>
+              <a:cs typeface="Arial"/>
+              <a:sym typeface="Arial"/>
+            </a:endParaRPr>
+          </a:p>
+        </p:txBody>
+      </p:sp>
+      <p:cxnSp>
+        <p:nvCxnSpPr>
+          <p:cNvPr id="87" name="Google Shape;87;p16"/>
+          <p:cNvCxnSpPr>
+            <a:stCxn id="80" idx="2"/>
+            <a:endCxn id="84" idx="0"/>
+          </p:cNvCxnSpPr>
+          <p:nvPr/>
+        </p:nvCxnSpPr>
+        <p:spPr>
+          <a:xfrm>
+            <a:off x="8265450" y="1383875"/>
+            <a:ext cx="26400" cy="644400"/>
+          </a:xfrm>
+          <a:prstGeom prst="straightConnector1">
+            <a:avLst/>
+          </a:prstGeom>
+          <a:noFill/>
+          <a:ln w="9525" cap="flat" cmpd="sng">
+            <a:solidFill>
+              <a:schemeClr val="dk2"/>
+            </a:solidFill>
+            <a:prstDash val="solid"/>
+            <a:round/>
+            <a:headEnd type="none" w="sm" len="sm"/>
+            <a:tailEnd type="triangle" w="med" len="med"/>
+          </a:ln>
+        </p:spPr>
+      </p:cxnSp>
+      <p:sp>
+        <p:nvSpPr>
+          <p:cNvPr id="88" name="Google Shape;88;p16"/>
+          <p:cNvSpPr txBox="1"/>
+          <p:nvPr/>
+        </p:nvSpPr>
+        <p:spPr>
+          <a:xfrm>
+            <a:off x="7871650" y="1570750"/>
+            <a:ext cx="834000" cy="276900"/>
+          </a:xfrm>
+          <a:prstGeom prst="rect">
+            <a:avLst/>
+          </a:prstGeom>
+          <a:solidFill>
+            <a:srgbClr val="F3F3F3"/>
+          </a:solidFill>
+          <a:ln w="9525" cap="flat" cmpd="sng">
+            <a:solidFill>
+              <a:srgbClr val="EFEFEF"/>
+            </a:solidFill>
+            <a:prstDash val="solid"/>
+            <a:round/>
+            <a:headEnd type="none" w="sm" len="sm"/>
+            <a:tailEnd type="none" w="sm" len="sm"/>
+          </a:ln>
+        </p:spPr>
+        <p:txBody>
+          <a:bodyPr spcFirstLastPara="1" wrap="square" lIns="91425" tIns="91425" rIns="91425" bIns="91425" anchor="t" anchorCtr="0">
+            <a:spAutoFit/>
+          </a:bodyPr>
+          <a:lstStyle/>
+          <a:p>
+            <a:pPr marL="0" marR="0" lvl="0" indent="0" algn="ctr" rtl="0">
+              <a:lnSpc>
+                <a:spcPct val="100000"/>
+              </a:lnSpc>
+              <a:spcBef>
+                <a:spcPts val="0"/>
+              </a:spcBef>
+              <a:spcAft>
+                <a:spcPts val="0"/>
+              </a:spcAft>
+              <a:buClr>
+                <a:srgbClr val="000000"/>
+              </a:buClr>
+              <a:buSzPts val="600"/>
+              <a:buFont typeface="Arial"/>
+              <a:buNone/>
             </a:pPr>
             <a:r>
-              <a:rPr lang="en" dirty="0"/>
-              <a:t>to reason about the problem</a:t>
+              <a:rPr lang="en" sz="600" b="0" i="0" u="none" strike="noStrike" cap="none">
+                <a:solidFill>
+                  <a:srgbClr val="000000"/>
+                </a:solidFill>
+                <a:latin typeface="Arial"/>
+                <a:ea typeface="Arial"/>
+                <a:cs typeface="Arial"/>
+                <a:sym typeface="Arial"/>
+              </a:rPr>
+              <a:t>javac</a:t>
             </a:r>
-            <a:endParaRPr dirty="0"/>
-          </a:p>
-          <a:p>
-            <a:pPr marL="914400" lvl="1" indent="-317500" algn="l" rtl="0">
-              <a:spcBef>
-                <a:spcPts val="0"/>
-              </a:spcBef>
-              <a:spcAft>
-                <a:spcPts val="0"/>
-              </a:spcAft>
+            <a:endParaRPr sz="600" b="0" i="0" u="none" strike="noStrike" cap="none">
+              <a:solidFill>
+                <a:srgbClr val="000000"/>
+              </a:solidFill>
+              <a:latin typeface="Arial"/>
+              <a:ea typeface="Arial"/>
+              <a:cs typeface="Arial"/>
+              <a:sym typeface="Arial"/>
+            </a:endParaRPr>
+          </a:p>
+        </p:txBody>
+      </p:sp>
+      <p:cxnSp>
+        <p:nvCxnSpPr>
+          <p:cNvPr id="89" name="Google Shape;89;p16"/>
+          <p:cNvCxnSpPr>
+            <a:stCxn id="84" idx="2"/>
+            <a:endCxn id="85" idx="0"/>
+          </p:cNvCxnSpPr>
+          <p:nvPr/>
+        </p:nvCxnSpPr>
+        <p:spPr>
+          <a:xfrm flipH="1">
+            <a:off x="8288725" y="2366900"/>
+            <a:ext cx="3000" cy="552900"/>
+          </a:xfrm>
+          <a:prstGeom prst="straightConnector1">
+            <a:avLst/>
+          </a:prstGeom>
+          <a:noFill/>
+          <a:ln w="9525" cap="flat" cmpd="sng">
+            <a:solidFill>
+              <a:schemeClr val="dk2"/>
+            </a:solidFill>
+            <a:prstDash val="solid"/>
+            <a:round/>
+            <a:headEnd type="none" w="sm" len="sm"/>
+            <a:tailEnd type="triangle" w="med" len="med"/>
+          </a:ln>
+        </p:spPr>
+      </p:cxnSp>
+      <p:sp>
+        <p:nvSpPr>
+          <p:cNvPr id="90" name="Google Shape;90;p16"/>
+          <p:cNvSpPr txBox="1"/>
+          <p:nvPr/>
+        </p:nvSpPr>
+        <p:spPr>
+          <a:xfrm>
+            <a:off x="7871650" y="2485150"/>
+            <a:ext cx="834000" cy="276900"/>
+          </a:xfrm>
+          <a:prstGeom prst="rect">
+            <a:avLst/>
+          </a:prstGeom>
+          <a:solidFill>
+            <a:srgbClr val="F3F3F3"/>
+          </a:solidFill>
+          <a:ln w="9525" cap="flat" cmpd="sng">
+            <a:solidFill>
+              <a:srgbClr val="EFEFEF"/>
+            </a:solidFill>
+            <a:prstDash val="solid"/>
+            <a:round/>
+            <a:headEnd type="none" w="sm" len="sm"/>
+            <a:tailEnd type="none" w="sm" len="sm"/>
+          </a:ln>
+        </p:spPr>
+        <p:txBody>
+          <a:bodyPr spcFirstLastPara="1" wrap="square" lIns="91425" tIns="91425" rIns="91425" bIns="91425" anchor="t" anchorCtr="0">
+            <a:spAutoFit/>
+          </a:bodyPr>
+          <a:lstStyle/>
+          <a:p>
+            <a:pPr marL="0" marR="0" lvl="0" indent="0" algn="ctr" rtl="0">
+              <a:lnSpc>
+                <a:spcPct val="100000"/>
+              </a:lnSpc>
+              <a:spcBef>
+                <a:spcPts val="0"/>
+              </a:spcBef>
+              <a:spcAft>
+                <a:spcPts val="0"/>
+              </a:spcAft>
+              <a:buClr>
+                <a:srgbClr val="000000"/>
+              </a:buClr>
+              <a:buSzPts val="600"/>
+              <a:buFont typeface="Arial"/>
+              <a:buNone/>
+            </a:pPr>
+            <a:r>
+              <a:rPr lang="en" sz="600" b="0" i="0" u="none" strike="noStrike" cap="none">
+                <a:solidFill>
+                  <a:srgbClr val="000000"/>
+                </a:solidFill>
+                <a:latin typeface="Arial"/>
+                <a:ea typeface="Arial"/>
+                <a:cs typeface="Arial"/>
+                <a:sym typeface="Arial"/>
+              </a:rPr>
+              <a:t>java</a:t>
+            </a:r>
+            <a:endParaRPr sz="600" b="0" i="0" u="none" strike="noStrike" cap="none">
+              <a:solidFill>
+                <a:srgbClr val="000000"/>
+              </a:solidFill>
+              <a:latin typeface="Arial"/>
+              <a:ea typeface="Arial"/>
+              <a:cs typeface="Arial"/>
+              <a:sym typeface="Arial"/>
+            </a:endParaRPr>
+          </a:p>
+        </p:txBody>
+      </p:sp>
+      <p:sp>
+        <p:nvSpPr>
+          <p:cNvPr id="91" name="Google Shape;91;p16"/>
+          <p:cNvSpPr txBox="1"/>
+          <p:nvPr/>
+        </p:nvSpPr>
+        <p:spPr>
+          <a:xfrm>
+            <a:off x="3982375" y="896848"/>
+            <a:ext cx="719700" cy="723300"/>
+          </a:xfrm>
+          <a:prstGeom prst="rect">
+            <a:avLst/>
+          </a:prstGeom>
+          <a:solidFill>
+            <a:srgbClr val="FFFFFF"/>
+          </a:solidFill>
+          <a:ln w="9525" cap="flat" cmpd="sng">
+            <a:solidFill>
+              <a:srgbClr val="999999"/>
+            </a:solidFill>
+            <a:prstDash val="solid"/>
+            <a:round/>
+            <a:headEnd type="none" w="sm" len="sm"/>
+            <a:tailEnd type="none" w="sm" len="sm"/>
+          </a:ln>
+        </p:spPr>
+        <p:txBody>
+          <a:bodyPr spcFirstLastPara="1" wrap="square" lIns="91425" tIns="91425" rIns="91425" bIns="91425" anchor="t" anchorCtr="0">
+            <a:spAutoFit/>
+          </a:bodyPr>
+          <a:lstStyle/>
+          <a:p>
+            <a:pPr marL="0" marR="0" lvl="0" indent="0" algn="l" rtl="0">
+              <a:lnSpc>
+                <a:spcPct val="100000"/>
+              </a:lnSpc>
+              <a:spcBef>
+                <a:spcPts val="0"/>
+              </a:spcBef>
+              <a:spcAft>
+                <a:spcPts val="0"/>
+              </a:spcAft>
+              <a:buClr>
+                <a:srgbClr val="000000"/>
+              </a:buClr>
+              <a:buSzPts val="700"/>
+              <a:buFont typeface="Arial"/>
+              <a:buNone/>
+            </a:pPr>
+            <a:r>
+              <a:rPr lang="en" sz="700" b="0" i="0" u="none" strike="noStrike" cap="none">
+                <a:solidFill>
+                  <a:srgbClr val="000000"/>
+                </a:solidFill>
+                <a:latin typeface="Arial"/>
+                <a:ea typeface="Arial"/>
+                <a:cs typeface="Arial"/>
+                <a:sym typeface="Arial"/>
+              </a:rPr>
+              <a:t>cc:  ← .h, .c</a:t>
+            </a:r>
+            <a:endParaRPr sz="700" b="0" i="0" u="none" strike="noStrike" cap="none">
+              <a:solidFill>
+                <a:srgbClr val="000000"/>
+              </a:solidFill>
+              <a:latin typeface="Arial"/>
+              <a:ea typeface="Arial"/>
+              <a:cs typeface="Arial"/>
+              <a:sym typeface="Arial"/>
+            </a:endParaRPr>
+          </a:p>
+          <a:p>
+            <a:pPr marL="0" marR="0" lvl="0" indent="0" algn="l" rtl="0">
+              <a:lnSpc>
+                <a:spcPct val="100000"/>
+              </a:lnSpc>
+              <a:spcBef>
+                <a:spcPts val="0"/>
+              </a:spcBef>
+              <a:spcAft>
+                <a:spcPts val="0"/>
+              </a:spcAft>
+              <a:buClr>
+                <a:srgbClr val="000000"/>
+              </a:buClr>
+              <a:buSzPts val="700"/>
+              <a:buFont typeface="Arial"/>
+              <a:buNone/>
+            </a:pPr>
+            <a:r>
+              <a:rPr lang="en" sz="700" b="0" i="0" u="none" strike="noStrike" cap="none">
+                <a:solidFill>
+                  <a:srgbClr val="000000"/>
+                </a:solidFill>
+                <a:latin typeface="Arial"/>
+                <a:ea typeface="Arial"/>
+                <a:cs typeface="Arial"/>
+                <a:sym typeface="Arial"/>
+              </a:rPr>
+              <a:t>     .i ← cpp</a:t>
+            </a:r>
+            <a:endParaRPr sz="700" b="0" i="0" u="none" strike="noStrike" cap="none">
+              <a:solidFill>
+                <a:srgbClr val="000000"/>
+              </a:solidFill>
+              <a:latin typeface="Arial"/>
+              <a:ea typeface="Arial"/>
+              <a:cs typeface="Arial"/>
+              <a:sym typeface="Arial"/>
+            </a:endParaRPr>
+          </a:p>
+          <a:p>
+            <a:pPr marL="0" marR="0" lvl="0" indent="0" algn="l" rtl="0">
+              <a:lnSpc>
+                <a:spcPct val="100000"/>
+              </a:lnSpc>
+              <a:spcBef>
+                <a:spcPts val="0"/>
+              </a:spcBef>
+              <a:spcAft>
+                <a:spcPts val="0"/>
+              </a:spcAft>
+              <a:buClr>
+                <a:srgbClr val="000000"/>
+              </a:buClr>
+              <a:buSzPts val="700"/>
+              <a:buFont typeface="Arial"/>
+              <a:buNone/>
+            </a:pPr>
+            <a:r>
+              <a:rPr lang="en" sz="700" b="0" i="0" u="none" strike="noStrike" cap="none">
+                <a:solidFill>
+                  <a:srgbClr val="000000"/>
+                </a:solidFill>
+                <a:latin typeface="Arial"/>
+                <a:ea typeface="Arial"/>
+                <a:cs typeface="Arial"/>
+                <a:sym typeface="Arial"/>
+              </a:rPr>
+              <a:t>     .s ← ccom</a:t>
+            </a:r>
+            <a:br>
+              <a:rPr lang="en" sz="700" b="0" i="0" u="none" strike="noStrike" cap="none">
+                <a:solidFill>
+                  <a:srgbClr val="000000"/>
+                </a:solidFill>
+                <a:latin typeface="Arial"/>
+                <a:ea typeface="Arial"/>
+                <a:cs typeface="Arial"/>
+                <a:sym typeface="Arial"/>
+              </a:rPr>
+            </a:br>
+            <a:r>
+              <a:rPr lang="en" sz="700" b="0" i="0" u="none" strike="noStrike" cap="none">
+                <a:solidFill>
+                  <a:srgbClr val="000000"/>
+                </a:solidFill>
+                <a:latin typeface="Arial"/>
+                <a:ea typeface="Arial"/>
+                <a:cs typeface="Arial"/>
+                <a:sym typeface="Arial"/>
+              </a:rPr>
+              <a:t>     .o ← as </a:t>
+            </a:r>
+            <a:endParaRPr sz="700" b="0" i="0" u="none" strike="noStrike" cap="none">
+              <a:solidFill>
+                <a:srgbClr val="000000"/>
+              </a:solidFill>
+              <a:latin typeface="Arial"/>
+              <a:ea typeface="Arial"/>
+              <a:cs typeface="Arial"/>
+              <a:sym typeface="Arial"/>
+            </a:endParaRPr>
+          </a:p>
+          <a:p>
+            <a:pPr marL="0" marR="0" lvl="0" indent="0" algn="l" rtl="0">
+              <a:lnSpc>
+                <a:spcPct val="100000"/>
+              </a:lnSpc>
+              <a:spcBef>
+                <a:spcPts val="0"/>
+              </a:spcBef>
+              <a:spcAft>
+                <a:spcPts val="0"/>
+              </a:spcAft>
+              <a:buClr>
+                <a:srgbClr val="000000"/>
+              </a:buClr>
+              <a:buSzPts val="700"/>
+              <a:buFont typeface="Arial"/>
+              <a:buNone/>
+            </a:pPr>
+            <a:r>
+              <a:rPr lang="en" sz="700" b="0" i="0" u="none" strike="noStrike" cap="none">
+                <a:solidFill>
+                  <a:srgbClr val="000000"/>
+                </a:solidFill>
+                <a:latin typeface="Arial"/>
+                <a:ea typeface="Arial"/>
+                <a:cs typeface="Arial"/>
+                <a:sym typeface="Arial"/>
+              </a:rPr>
+              <a:t>     .out ← ld </a:t>
+            </a:r>
+            <a:endParaRPr sz="700" b="0" i="0" u="none" strike="noStrike" cap="none">
+              <a:solidFill>
+                <a:srgbClr val="000000"/>
+              </a:solidFill>
+              <a:latin typeface="Arial"/>
+              <a:ea typeface="Arial"/>
+              <a:cs typeface="Arial"/>
+              <a:sym typeface="Arial"/>
+            </a:endParaRPr>
+          </a:p>
+        </p:txBody>
+      </p:sp>
+      <p:cxnSp>
+        <p:nvCxnSpPr>
+          <p:cNvPr id="92" name="Google Shape;92;p16"/>
+          <p:cNvCxnSpPr>
+            <a:stCxn id="93" idx="2"/>
+            <a:endCxn id="81" idx="0"/>
+          </p:cNvCxnSpPr>
+          <p:nvPr/>
+        </p:nvCxnSpPr>
+        <p:spPr>
+          <a:xfrm>
+            <a:off x="4378564" y="1991647"/>
+            <a:ext cx="300" cy="330300"/>
+          </a:xfrm>
+          <a:prstGeom prst="straightConnector1">
+            <a:avLst/>
+          </a:prstGeom>
+          <a:noFill/>
+          <a:ln w="9525" cap="flat" cmpd="sng">
+            <a:solidFill>
+              <a:schemeClr val="dk2"/>
+            </a:solidFill>
+            <a:prstDash val="solid"/>
+            <a:round/>
+            <a:headEnd type="none" w="sm" len="sm"/>
+            <a:tailEnd type="triangle" w="med" len="med"/>
+          </a:ln>
+        </p:spPr>
+      </p:cxnSp>
+      <p:cxnSp>
+        <p:nvCxnSpPr>
+          <p:cNvPr id="94" name="Google Shape;94;p16"/>
+          <p:cNvCxnSpPr>
+            <a:stCxn id="81" idx="2"/>
+            <a:endCxn id="82" idx="0"/>
+          </p:cNvCxnSpPr>
+          <p:nvPr/>
+        </p:nvCxnSpPr>
+        <p:spPr>
+          <a:xfrm>
+            <a:off x="4378850" y="2660775"/>
+            <a:ext cx="0" cy="194700"/>
+          </a:xfrm>
+          <a:prstGeom prst="straightConnector1">
+            <a:avLst/>
+          </a:prstGeom>
+          <a:noFill/>
+          <a:ln w="9525" cap="flat" cmpd="sng">
+            <a:solidFill>
+              <a:schemeClr val="dk2"/>
+            </a:solidFill>
+            <a:prstDash val="solid"/>
+            <a:round/>
+            <a:headEnd type="none" w="sm" len="sm"/>
+            <a:tailEnd type="triangle" w="med" len="med"/>
+          </a:ln>
+        </p:spPr>
+      </p:cxnSp>
+      <p:cxnSp>
+        <p:nvCxnSpPr>
+          <p:cNvPr id="95" name="Google Shape;95;p16"/>
+          <p:cNvCxnSpPr>
+            <a:stCxn id="82" idx="2"/>
+            <a:endCxn id="83" idx="0"/>
+          </p:cNvCxnSpPr>
+          <p:nvPr/>
+        </p:nvCxnSpPr>
+        <p:spPr>
+          <a:xfrm>
+            <a:off x="4378850" y="3194175"/>
+            <a:ext cx="0" cy="194700"/>
+          </a:xfrm>
+          <a:prstGeom prst="straightConnector1">
+            <a:avLst/>
+          </a:prstGeom>
+          <a:noFill/>
+          <a:ln w="9525" cap="flat" cmpd="sng">
+            <a:solidFill>
+              <a:schemeClr val="dk2"/>
+            </a:solidFill>
+            <a:prstDash val="solid"/>
+            <a:round/>
+            <a:headEnd type="none" w="sm" len="sm"/>
+            <a:tailEnd type="triangle" w="med" len="med"/>
+          </a:ln>
+        </p:spPr>
+      </p:cxnSp>
+      <p:sp>
+        <p:nvSpPr>
+          <p:cNvPr id="93" name="Google Shape;93;p16"/>
+          <p:cNvSpPr/>
+          <p:nvPr/>
+        </p:nvSpPr>
+        <p:spPr>
+          <a:xfrm>
+            <a:off x="3646714" y="1652947"/>
+            <a:ext cx="1463700" cy="338700"/>
+          </a:xfrm>
+          <a:prstGeom prst="rect">
+            <a:avLst/>
+          </a:prstGeom>
+          <a:solidFill>
+            <a:schemeClr val="lt2"/>
+          </a:solidFill>
+          <a:ln w="9525" cap="flat" cmpd="sng">
+            <a:solidFill>
+              <a:schemeClr val="dk2"/>
+            </a:solidFill>
+            <a:prstDash val="solid"/>
+            <a:round/>
+            <a:headEnd type="none" w="sm" len="sm"/>
+            <a:tailEnd type="none" w="sm" len="sm"/>
+          </a:ln>
+        </p:spPr>
+        <p:txBody>
+          <a:bodyPr spcFirstLastPara="1" wrap="square" lIns="91425" tIns="91425" rIns="91425" bIns="91425" anchor="ctr" anchorCtr="0">
+            <a:noAutofit/>
+          </a:bodyPr>
+          <a:lstStyle/>
+          <a:p>
+            <a:pPr marL="0" marR="0" lvl="0" indent="0" algn="l" rtl="0">
+              <a:lnSpc>
+                <a:spcPct val="100000"/>
+              </a:lnSpc>
+              <a:spcBef>
+                <a:spcPts val="0"/>
+              </a:spcBef>
+              <a:spcAft>
+                <a:spcPts val="0"/>
+              </a:spcAft>
+              <a:buClr>
+                <a:srgbClr val="000000"/>
+              </a:buClr>
+              <a:buSzPts val="1200"/>
+              <a:buFont typeface="Arial"/>
+              <a:buNone/>
+            </a:pPr>
+            <a:r>
+              <a:rPr lang="en" sz="1200" b="0" i="0" u="none" strike="noStrike" cap="none">
+                <a:solidFill>
+                  <a:srgbClr val="000000"/>
+                </a:solidFill>
+                <a:latin typeface="Arial"/>
+                <a:ea typeface="Arial"/>
+                <a:cs typeface="Arial"/>
+                <a:sym typeface="Arial"/>
+              </a:rPr>
+              <a:t>Source:      .c</a:t>
+            </a:r>
+            <a:endParaRPr sz="1200" b="0" i="0" u="none" strike="noStrike" cap="none">
+              <a:solidFill>
+                <a:srgbClr val="000000"/>
+              </a:solidFill>
+              <a:latin typeface="Arial"/>
+              <a:ea typeface="Arial"/>
+              <a:cs typeface="Arial"/>
+              <a:sym typeface="Arial"/>
+            </a:endParaRPr>
+          </a:p>
+        </p:txBody>
+      </p:sp>
+      <p:sp>
+        <p:nvSpPr>
+          <p:cNvPr id="96" name="Google Shape;96;p16"/>
+          <p:cNvSpPr/>
+          <p:nvPr/>
+        </p:nvSpPr>
+        <p:spPr>
+          <a:xfrm rot="5402886">
+            <a:off x="4533966" y="3536344"/>
+            <a:ext cx="357300" cy="743400"/>
+          </a:xfrm>
+          <a:prstGeom prst="bentUpArrow">
+            <a:avLst>
+              <a:gd name="adj1" fmla="val 25000"/>
+              <a:gd name="adj2" fmla="val 25000"/>
+              <a:gd name="adj3" fmla="val 25000"/>
+            </a:avLst>
+          </a:prstGeom>
+          <a:solidFill>
+            <a:schemeClr val="lt2"/>
+          </a:solidFill>
+          <a:ln w="9525" cap="flat" cmpd="sng">
+            <a:solidFill>
+              <a:schemeClr val="dk2"/>
+            </a:solidFill>
+            <a:prstDash val="solid"/>
+            <a:round/>
+            <a:headEnd type="none" w="sm" len="sm"/>
+            <a:tailEnd type="none" w="sm" len="sm"/>
+          </a:ln>
+        </p:spPr>
+        <p:txBody>
+          <a:bodyPr spcFirstLastPara="1" wrap="square" lIns="91425" tIns="91425" rIns="91425" bIns="91425" anchor="ctr" anchorCtr="0">
+            <a:noAutofit/>
+          </a:bodyPr>
+          <a:lstStyle/>
+          <a:p>
+            <a:pPr marL="0" marR="0" lvl="0" indent="0" algn="l" rtl="0">
+              <a:lnSpc>
+                <a:spcPct val="100000"/>
+              </a:lnSpc>
+              <a:spcBef>
+                <a:spcPts val="0"/>
+              </a:spcBef>
+              <a:spcAft>
+                <a:spcPts val="0"/>
+              </a:spcAft>
+              <a:buClr>
+                <a:srgbClr val="000000"/>
+              </a:buClr>
               <a:buSzPts val="1400"/>
-              <a:buChar char="○"/>
+              <a:buFont typeface="Arial"/>
+              <a:buNone/>
+            </a:pPr>
+            <a:endParaRPr sz="1400" b="0" i="0" u="none" strike="noStrike" cap="none">
+              <a:solidFill>
+                <a:srgbClr val="000000"/>
+              </a:solidFill>
+              <a:latin typeface="Arial"/>
+              <a:ea typeface="Arial"/>
+              <a:cs typeface="Arial"/>
+              <a:sym typeface="Arial"/>
+            </a:endParaRPr>
+          </a:p>
+        </p:txBody>
+      </p:sp>
+      <p:sp>
+        <p:nvSpPr>
+          <p:cNvPr id="97" name="Google Shape;97;p16"/>
+          <p:cNvSpPr/>
+          <p:nvPr/>
+        </p:nvSpPr>
+        <p:spPr>
+          <a:xfrm>
+            <a:off x="5205850" y="3784275"/>
+            <a:ext cx="151800" cy="601200"/>
+          </a:xfrm>
+          <a:prstGeom prst="rect">
+            <a:avLst/>
+          </a:prstGeom>
+          <a:solidFill>
+            <a:schemeClr val="lt2"/>
+          </a:solidFill>
+          <a:ln w="9525" cap="flat" cmpd="sng">
+            <a:solidFill>
+              <a:schemeClr val="dk2"/>
+            </a:solidFill>
+            <a:prstDash val="solid"/>
+            <a:round/>
+            <a:headEnd type="none" w="sm" len="sm"/>
+            <a:tailEnd type="none" w="sm" len="sm"/>
+          </a:ln>
+        </p:spPr>
+        <p:txBody>
+          <a:bodyPr spcFirstLastPara="1" wrap="square" lIns="91425" tIns="91425" rIns="91425" bIns="91425" anchor="ctr" anchorCtr="0">
+            <a:noAutofit/>
+          </a:bodyPr>
+          <a:lstStyle/>
+          <a:p>
+            <a:pPr marL="0" marR="0" lvl="0" indent="0" algn="l" rtl="0">
+              <a:lnSpc>
+                <a:spcPct val="100000"/>
+              </a:lnSpc>
+              <a:spcBef>
+                <a:spcPts val="0"/>
+              </a:spcBef>
+              <a:spcAft>
+                <a:spcPts val="0"/>
+              </a:spcAft>
+              <a:buClr>
+                <a:srgbClr val="000000"/>
+              </a:buClr>
+              <a:buSzPts val="500"/>
+              <a:buFont typeface="Arial"/>
+              <a:buNone/>
             </a:pPr>
             <a:r>
-              <a:rPr lang="en" dirty="0"/>
-              <a:t>to reason about our solution</a:t>
+              <a:rPr lang="en" sz="500" b="0" i="0" u="none" strike="noStrike" cap="none">
+                <a:solidFill>
+                  <a:srgbClr val="000000"/>
+                </a:solidFill>
+                <a:latin typeface="Arial"/>
+                <a:ea typeface="Arial"/>
+                <a:cs typeface="Arial"/>
+                <a:sym typeface="Arial"/>
+              </a:rPr>
+              <a:t>kernel</a:t>
             </a:r>
-            <a:endParaRPr dirty="0"/>
-          </a:p>
-          <a:p>
-            <a:pPr marL="914400" lvl="1" indent="-317500" algn="l" rtl="0">
-              <a:spcBef>
-                <a:spcPts val="0"/>
-              </a:spcBef>
-              <a:spcAft>
-                <a:spcPts val="0"/>
-              </a:spcAft>
-              <a:buSzPts val="1400"/>
-              <a:buChar char="○"/>
+            <a:endParaRPr sz="500" b="0" i="0" u="none" strike="noStrike" cap="none">
+              <a:solidFill>
+                <a:srgbClr val="000000"/>
+              </a:solidFill>
+              <a:latin typeface="Arial"/>
+              <a:ea typeface="Arial"/>
+              <a:cs typeface="Arial"/>
+              <a:sym typeface="Arial"/>
+            </a:endParaRPr>
+          </a:p>
+        </p:txBody>
+      </p:sp>
+      <p:sp>
+        <p:nvSpPr>
+          <p:cNvPr id="98" name="Google Shape;98;p16"/>
+          <p:cNvSpPr/>
+          <p:nvPr/>
+        </p:nvSpPr>
+        <p:spPr>
+          <a:xfrm>
+            <a:off x="7339450" y="3631875"/>
+            <a:ext cx="151800" cy="601200"/>
+          </a:xfrm>
+          <a:prstGeom prst="rect">
+            <a:avLst/>
+          </a:prstGeom>
+          <a:solidFill>
+            <a:schemeClr val="lt2"/>
+          </a:solidFill>
+          <a:ln w="9525" cap="flat" cmpd="sng">
+            <a:solidFill>
+              <a:schemeClr val="dk2"/>
+            </a:solidFill>
+            <a:prstDash val="solid"/>
+            <a:round/>
+            <a:headEnd type="none" w="sm" len="sm"/>
+            <a:tailEnd type="none" w="sm" len="sm"/>
+          </a:ln>
+        </p:spPr>
+        <p:txBody>
+          <a:bodyPr spcFirstLastPara="1" wrap="square" lIns="91425" tIns="91425" rIns="91425" bIns="91425" anchor="ctr" anchorCtr="0">
+            <a:noAutofit/>
+          </a:bodyPr>
+          <a:lstStyle/>
+          <a:p>
+            <a:pPr marL="0" marR="0" lvl="0" indent="0" algn="l" rtl="0">
+              <a:lnSpc>
+                <a:spcPct val="100000"/>
+              </a:lnSpc>
+              <a:spcBef>
+                <a:spcPts val="0"/>
+              </a:spcBef>
+              <a:spcAft>
+                <a:spcPts val="0"/>
+              </a:spcAft>
+              <a:buClr>
+                <a:srgbClr val="000000"/>
+              </a:buClr>
+              <a:buSzPts val="500"/>
+              <a:buFont typeface="Arial"/>
+              <a:buNone/>
             </a:pPr>
             <a:r>
-              <a:rPr lang="en" dirty="0"/>
-              <a:t>to reason about the problem about our solution.</a:t>
+              <a:rPr lang="en" sz="500" b="0" i="0" u="none" strike="noStrike" cap="none">
+                <a:solidFill>
+                  <a:srgbClr val="000000"/>
+                </a:solidFill>
+                <a:latin typeface="Arial"/>
+                <a:ea typeface="Arial"/>
+                <a:cs typeface="Arial"/>
+                <a:sym typeface="Arial"/>
+              </a:rPr>
+              <a:t>kernel</a:t>
             </a:r>
-            <a:endParaRPr dirty="0"/>
-          </a:p>
-          <a:p>
-            <a:pPr marL="457200" lvl="0" indent="-342900" algn="l" rtl="0">
-              <a:spcBef>
-                <a:spcPts val="0"/>
-              </a:spcBef>
-              <a:spcAft>
-                <a:spcPts val="0"/>
-              </a:spcAft>
-              <a:buSzPts val="1800"/>
-              <a:buChar char="●"/>
-            </a:pPr>
-            <a:r>
-              <a:rPr lang="en" dirty="0"/>
-              <a:t>Models of Communication:</a:t>
-            </a:r>
-            <a:endParaRPr dirty="0"/>
-          </a:p>
-          <a:p>
-            <a:pPr marL="914400" lvl="1" indent="-317500" algn="l" rtl="0">
-              <a:spcBef>
-                <a:spcPts val="0"/>
-              </a:spcBef>
-              <a:spcAft>
-                <a:spcPts val="0"/>
-              </a:spcAft>
-              <a:buSzPts val="1400"/>
-              <a:buChar char="○"/>
-            </a:pPr>
-            <a:r>
-              <a:rPr lang="en" dirty="0"/>
-              <a:t>OSI/ISO model  (Open Systems Interconnect)</a:t>
-            </a:r>
-            <a:endParaRPr dirty="0"/>
-          </a:p>
-          <a:p>
-            <a:pPr marL="914400" lvl="1" indent="-317500" algn="l" rtl="0">
-              <a:spcBef>
-                <a:spcPts val="0"/>
-              </a:spcBef>
-              <a:spcAft>
-                <a:spcPts val="0"/>
-              </a:spcAft>
-              <a:buSzPts val="1400"/>
-              <a:buChar char="○"/>
-            </a:pPr>
-            <a:r>
-              <a:rPr lang="en" dirty="0"/>
-              <a:t>TCP/IP model</a:t>
-            </a:r>
-            <a:endParaRPr dirty="0"/>
-          </a:p>
-          <a:p>
-            <a:pPr marL="457200" lvl="0" indent="-342900" algn="l" rtl="0">
-              <a:spcBef>
-                <a:spcPts val="0"/>
-              </a:spcBef>
-              <a:spcAft>
-                <a:spcPts val="0"/>
-              </a:spcAft>
-              <a:buSzPts val="1800"/>
-              <a:buChar char="●"/>
-            </a:pPr>
-            <a:r>
-              <a:rPr lang="en" dirty="0"/>
-              <a:t>Model of Computation:  (Machine &lt;-&gt; Language)</a:t>
-            </a:r>
-            <a:endParaRPr dirty="0"/>
-          </a:p>
-          <a:p>
-            <a:pPr marL="914400" lvl="1" indent="-317500" algn="l" rtl="0">
-              <a:spcBef>
-                <a:spcPts val="0"/>
-              </a:spcBef>
-              <a:spcAft>
-                <a:spcPts val="0"/>
-              </a:spcAft>
-              <a:buSzPts val="1400"/>
-              <a:buChar char="○"/>
-            </a:pPr>
-            <a:r>
-              <a:rPr lang="en" dirty="0"/>
-              <a:t>Turing Machine, Linear Bounded Automata, Pushdown Automata, and Finite State Automata</a:t>
-            </a:r>
-            <a:endParaRPr dirty="0"/>
-          </a:p>
-          <a:p>
-            <a:pPr marL="914400" lvl="1" indent="-317500" algn="l" rtl="0">
-              <a:spcBef>
-                <a:spcPts val="0"/>
-              </a:spcBef>
-              <a:spcAft>
-                <a:spcPts val="0"/>
-              </a:spcAft>
-              <a:buSzPts val="1400"/>
-              <a:buChar char="○"/>
-            </a:pPr>
-            <a:r>
-              <a:rPr lang="en" dirty="0"/>
-              <a:t>Sequential Circuits, and Combinational Logic</a:t>
-            </a:r>
-            <a:endParaRPr dirty="0"/>
-          </a:p>
-          <a:p>
-            <a:pPr marL="914400" lvl="1" indent="-317500" algn="l" rtl="0">
-              <a:spcBef>
-                <a:spcPts val="0"/>
-              </a:spcBef>
-              <a:spcAft>
-                <a:spcPts val="0"/>
-              </a:spcAft>
-              <a:buSzPts val="1400"/>
-              <a:buChar char="➢"/>
-            </a:pPr>
-            <a:r>
-              <a:rPr lang="en" dirty="0"/>
-              <a:t>Universal Computer and Machines: Theoretical to Abstract to Physical</a:t>
-            </a:r>
-            <a:endParaRPr dirty="0"/>
+            <a:endParaRPr sz="500" b="0" i="0" u="none" strike="noStrike" cap="none">
+              <a:solidFill>
+                <a:srgbClr val="000000"/>
+              </a:solidFill>
+              <a:latin typeface="Arial"/>
+              <a:ea typeface="Arial"/>
+              <a:cs typeface="Arial"/>
+              <a:sym typeface="Arial"/>
+            </a:endParaRPr>
+          </a:p>
+        </p:txBody>
+      </p:sp>
+      <p:sp>
+        <p:nvSpPr>
+          <p:cNvPr id="2" name="TextBox 1">
+            <a:extLst>
+              <a:ext uri="{FF2B5EF4-FFF2-40B4-BE49-F238E27FC236}">
+                <a16:creationId xmlns:a16="http://schemas.microsoft.com/office/drawing/2014/main" id="{713380AE-3E56-B243-BDAB-2C97FD937453}"/>
+              </a:ext>
+            </a:extLst>
+          </p:cNvPr>
+          <p:cNvSpPr txBox="1"/>
+          <p:nvPr/>
+        </p:nvSpPr>
+        <p:spPr>
+          <a:xfrm>
+            <a:off x="97971" y="2514600"/>
+            <a:ext cx="184731" cy="307777"/>
+          </a:xfrm>
+          <a:prstGeom prst="rect">
+            <a:avLst/>
+          </a:prstGeom>
+          <a:noFill/>
+        </p:spPr>
+        <p:txBody>
+          <a:bodyPr wrap="none" rtlCol="0">
+            <a:spAutoFit/>
+          </a:bodyPr>
+          <a:lstStyle/>
+          <a:p>
+            <a:endParaRPr lang="en-US" dirty="0"/>
           </a:p>
         </p:txBody>
       </p:sp>
@@ -7621,6 +9624,1647 @@
 </file>
 
 <file path=ppt/slides/slide10.xml><?xml version="1.0" encoding="utf-8"?>
+<p:sld xmlns:a="http://schemas.openxmlformats.org/drawingml/2006/main" xmlns:r="http://schemas.openxmlformats.org/officeDocument/2006/relationships" xmlns:p="http://schemas.openxmlformats.org/presentationml/2006/main">
+  <p:cSld>
+    <p:spTree>
+      <p:nvGrpSpPr>
+        <p:cNvPr id="1" name="Shape 122"/>
+        <p:cNvGrpSpPr/>
+        <p:nvPr/>
+      </p:nvGrpSpPr>
+      <p:grpSpPr>
+        <a:xfrm>
+          <a:off x="0" y="0"/>
+          <a:ext cx="0" cy="0"/>
+          <a:chOff x="0" y="0"/>
+          <a:chExt cx="0" cy="0"/>
+        </a:xfrm>
+      </p:grpSpPr>
+      <p:sp>
+        <p:nvSpPr>
+          <p:cNvPr id="123" name="Google Shape;123;p22"/>
+          <p:cNvSpPr txBox="1">
+            <a:spLocks noGrp="1"/>
+          </p:cNvSpPr>
+          <p:nvPr>
+            <p:ph type="body" idx="1"/>
+          </p:nvPr>
+        </p:nvSpPr>
+        <p:spPr>
+          <a:xfrm>
+            <a:off x="311700" y="1123238"/>
+            <a:ext cx="8520600" cy="3416400"/>
+          </a:xfrm>
+          <a:prstGeom prst="rect">
+            <a:avLst/>
+          </a:prstGeom>
+        </p:spPr>
+        <p:txBody>
+          <a:bodyPr spcFirstLastPara="1" wrap="square" lIns="91425" tIns="91425" rIns="91425" bIns="91425" anchor="t" anchorCtr="0">
+            <a:normAutofit/>
+          </a:bodyPr>
+          <a:lstStyle/>
+          <a:p>
+            <a:pPr marL="457200" lvl="0" indent="-342900" algn="l" rtl="0">
+              <a:spcBef>
+                <a:spcPts val="0"/>
+              </a:spcBef>
+              <a:spcAft>
+                <a:spcPts val="0"/>
+              </a:spcAft>
+              <a:buSzPts val="1800"/>
+              <a:buChar char="●"/>
+            </a:pPr>
+            <a:r>
+              <a:rPr lang="en" dirty="0"/>
+              <a:t>FA(Q, </a:t>
+            </a:r>
+            <a:r>
+              <a:rPr lang="en" dirty="0" err="1"/>
+              <a:t>Σ</a:t>
+            </a:r>
+            <a:r>
+              <a:rPr lang="en" dirty="0"/>
+              <a:t>, 𝛅, q0, F)</a:t>
+            </a:r>
+            <a:endParaRPr dirty="0"/>
+          </a:p>
+          <a:p>
+            <a:pPr marL="914400" lvl="1" indent="-317500" algn="l" rtl="0">
+              <a:spcBef>
+                <a:spcPts val="0"/>
+              </a:spcBef>
+              <a:spcAft>
+                <a:spcPts val="0"/>
+              </a:spcAft>
+              <a:buSzPts val="1400"/>
+              <a:buChar char="○"/>
+            </a:pPr>
+            <a:r>
+              <a:rPr lang="en" dirty="0"/>
+              <a:t>Q = { N, W, R, B, T }        // New, Waiting (Ready),  Running, Blocked, Terminated</a:t>
+            </a:r>
+            <a:endParaRPr dirty="0"/>
+          </a:p>
+          <a:p>
+            <a:pPr marL="914400" lvl="1" indent="-317500" algn="l" rtl="0">
+              <a:spcBef>
+                <a:spcPts val="0"/>
+              </a:spcBef>
+              <a:spcAft>
+                <a:spcPts val="0"/>
+              </a:spcAft>
+              <a:buSzPts val="1400"/>
+              <a:buChar char="○"/>
+            </a:pPr>
+            <a:r>
+              <a:rPr lang="en" dirty="0" err="1"/>
+              <a:t>Σ</a:t>
+            </a:r>
+            <a:r>
+              <a:rPr lang="en" dirty="0"/>
+              <a:t> = { a, d, </a:t>
+            </a:r>
+            <a:r>
+              <a:rPr lang="en" dirty="0" err="1"/>
+              <a:t>i</a:t>
+            </a:r>
+            <a:r>
+              <a:rPr lang="en" dirty="0"/>
+              <a:t>, t, r, e}            // admit, dispatch, interrupt, trap, resume, exit</a:t>
+            </a:r>
+            <a:endParaRPr dirty="0"/>
+          </a:p>
+          <a:p>
+            <a:pPr marL="914400" lvl="1" indent="-317500" algn="l" rtl="0">
+              <a:spcBef>
+                <a:spcPts val="0"/>
+              </a:spcBef>
+              <a:spcAft>
+                <a:spcPts val="0"/>
+              </a:spcAft>
+              <a:buSzPts val="1400"/>
+              <a:buChar char="○"/>
+            </a:pPr>
+            <a:r>
+              <a:rPr lang="en" dirty="0"/>
+              <a:t>q0 : N</a:t>
+            </a:r>
+            <a:endParaRPr dirty="0"/>
+          </a:p>
+          <a:p>
+            <a:pPr marL="914400" lvl="1" indent="-317500" algn="l" rtl="0">
+              <a:spcBef>
+                <a:spcPts val="0"/>
+              </a:spcBef>
+              <a:spcAft>
+                <a:spcPts val="0"/>
+              </a:spcAft>
+              <a:buSzPts val="1400"/>
+              <a:buChar char="○"/>
+            </a:pPr>
+            <a:r>
+              <a:rPr lang="en" dirty="0"/>
+              <a:t>F : { T }</a:t>
+            </a:r>
+            <a:endParaRPr dirty="0"/>
+          </a:p>
+          <a:p>
+            <a:pPr marL="914400" lvl="1" indent="-317500" algn="l" rtl="0">
+              <a:spcBef>
+                <a:spcPts val="0"/>
+              </a:spcBef>
+              <a:spcAft>
+                <a:spcPts val="0"/>
+              </a:spcAft>
+              <a:buSzPts val="1400"/>
+              <a:buChar char="○"/>
+            </a:pPr>
+            <a:r>
+              <a:rPr lang="en" dirty="0"/>
+              <a:t>𝛅 : Q x </a:t>
+            </a:r>
+            <a:r>
+              <a:rPr lang="en" dirty="0" err="1"/>
+              <a:t>Σ</a:t>
+            </a:r>
+            <a:r>
+              <a:rPr lang="en" dirty="0"/>
+              <a:t> -&gt; Q</a:t>
+            </a:r>
+            <a:endParaRPr dirty="0"/>
+          </a:p>
+          <a:p>
+            <a:pPr marL="0" lvl="0" indent="0" algn="l" rtl="0">
+              <a:spcBef>
+                <a:spcPts val="1200"/>
+              </a:spcBef>
+              <a:spcAft>
+                <a:spcPts val="1200"/>
+              </a:spcAft>
+              <a:buNone/>
+            </a:pPr>
+            <a:endParaRPr dirty="0"/>
+          </a:p>
+        </p:txBody>
+      </p:sp>
+      <p:sp>
+        <p:nvSpPr>
+          <p:cNvPr id="124" name="Google Shape;124;p22"/>
+          <p:cNvSpPr/>
+          <p:nvPr/>
+        </p:nvSpPr>
+        <p:spPr>
+          <a:xfrm>
+            <a:off x="3158519" y="2009319"/>
+            <a:ext cx="5818200" cy="2505000"/>
+          </a:xfrm>
+          <a:prstGeom prst="rect">
+            <a:avLst/>
+          </a:prstGeom>
+          <a:solidFill>
+            <a:schemeClr val="lt2"/>
+          </a:solidFill>
+          <a:ln w="9525" cap="flat" cmpd="sng">
+            <a:solidFill>
+              <a:schemeClr val="dk2"/>
+            </a:solidFill>
+            <a:prstDash val="solid"/>
+            <a:round/>
+            <a:headEnd type="none" w="sm" len="sm"/>
+            <a:tailEnd type="none" w="sm" len="sm"/>
+          </a:ln>
+        </p:spPr>
+        <p:txBody>
+          <a:bodyPr spcFirstLastPara="1" wrap="square" lIns="91425" tIns="91425" rIns="91425" bIns="91425" anchor="ctr" anchorCtr="0">
+            <a:noAutofit/>
+          </a:bodyPr>
+          <a:lstStyle/>
+          <a:p>
+            <a:pPr marL="0" lvl="0" indent="0" algn="l" rtl="0">
+              <a:spcBef>
+                <a:spcPts val="0"/>
+              </a:spcBef>
+              <a:spcAft>
+                <a:spcPts val="0"/>
+              </a:spcAft>
+              <a:buNone/>
+            </a:pPr>
+            <a:endParaRPr dirty="0"/>
+          </a:p>
+        </p:txBody>
+      </p:sp>
+      <p:sp>
+        <p:nvSpPr>
+          <p:cNvPr id="125" name="Google Shape;125;p22"/>
+          <p:cNvSpPr txBox="1">
+            <a:spLocks noGrp="1"/>
+          </p:cNvSpPr>
+          <p:nvPr>
+            <p:ph type="title"/>
+          </p:nvPr>
+        </p:nvSpPr>
+        <p:spPr>
+          <a:xfrm>
+            <a:off x="311700" y="445025"/>
+            <a:ext cx="8520600" cy="572700"/>
+          </a:xfrm>
+          <a:prstGeom prst="rect">
+            <a:avLst/>
+          </a:prstGeom>
+        </p:spPr>
+        <p:txBody>
+          <a:bodyPr spcFirstLastPara="1" wrap="square" lIns="91425" tIns="91425" rIns="91425" bIns="91425" anchor="t" anchorCtr="0">
+            <a:normAutofit fontScale="90000"/>
+          </a:bodyPr>
+          <a:lstStyle/>
+          <a:p>
+            <a:pPr marL="0" lvl="0" indent="0" algn="l" rtl="0">
+              <a:spcBef>
+                <a:spcPts val="0"/>
+              </a:spcBef>
+              <a:spcAft>
+                <a:spcPts val="0"/>
+              </a:spcAft>
+              <a:buNone/>
+            </a:pPr>
+            <a:r>
+              <a:rPr lang="en"/>
+              <a:t>Finite State Machine</a:t>
+            </a:r>
+            <a:endParaRPr/>
+          </a:p>
+        </p:txBody>
+      </p:sp>
+      <p:sp>
+        <p:nvSpPr>
+          <p:cNvPr id="126" name="Google Shape;126;p22"/>
+          <p:cNvSpPr/>
+          <p:nvPr/>
+        </p:nvSpPr>
+        <p:spPr>
+          <a:xfrm>
+            <a:off x="8301712" y="2721499"/>
+            <a:ext cx="584100" cy="610800"/>
+          </a:xfrm>
+          <a:prstGeom prst="ellipse">
+            <a:avLst/>
+          </a:prstGeom>
+          <a:solidFill>
+            <a:schemeClr val="lt2"/>
+          </a:solidFill>
+          <a:ln w="9525" cap="flat" cmpd="sng">
+            <a:solidFill>
+              <a:schemeClr val="dk2"/>
+            </a:solidFill>
+            <a:prstDash val="solid"/>
+            <a:round/>
+            <a:headEnd type="none" w="sm" len="sm"/>
+            <a:tailEnd type="none" w="sm" len="sm"/>
+          </a:ln>
+        </p:spPr>
+        <p:txBody>
+          <a:bodyPr spcFirstLastPara="1" wrap="square" lIns="91425" tIns="91425" rIns="91425" bIns="91425" anchor="ctr" anchorCtr="0">
+            <a:noAutofit/>
+          </a:bodyPr>
+          <a:lstStyle/>
+          <a:p>
+            <a:pPr marL="0" lvl="0" indent="0" algn="l" rtl="0">
+              <a:spcBef>
+                <a:spcPts val="0"/>
+              </a:spcBef>
+              <a:spcAft>
+                <a:spcPts val="0"/>
+              </a:spcAft>
+              <a:buNone/>
+            </a:pPr>
+            <a:endParaRPr/>
+          </a:p>
+        </p:txBody>
+      </p:sp>
+      <p:sp>
+        <p:nvSpPr>
+          <p:cNvPr id="127" name="Google Shape;127;p22"/>
+          <p:cNvSpPr/>
+          <p:nvPr/>
+        </p:nvSpPr>
+        <p:spPr>
+          <a:xfrm>
+            <a:off x="8369127" y="2792019"/>
+            <a:ext cx="449100" cy="469800"/>
+          </a:xfrm>
+          <a:prstGeom prst="ellipse">
+            <a:avLst/>
+          </a:prstGeom>
+          <a:solidFill>
+            <a:schemeClr val="lt2"/>
+          </a:solidFill>
+          <a:ln w="9525" cap="flat" cmpd="sng">
+            <a:solidFill>
+              <a:schemeClr val="dk2"/>
+            </a:solidFill>
+            <a:prstDash val="solid"/>
+            <a:round/>
+            <a:headEnd type="none" w="sm" len="sm"/>
+            <a:tailEnd type="none" w="sm" len="sm"/>
+          </a:ln>
+        </p:spPr>
+        <p:txBody>
+          <a:bodyPr spcFirstLastPara="1" wrap="square" lIns="91425" tIns="91425" rIns="91425" bIns="91425" anchor="ctr" anchorCtr="0">
+            <a:noAutofit/>
+          </a:bodyPr>
+          <a:lstStyle/>
+          <a:p>
+            <a:pPr marL="0" lvl="0" indent="0" algn="ctr" rtl="0">
+              <a:spcBef>
+                <a:spcPts val="0"/>
+              </a:spcBef>
+              <a:spcAft>
+                <a:spcPts val="0"/>
+              </a:spcAft>
+              <a:buNone/>
+            </a:pPr>
+            <a:r>
+              <a:rPr lang="en"/>
+              <a:t>T</a:t>
+            </a:r>
+            <a:endParaRPr/>
+          </a:p>
+        </p:txBody>
+      </p:sp>
+      <p:sp>
+        <p:nvSpPr>
+          <p:cNvPr id="128" name="Google Shape;128;p22"/>
+          <p:cNvSpPr/>
+          <p:nvPr/>
+        </p:nvSpPr>
+        <p:spPr>
+          <a:xfrm>
+            <a:off x="3739927" y="2721487"/>
+            <a:ext cx="584100" cy="610800"/>
+          </a:xfrm>
+          <a:prstGeom prst="ellipse">
+            <a:avLst/>
+          </a:prstGeom>
+          <a:solidFill>
+            <a:schemeClr val="lt2"/>
+          </a:solidFill>
+          <a:ln w="9525" cap="flat" cmpd="sng">
+            <a:solidFill>
+              <a:schemeClr val="dk2"/>
+            </a:solidFill>
+            <a:prstDash val="solid"/>
+            <a:round/>
+            <a:headEnd type="none" w="sm" len="sm"/>
+            <a:tailEnd type="none" w="sm" len="sm"/>
+          </a:ln>
+        </p:spPr>
+        <p:txBody>
+          <a:bodyPr spcFirstLastPara="1" wrap="square" lIns="91425" tIns="91425" rIns="91425" bIns="91425" anchor="ctr" anchorCtr="0">
+            <a:noAutofit/>
+          </a:bodyPr>
+          <a:lstStyle/>
+          <a:p>
+            <a:pPr marL="0" lvl="0" indent="0" algn="ctr" rtl="0">
+              <a:spcBef>
+                <a:spcPts val="0"/>
+              </a:spcBef>
+              <a:spcAft>
+                <a:spcPts val="0"/>
+              </a:spcAft>
+              <a:buNone/>
+            </a:pPr>
+            <a:r>
+              <a:rPr lang="en"/>
+              <a:t>N</a:t>
+            </a:r>
+            <a:endParaRPr/>
+          </a:p>
+        </p:txBody>
+      </p:sp>
+      <p:sp>
+        <p:nvSpPr>
+          <p:cNvPr id="129" name="Google Shape;129;p22"/>
+          <p:cNvSpPr/>
+          <p:nvPr/>
+        </p:nvSpPr>
+        <p:spPr>
+          <a:xfrm>
+            <a:off x="5071909" y="2721499"/>
+            <a:ext cx="584100" cy="610800"/>
+          </a:xfrm>
+          <a:prstGeom prst="ellipse">
+            <a:avLst/>
+          </a:prstGeom>
+          <a:solidFill>
+            <a:schemeClr val="lt2"/>
+          </a:solidFill>
+          <a:ln w="9525" cap="flat" cmpd="sng">
+            <a:solidFill>
+              <a:schemeClr val="dk2"/>
+            </a:solidFill>
+            <a:prstDash val="solid"/>
+            <a:round/>
+            <a:headEnd type="none" w="sm" len="sm"/>
+            <a:tailEnd type="none" w="sm" len="sm"/>
+          </a:ln>
+        </p:spPr>
+        <p:txBody>
+          <a:bodyPr spcFirstLastPara="1" wrap="square" lIns="91425" tIns="91425" rIns="91425" bIns="91425" anchor="ctr" anchorCtr="0">
+            <a:noAutofit/>
+          </a:bodyPr>
+          <a:lstStyle/>
+          <a:p>
+            <a:pPr marL="0" lvl="0" indent="0" algn="ctr" rtl="0">
+              <a:spcBef>
+                <a:spcPts val="0"/>
+              </a:spcBef>
+              <a:spcAft>
+                <a:spcPts val="0"/>
+              </a:spcAft>
+              <a:buNone/>
+            </a:pPr>
+            <a:r>
+              <a:rPr lang="en"/>
+              <a:t>W</a:t>
+            </a:r>
+            <a:endParaRPr/>
+          </a:p>
+        </p:txBody>
+      </p:sp>
+      <p:sp>
+        <p:nvSpPr>
+          <p:cNvPr id="130" name="Google Shape;130;p22"/>
+          <p:cNvSpPr/>
+          <p:nvPr/>
+        </p:nvSpPr>
+        <p:spPr>
+          <a:xfrm>
+            <a:off x="6987879" y="2721499"/>
+            <a:ext cx="584100" cy="610800"/>
+          </a:xfrm>
+          <a:prstGeom prst="ellipse">
+            <a:avLst/>
+          </a:prstGeom>
+          <a:solidFill>
+            <a:schemeClr val="lt2"/>
+          </a:solidFill>
+          <a:ln w="9525" cap="flat" cmpd="sng">
+            <a:solidFill>
+              <a:schemeClr val="dk2"/>
+            </a:solidFill>
+            <a:prstDash val="solid"/>
+            <a:round/>
+            <a:headEnd type="none" w="sm" len="sm"/>
+            <a:tailEnd type="none" w="sm" len="sm"/>
+          </a:ln>
+        </p:spPr>
+        <p:txBody>
+          <a:bodyPr spcFirstLastPara="1" wrap="square" lIns="91425" tIns="91425" rIns="91425" bIns="91425" anchor="ctr" anchorCtr="0">
+            <a:noAutofit/>
+          </a:bodyPr>
+          <a:lstStyle/>
+          <a:p>
+            <a:pPr marL="0" lvl="0" indent="0" algn="ctr" rtl="0">
+              <a:spcBef>
+                <a:spcPts val="0"/>
+              </a:spcBef>
+              <a:spcAft>
+                <a:spcPts val="0"/>
+              </a:spcAft>
+              <a:buNone/>
+            </a:pPr>
+            <a:r>
+              <a:rPr lang="en"/>
+              <a:t>R</a:t>
+            </a:r>
+            <a:endParaRPr/>
+          </a:p>
+        </p:txBody>
+      </p:sp>
+      <p:sp>
+        <p:nvSpPr>
+          <p:cNvPr id="131" name="Google Shape;131;p22"/>
+          <p:cNvSpPr/>
+          <p:nvPr/>
+        </p:nvSpPr>
+        <p:spPr>
+          <a:xfrm>
+            <a:off x="6107459" y="3970396"/>
+            <a:ext cx="584100" cy="610800"/>
+          </a:xfrm>
+          <a:prstGeom prst="ellipse">
+            <a:avLst/>
+          </a:prstGeom>
+          <a:solidFill>
+            <a:schemeClr val="lt2"/>
+          </a:solidFill>
+          <a:ln w="9525" cap="flat" cmpd="sng">
+            <a:solidFill>
+              <a:schemeClr val="dk2"/>
+            </a:solidFill>
+            <a:prstDash val="solid"/>
+            <a:round/>
+            <a:headEnd type="none" w="sm" len="sm"/>
+            <a:tailEnd type="none" w="sm" len="sm"/>
+          </a:ln>
+        </p:spPr>
+        <p:txBody>
+          <a:bodyPr spcFirstLastPara="1" wrap="square" lIns="91425" tIns="91425" rIns="91425" bIns="91425" anchor="ctr" anchorCtr="0">
+            <a:noAutofit/>
+          </a:bodyPr>
+          <a:lstStyle/>
+          <a:p>
+            <a:pPr marL="0" lvl="0" indent="0" algn="ctr" rtl="0">
+              <a:spcBef>
+                <a:spcPts val="0"/>
+              </a:spcBef>
+              <a:spcAft>
+                <a:spcPts val="0"/>
+              </a:spcAft>
+              <a:buNone/>
+            </a:pPr>
+            <a:r>
+              <a:rPr lang="en"/>
+              <a:t>B</a:t>
+            </a:r>
+            <a:endParaRPr/>
+          </a:p>
+        </p:txBody>
+      </p:sp>
+      <p:cxnSp>
+        <p:nvCxnSpPr>
+          <p:cNvPr id="132" name="Google Shape;132;p22"/>
+          <p:cNvCxnSpPr>
+            <a:endCxn id="128" idx="2"/>
+          </p:cNvCxnSpPr>
+          <p:nvPr/>
+        </p:nvCxnSpPr>
+        <p:spPr>
+          <a:xfrm rot="10800000" flipH="1">
+            <a:off x="3352927" y="3026887"/>
+            <a:ext cx="387000" cy="11400"/>
+          </a:xfrm>
+          <a:prstGeom prst="straightConnector1">
+            <a:avLst/>
+          </a:prstGeom>
+          <a:noFill/>
+          <a:ln w="9525" cap="flat" cmpd="sng">
+            <a:solidFill>
+              <a:schemeClr val="dk2"/>
+            </a:solidFill>
+            <a:prstDash val="solid"/>
+            <a:round/>
+            <a:headEnd type="none" w="med" len="med"/>
+            <a:tailEnd type="triangle" w="med" len="med"/>
+          </a:ln>
+        </p:spPr>
+      </p:cxnSp>
+      <p:cxnSp>
+        <p:nvCxnSpPr>
+          <p:cNvPr id="133" name="Google Shape;133;p22"/>
+          <p:cNvCxnSpPr>
+            <a:stCxn id="128" idx="6"/>
+            <a:endCxn id="129" idx="2"/>
+          </p:cNvCxnSpPr>
+          <p:nvPr/>
+        </p:nvCxnSpPr>
+        <p:spPr>
+          <a:xfrm>
+            <a:off x="4324027" y="3026887"/>
+            <a:ext cx="747900" cy="0"/>
+          </a:xfrm>
+          <a:prstGeom prst="straightConnector1">
+            <a:avLst/>
+          </a:prstGeom>
+          <a:noFill/>
+          <a:ln w="9525" cap="flat" cmpd="sng">
+            <a:solidFill>
+              <a:schemeClr val="dk2"/>
+            </a:solidFill>
+            <a:prstDash val="solid"/>
+            <a:round/>
+            <a:headEnd type="none" w="med" len="med"/>
+            <a:tailEnd type="triangle" w="med" len="med"/>
+          </a:ln>
+        </p:spPr>
+      </p:cxnSp>
+      <p:cxnSp>
+        <p:nvCxnSpPr>
+          <p:cNvPr id="134" name="Google Shape;134;p22"/>
+          <p:cNvCxnSpPr>
+            <a:stCxn id="129" idx="7"/>
+            <a:endCxn id="130" idx="1"/>
+          </p:cNvCxnSpPr>
+          <p:nvPr/>
+        </p:nvCxnSpPr>
+        <p:spPr>
+          <a:xfrm rot="-5400000" flipH="1">
+            <a:off x="6321669" y="2059749"/>
+            <a:ext cx="600" cy="1503000"/>
+          </a:xfrm>
+          <a:prstGeom prst="curvedConnector3">
+            <a:avLst>
+              <a:gd name="adj1" fmla="val -55101006"/>
+            </a:avLst>
+          </a:prstGeom>
+          <a:noFill/>
+          <a:ln w="9525" cap="flat" cmpd="sng">
+            <a:solidFill>
+              <a:schemeClr val="dk2"/>
+            </a:solidFill>
+            <a:prstDash val="solid"/>
+            <a:round/>
+            <a:headEnd type="none" w="med" len="med"/>
+            <a:tailEnd type="triangle" w="med" len="med"/>
+          </a:ln>
+        </p:spPr>
+      </p:cxnSp>
+      <p:cxnSp>
+        <p:nvCxnSpPr>
+          <p:cNvPr id="135" name="Google Shape;135;p22"/>
+          <p:cNvCxnSpPr>
+            <a:stCxn id="130" idx="3"/>
+            <a:endCxn id="129" idx="5"/>
+          </p:cNvCxnSpPr>
+          <p:nvPr/>
+        </p:nvCxnSpPr>
+        <p:spPr>
+          <a:xfrm rot="5400000">
+            <a:off x="6321618" y="2491650"/>
+            <a:ext cx="600" cy="1503000"/>
+          </a:xfrm>
+          <a:prstGeom prst="curvedConnector3">
+            <a:avLst>
+              <a:gd name="adj1" fmla="val 55101006"/>
+            </a:avLst>
+          </a:prstGeom>
+          <a:noFill/>
+          <a:ln w="9525" cap="flat" cmpd="sng">
+            <a:solidFill>
+              <a:schemeClr val="dk2"/>
+            </a:solidFill>
+            <a:prstDash val="solid"/>
+            <a:round/>
+            <a:headEnd type="none" w="med" len="med"/>
+            <a:tailEnd type="triangle" w="med" len="med"/>
+          </a:ln>
+        </p:spPr>
+      </p:cxnSp>
+      <p:cxnSp>
+        <p:nvCxnSpPr>
+          <p:cNvPr id="136" name="Google Shape;136;p22"/>
+          <p:cNvCxnSpPr>
+            <a:stCxn id="130" idx="4"/>
+            <a:endCxn id="131" idx="6"/>
+          </p:cNvCxnSpPr>
+          <p:nvPr/>
+        </p:nvCxnSpPr>
+        <p:spPr>
+          <a:xfrm rot="5400000">
+            <a:off x="6514029" y="3509899"/>
+            <a:ext cx="943500" cy="588300"/>
+          </a:xfrm>
+          <a:prstGeom prst="curvedConnector2">
+            <a:avLst/>
+          </a:prstGeom>
+          <a:noFill/>
+          <a:ln w="9525" cap="flat" cmpd="sng">
+            <a:solidFill>
+              <a:schemeClr val="dk2"/>
+            </a:solidFill>
+            <a:prstDash val="solid"/>
+            <a:round/>
+            <a:headEnd type="none" w="med" len="med"/>
+            <a:tailEnd type="triangle" w="med" len="med"/>
+          </a:ln>
+        </p:spPr>
+      </p:cxnSp>
+      <p:cxnSp>
+        <p:nvCxnSpPr>
+          <p:cNvPr id="137" name="Google Shape;137;p22"/>
+          <p:cNvCxnSpPr>
+            <a:stCxn id="131" idx="2"/>
+            <a:endCxn id="129" idx="4"/>
+          </p:cNvCxnSpPr>
+          <p:nvPr/>
+        </p:nvCxnSpPr>
+        <p:spPr>
+          <a:xfrm rot="10800000">
+            <a:off x="5364059" y="3332296"/>
+            <a:ext cx="743400" cy="943500"/>
+          </a:xfrm>
+          <a:prstGeom prst="curvedConnector2">
+            <a:avLst/>
+          </a:prstGeom>
+          <a:noFill/>
+          <a:ln w="9525" cap="flat" cmpd="sng">
+            <a:solidFill>
+              <a:schemeClr val="dk2"/>
+            </a:solidFill>
+            <a:prstDash val="solid"/>
+            <a:round/>
+            <a:headEnd type="none" w="med" len="med"/>
+            <a:tailEnd type="triangle" w="med" len="med"/>
+          </a:ln>
+        </p:spPr>
+      </p:cxnSp>
+      <p:cxnSp>
+        <p:nvCxnSpPr>
+          <p:cNvPr id="138" name="Google Shape;138;p22"/>
+          <p:cNvCxnSpPr>
+            <a:stCxn id="130" idx="6"/>
+            <a:endCxn id="126" idx="2"/>
+          </p:cNvCxnSpPr>
+          <p:nvPr/>
+        </p:nvCxnSpPr>
+        <p:spPr>
+          <a:xfrm>
+            <a:off x="7571979" y="3026899"/>
+            <a:ext cx="729600" cy="0"/>
+          </a:xfrm>
+          <a:prstGeom prst="straightConnector1">
+            <a:avLst/>
+          </a:prstGeom>
+          <a:noFill/>
+          <a:ln w="9525" cap="flat" cmpd="sng">
+            <a:solidFill>
+              <a:schemeClr val="dk2"/>
+            </a:solidFill>
+            <a:prstDash val="solid"/>
+            <a:round/>
+            <a:headEnd type="none" w="med" len="med"/>
+            <a:tailEnd type="triangle" w="med" len="med"/>
+          </a:ln>
+        </p:spPr>
+      </p:cxnSp>
+      <p:sp>
+        <p:nvSpPr>
+          <p:cNvPr id="139" name="Google Shape;139;p22"/>
+          <p:cNvSpPr txBox="1"/>
+          <p:nvPr/>
+        </p:nvSpPr>
+        <p:spPr>
+          <a:xfrm>
+            <a:off x="4561000" y="2711850"/>
+            <a:ext cx="340800" cy="400200"/>
+          </a:xfrm>
+          <a:prstGeom prst="rect">
+            <a:avLst/>
+          </a:prstGeom>
+          <a:noFill/>
+          <a:ln>
+            <a:noFill/>
+          </a:ln>
+        </p:spPr>
+        <p:txBody>
+          <a:bodyPr spcFirstLastPara="1" wrap="square" lIns="91425" tIns="91425" rIns="91425" bIns="91425" anchor="t" anchorCtr="0">
+            <a:spAutoFit/>
+          </a:bodyPr>
+          <a:lstStyle/>
+          <a:p>
+            <a:pPr marL="0" lvl="0" indent="0" algn="l" rtl="0">
+              <a:spcBef>
+                <a:spcPts val="0"/>
+              </a:spcBef>
+              <a:spcAft>
+                <a:spcPts val="0"/>
+              </a:spcAft>
+              <a:buNone/>
+            </a:pPr>
+            <a:r>
+              <a:rPr lang="en"/>
+              <a:t>a</a:t>
+            </a:r>
+            <a:endParaRPr/>
+          </a:p>
+        </p:txBody>
+      </p:sp>
+      <p:sp>
+        <p:nvSpPr>
+          <p:cNvPr id="140" name="Google Shape;140;p22"/>
+          <p:cNvSpPr txBox="1"/>
+          <p:nvPr/>
+        </p:nvSpPr>
+        <p:spPr>
+          <a:xfrm>
+            <a:off x="6151525" y="2171550"/>
+            <a:ext cx="340800" cy="400200"/>
+          </a:xfrm>
+          <a:prstGeom prst="rect">
+            <a:avLst/>
+          </a:prstGeom>
+          <a:noFill/>
+          <a:ln>
+            <a:noFill/>
+          </a:ln>
+        </p:spPr>
+        <p:txBody>
+          <a:bodyPr spcFirstLastPara="1" wrap="square" lIns="91425" tIns="91425" rIns="91425" bIns="91425" anchor="t" anchorCtr="0">
+            <a:spAutoFit/>
+          </a:bodyPr>
+          <a:lstStyle/>
+          <a:p>
+            <a:pPr marL="0" lvl="0" indent="0" algn="l" rtl="0">
+              <a:spcBef>
+                <a:spcPts val="0"/>
+              </a:spcBef>
+              <a:spcAft>
+                <a:spcPts val="0"/>
+              </a:spcAft>
+              <a:buNone/>
+            </a:pPr>
+            <a:r>
+              <a:rPr lang="en"/>
+              <a:t>d</a:t>
+            </a:r>
+            <a:endParaRPr/>
+          </a:p>
+        </p:txBody>
+      </p:sp>
+      <p:sp>
+        <p:nvSpPr>
+          <p:cNvPr id="141" name="Google Shape;141;p22"/>
+          <p:cNvSpPr txBox="1"/>
+          <p:nvPr/>
+        </p:nvSpPr>
+        <p:spPr>
+          <a:xfrm>
+            <a:off x="6220825" y="3223375"/>
+            <a:ext cx="340800" cy="400200"/>
+          </a:xfrm>
+          <a:prstGeom prst="rect">
+            <a:avLst/>
+          </a:prstGeom>
+          <a:noFill/>
+          <a:ln>
+            <a:noFill/>
+          </a:ln>
+        </p:spPr>
+        <p:txBody>
+          <a:bodyPr spcFirstLastPara="1" wrap="square" lIns="91425" tIns="91425" rIns="91425" bIns="91425" anchor="t" anchorCtr="0">
+            <a:spAutoFit/>
+          </a:bodyPr>
+          <a:lstStyle/>
+          <a:p>
+            <a:pPr marL="0" lvl="0" indent="0" algn="l" rtl="0">
+              <a:spcBef>
+                <a:spcPts val="0"/>
+              </a:spcBef>
+              <a:spcAft>
+                <a:spcPts val="0"/>
+              </a:spcAft>
+              <a:buNone/>
+            </a:pPr>
+            <a:r>
+              <a:rPr lang="en"/>
+              <a:t>i</a:t>
+            </a:r>
+            <a:endParaRPr/>
+          </a:p>
+        </p:txBody>
+      </p:sp>
+      <p:sp>
+        <p:nvSpPr>
+          <p:cNvPr id="142" name="Google Shape;142;p22"/>
+          <p:cNvSpPr txBox="1"/>
+          <p:nvPr/>
+        </p:nvSpPr>
+        <p:spPr>
+          <a:xfrm>
+            <a:off x="7766438" y="2711850"/>
+            <a:ext cx="340800" cy="400200"/>
+          </a:xfrm>
+          <a:prstGeom prst="rect">
+            <a:avLst/>
+          </a:prstGeom>
+          <a:noFill/>
+          <a:ln>
+            <a:noFill/>
+          </a:ln>
+        </p:spPr>
+        <p:txBody>
+          <a:bodyPr spcFirstLastPara="1" wrap="square" lIns="91425" tIns="91425" rIns="91425" bIns="91425" anchor="t" anchorCtr="0">
+            <a:spAutoFit/>
+          </a:bodyPr>
+          <a:lstStyle/>
+          <a:p>
+            <a:pPr marL="0" lvl="0" indent="0" algn="l" rtl="0">
+              <a:spcBef>
+                <a:spcPts val="0"/>
+              </a:spcBef>
+              <a:spcAft>
+                <a:spcPts val="0"/>
+              </a:spcAft>
+              <a:buNone/>
+            </a:pPr>
+            <a:r>
+              <a:rPr lang="en"/>
+              <a:t>e</a:t>
+            </a:r>
+            <a:endParaRPr/>
+          </a:p>
+        </p:txBody>
+      </p:sp>
+      <p:sp>
+        <p:nvSpPr>
+          <p:cNvPr id="143" name="Google Shape;143;p22"/>
+          <p:cNvSpPr txBox="1"/>
+          <p:nvPr/>
+        </p:nvSpPr>
+        <p:spPr>
+          <a:xfrm>
+            <a:off x="7179313" y="3750525"/>
+            <a:ext cx="340800" cy="400200"/>
+          </a:xfrm>
+          <a:prstGeom prst="rect">
+            <a:avLst/>
+          </a:prstGeom>
+          <a:noFill/>
+          <a:ln>
+            <a:noFill/>
+          </a:ln>
+        </p:spPr>
+        <p:txBody>
+          <a:bodyPr spcFirstLastPara="1" wrap="square" lIns="91425" tIns="91425" rIns="91425" bIns="91425" anchor="t" anchorCtr="0">
+            <a:spAutoFit/>
+          </a:bodyPr>
+          <a:lstStyle/>
+          <a:p>
+            <a:pPr marL="0" lvl="0" indent="0" algn="l" rtl="0">
+              <a:spcBef>
+                <a:spcPts val="0"/>
+              </a:spcBef>
+              <a:spcAft>
+                <a:spcPts val="0"/>
+              </a:spcAft>
+              <a:buNone/>
+            </a:pPr>
+            <a:r>
+              <a:rPr lang="en"/>
+              <a:t>t</a:t>
+            </a:r>
+            <a:endParaRPr/>
+          </a:p>
+        </p:txBody>
+      </p:sp>
+      <p:sp>
+        <p:nvSpPr>
+          <p:cNvPr id="144" name="Google Shape;144;p22"/>
+          <p:cNvSpPr txBox="1"/>
+          <p:nvPr/>
+        </p:nvSpPr>
+        <p:spPr>
+          <a:xfrm>
+            <a:off x="5305825" y="3826725"/>
+            <a:ext cx="340800" cy="400200"/>
+          </a:xfrm>
+          <a:prstGeom prst="rect">
+            <a:avLst/>
+          </a:prstGeom>
+          <a:noFill/>
+          <a:ln>
+            <a:noFill/>
+          </a:ln>
+        </p:spPr>
+        <p:txBody>
+          <a:bodyPr spcFirstLastPara="1" wrap="square" lIns="91425" tIns="91425" rIns="91425" bIns="91425" anchor="t" anchorCtr="0">
+            <a:spAutoFit/>
+          </a:bodyPr>
+          <a:lstStyle/>
+          <a:p>
+            <a:pPr marL="0" lvl="0" indent="0" algn="l" rtl="0">
+              <a:spcBef>
+                <a:spcPts val="0"/>
+              </a:spcBef>
+              <a:spcAft>
+                <a:spcPts val="0"/>
+              </a:spcAft>
+              <a:buNone/>
+            </a:pPr>
+            <a:r>
+              <a:rPr lang="en"/>
+              <a:t>r</a:t>
+            </a:r>
+            <a:endParaRPr/>
+          </a:p>
+        </p:txBody>
+      </p:sp>
+      <p:sp>
+        <p:nvSpPr>
+          <p:cNvPr id="145" name="Google Shape;145;p22"/>
+          <p:cNvSpPr txBox="1"/>
+          <p:nvPr/>
+        </p:nvSpPr>
+        <p:spPr>
+          <a:xfrm>
+            <a:off x="4709200" y="4645150"/>
+            <a:ext cx="4109100" cy="400200"/>
+          </a:xfrm>
+          <a:prstGeom prst="rect">
+            <a:avLst/>
+          </a:prstGeom>
+          <a:noFill/>
+          <a:ln>
+            <a:noFill/>
+          </a:ln>
+        </p:spPr>
+        <p:txBody>
+          <a:bodyPr spcFirstLastPara="1" wrap="square" lIns="91425" tIns="91425" rIns="91425" bIns="91425" anchor="t" anchorCtr="0">
+            <a:spAutoFit/>
+          </a:bodyPr>
+          <a:lstStyle/>
+          <a:p>
+            <a:pPr marL="0" lvl="0" indent="0" algn="l" rtl="0">
+              <a:spcBef>
+                <a:spcPts val="0"/>
+              </a:spcBef>
+              <a:spcAft>
+                <a:spcPts val="0"/>
+              </a:spcAft>
+              <a:buNone/>
+            </a:pPr>
+            <a:r>
+              <a:rPr lang="en"/>
+              <a:t>FA for the Process Status Diagram</a:t>
+            </a:r>
+            <a:endParaRPr/>
+          </a:p>
+        </p:txBody>
+      </p:sp>
+      <p:sp>
+        <p:nvSpPr>
+          <p:cNvPr id="146" name="Google Shape;146;p22"/>
+          <p:cNvSpPr txBox="1"/>
+          <p:nvPr/>
+        </p:nvSpPr>
+        <p:spPr>
+          <a:xfrm>
+            <a:off x="540300" y="3131850"/>
+            <a:ext cx="1250400" cy="400200"/>
+          </a:xfrm>
+          <a:prstGeom prst="rect">
+            <a:avLst/>
+          </a:prstGeom>
+          <a:noFill/>
+          <a:ln>
+            <a:noFill/>
+          </a:ln>
+        </p:spPr>
+        <p:txBody>
+          <a:bodyPr spcFirstLastPara="1" wrap="square" lIns="91425" tIns="91425" rIns="91425" bIns="91425" anchor="t" anchorCtr="0">
+            <a:spAutoFit/>
+          </a:bodyPr>
+          <a:lstStyle/>
+          <a:p>
+            <a:pPr marL="0" lvl="0" indent="0" algn="l" rtl="0">
+              <a:spcBef>
+                <a:spcPts val="0"/>
+              </a:spcBef>
+              <a:spcAft>
+                <a:spcPts val="0"/>
+              </a:spcAft>
+              <a:buNone/>
+            </a:pPr>
+            <a:r>
+              <a:rPr lang="en"/>
+              <a:t>input string:</a:t>
+            </a:r>
+            <a:endParaRPr/>
+          </a:p>
+        </p:txBody>
+      </p:sp>
+      <p:sp>
+        <p:nvSpPr>
+          <p:cNvPr id="147" name="Google Shape;147;p22"/>
+          <p:cNvSpPr/>
+          <p:nvPr/>
+        </p:nvSpPr>
+        <p:spPr>
+          <a:xfrm>
+            <a:off x="760400" y="3596550"/>
+            <a:ext cx="207600" cy="207600"/>
+          </a:xfrm>
+          <a:prstGeom prst="rect">
+            <a:avLst/>
+          </a:prstGeom>
+          <a:solidFill>
+            <a:schemeClr val="lt2"/>
+          </a:solidFill>
+          <a:ln w="9525" cap="flat" cmpd="sng">
+            <a:solidFill>
+              <a:schemeClr val="dk2"/>
+            </a:solidFill>
+            <a:prstDash val="solid"/>
+            <a:round/>
+            <a:headEnd type="none" w="sm" len="sm"/>
+            <a:tailEnd type="none" w="sm" len="sm"/>
+          </a:ln>
+        </p:spPr>
+        <p:txBody>
+          <a:bodyPr spcFirstLastPara="1" wrap="square" lIns="91425" tIns="91425" rIns="91425" bIns="91425" anchor="ctr" anchorCtr="0">
+            <a:noAutofit/>
+          </a:bodyPr>
+          <a:lstStyle/>
+          <a:p>
+            <a:pPr marL="0" lvl="0" indent="0" algn="l" rtl="0">
+              <a:spcBef>
+                <a:spcPts val="0"/>
+              </a:spcBef>
+              <a:spcAft>
+                <a:spcPts val="0"/>
+              </a:spcAft>
+              <a:buNone/>
+            </a:pPr>
+            <a:r>
+              <a:rPr lang="en"/>
+              <a:t>a</a:t>
+            </a:r>
+            <a:endParaRPr/>
+          </a:p>
+        </p:txBody>
+      </p:sp>
+      <p:sp>
+        <p:nvSpPr>
+          <p:cNvPr id="148" name="Google Shape;148;p22"/>
+          <p:cNvSpPr/>
+          <p:nvPr/>
+        </p:nvSpPr>
+        <p:spPr>
+          <a:xfrm>
+            <a:off x="966101" y="3596550"/>
+            <a:ext cx="207600" cy="207600"/>
+          </a:xfrm>
+          <a:prstGeom prst="rect">
+            <a:avLst/>
+          </a:prstGeom>
+          <a:solidFill>
+            <a:schemeClr val="lt2"/>
+          </a:solidFill>
+          <a:ln w="9525" cap="flat" cmpd="sng">
+            <a:solidFill>
+              <a:schemeClr val="dk2"/>
+            </a:solidFill>
+            <a:prstDash val="solid"/>
+            <a:round/>
+            <a:headEnd type="none" w="sm" len="sm"/>
+            <a:tailEnd type="none" w="sm" len="sm"/>
+          </a:ln>
+        </p:spPr>
+        <p:txBody>
+          <a:bodyPr spcFirstLastPara="1" wrap="square" lIns="91425" tIns="91425" rIns="91425" bIns="91425" anchor="ctr" anchorCtr="0">
+            <a:noAutofit/>
+          </a:bodyPr>
+          <a:lstStyle/>
+          <a:p>
+            <a:pPr marL="0" lvl="0" indent="0" algn="l" rtl="0">
+              <a:spcBef>
+                <a:spcPts val="0"/>
+              </a:spcBef>
+              <a:spcAft>
+                <a:spcPts val="0"/>
+              </a:spcAft>
+              <a:buNone/>
+            </a:pPr>
+            <a:r>
+              <a:rPr lang="en"/>
+              <a:t>d</a:t>
+            </a:r>
+            <a:endParaRPr/>
+          </a:p>
+        </p:txBody>
+      </p:sp>
+      <p:sp>
+        <p:nvSpPr>
+          <p:cNvPr id="149" name="Google Shape;149;p22"/>
+          <p:cNvSpPr/>
+          <p:nvPr/>
+        </p:nvSpPr>
+        <p:spPr>
+          <a:xfrm>
+            <a:off x="1171803" y="3596550"/>
+            <a:ext cx="207600" cy="207600"/>
+          </a:xfrm>
+          <a:prstGeom prst="rect">
+            <a:avLst/>
+          </a:prstGeom>
+          <a:solidFill>
+            <a:schemeClr val="lt2"/>
+          </a:solidFill>
+          <a:ln w="9525" cap="flat" cmpd="sng">
+            <a:solidFill>
+              <a:schemeClr val="dk2"/>
+            </a:solidFill>
+            <a:prstDash val="solid"/>
+            <a:round/>
+            <a:headEnd type="none" w="sm" len="sm"/>
+            <a:tailEnd type="none" w="sm" len="sm"/>
+          </a:ln>
+        </p:spPr>
+        <p:txBody>
+          <a:bodyPr spcFirstLastPara="1" wrap="square" lIns="91425" tIns="91425" rIns="91425" bIns="91425" anchor="ctr" anchorCtr="0">
+            <a:noAutofit/>
+          </a:bodyPr>
+          <a:lstStyle/>
+          <a:p>
+            <a:pPr marL="0" lvl="0" indent="0" algn="l" rtl="0">
+              <a:spcBef>
+                <a:spcPts val="0"/>
+              </a:spcBef>
+              <a:spcAft>
+                <a:spcPts val="0"/>
+              </a:spcAft>
+              <a:buNone/>
+            </a:pPr>
+            <a:r>
+              <a:rPr lang="en"/>
+              <a:t>t</a:t>
+            </a:r>
+            <a:endParaRPr/>
+          </a:p>
+        </p:txBody>
+      </p:sp>
+      <p:sp>
+        <p:nvSpPr>
+          <p:cNvPr id="150" name="Google Shape;150;p22"/>
+          <p:cNvSpPr/>
+          <p:nvPr/>
+        </p:nvSpPr>
+        <p:spPr>
+          <a:xfrm>
+            <a:off x="1377504" y="3596550"/>
+            <a:ext cx="207600" cy="207600"/>
+          </a:xfrm>
+          <a:prstGeom prst="rect">
+            <a:avLst/>
+          </a:prstGeom>
+          <a:solidFill>
+            <a:schemeClr val="lt2"/>
+          </a:solidFill>
+          <a:ln w="9525" cap="flat" cmpd="sng">
+            <a:solidFill>
+              <a:schemeClr val="dk2"/>
+            </a:solidFill>
+            <a:prstDash val="solid"/>
+            <a:round/>
+            <a:headEnd type="none" w="sm" len="sm"/>
+            <a:tailEnd type="none" w="sm" len="sm"/>
+          </a:ln>
+        </p:spPr>
+        <p:txBody>
+          <a:bodyPr spcFirstLastPara="1" wrap="square" lIns="91425" tIns="91425" rIns="91425" bIns="91425" anchor="ctr" anchorCtr="0">
+            <a:noAutofit/>
+          </a:bodyPr>
+          <a:lstStyle/>
+          <a:p>
+            <a:pPr marL="0" lvl="0" indent="0" algn="l" rtl="0">
+              <a:spcBef>
+                <a:spcPts val="0"/>
+              </a:spcBef>
+              <a:spcAft>
+                <a:spcPts val="0"/>
+              </a:spcAft>
+              <a:buNone/>
+            </a:pPr>
+            <a:r>
+              <a:rPr lang="en"/>
+              <a:t>r</a:t>
+            </a:r>
+            <a:endParaRPr/>
+          </a:p>
+        </p:txBody>
+      </p:sp>
+      <p:sp>
+        <p:nvSpPr>
+          <p:cNvPr id="151" name="Google Shape;151;p22"/>
+          <p:cNvSpPr/>
+          <p:nvPr/>
+        </p:nvSpPr>
+        <p:spPr>
+          <a:xfrm>
+            <a:off x="1583206" y="3596550"/>
+            <a:ext cx="207600" cy="207600"/>
+          </a:xfrm>
+          <a:prstGeom prst="rect">
+            <a:avLst/>
+          </a:prstGeom>
+          <a:solidFill>
+            <a:schemeClr val="lt2"/>
+          </a:solidFill>
+          <a:ln w="9525" cap="flat" cmpd="sng">
+            <a:solidFill>
+              <a:schemeClr val="dk2"/>
+            </a:solidFill>
+            <a:prstDash val="solid"/>
+            <a:round/>
+            <a:headEnd type="none" w="sm" len="sm"/>
+            <a:tailEnd type="none" w="sm" len="sm"/>
+          </a:ln>
+        </p:spPr>
+        <p:txBody>
+          <a:bodyPr spcFirstLastPara="1" wrap="square" lIns="91425" tIns="91425" rIns="91425" bIns="91425" anchor="ctr" anchorCtr="0">
+            <a:noAutofit/>
+          </a:bodyPr>
+          <a:lstStyle/>
+          <a:p>
+            <a:pPr marL="0" lvl="0" indent="0" algn="l" rtl="0">
+              <a:spcBef>
+                <a:spcPts val="0"/>
+              </a:spcBef>
+              <a:spcAft>
+                <a:spcPts val="0"/>
+              </a:spcAft>
+              <a:buNone/>
+            </a:pPr>
+            <a:r>
+              <a:rPr lang="en"/>
+              <a:t>d</a:t>
+            </a:r>
+            <a:endParaRPr/>
+          </a:p>
+        </p:txBody>
+      </p:sp>
+      <p:sp>
+        <p:nvSpPr>
+          <p:cNvPr id="152" name="Google Shape;152;p22"/>
+          <p:cNvSpPr/>
+          <p:nvPr/>
+        </p:nvSpPr>
+        <p:spPr>
+          <a:xfrm>
+            <a:off x="1788907" y="3596550"/>
+            <a:ext cx="207600" cy="207600"/>
+          </a:xfrm>
+          <a:prstGeom prst="rect">
+            <a:avLst/>
+          </a:prstGeom>
+          <a:solidFill>
+            <a:schemeClr val="lt2"/>
+          </a:solidFill>
+          <a:ln w="9525" cap="flat" cmpd="sng">
+            <a:solidFill>
+              <a:schemeClr val="dk2"/>
+            </a:solidFill>
+            <a:prstDash val="solid"/>
+            <a:round/>
+            <a:headEnd type="none" w="sm" len="sm"/>
+            <a:tailEnd type="none" w="sm" len="sm"/>
+          </a:ln>
+        </p:spPr>
+        <p:txBody>
+          <a:bodyPr spcFirstLastPara="1" wrap="square" lIns="91425" tIns="91425" rIns="91425" bIns="91425" anchor="ctr" anchorCtr="0">
+            <a:noAutofit/>
+          </a:bodyPr>
+          <a:lstStyle/>
+          <a:p>
+            <a:pPr marL="0" lvl="0" indent="0" algn="l" rtl="0">
+              <a:spcBef>
+                <a:spcPts val="0"/>
+              </a:spcBef>
+              <a:spcAft>
+                <a:spcPts val="0"/>
+              </a:spcAft>
+              <a:buNone/>
+            </a:pPr>
+            <a:r>
+              <a:rPr lang="en"/>
+              <a:t>a</a:t>
+            </a:r>
+            <a:endParaRPr/>
+          </a:p>
+        </p:txBody>
+      </p:sp>
+      <p:sp>
+        <p:nvSpPr>
+          <p:cNvPr id="153" name="Google Shape;153;p22"/>
+          <p:cNvSpPr/>
+          <p:nvPr/>
+        </p:nvSpPr>
+        <p:spPr>
+          <a:xfrm>
+            <a:off x="1994609" y="3596550"/>
+            <a:ext cx="207600" cy="207600"/>
+          </a:xfrm>
+          <a:prstGeom prst="rect">
+            <a:avLst/>
+          </a:prstGeom>
+          <a:solidFill>
+            <a:schemeClr val="lt2"/>
+          </a:solidFill>
+          <a:ln w="9525" cap="flat" cmpd="sng">
+            <a:solidFill>
+              <a:schemeClr val="dk2"/>
+            </a:solidFill>
+            <a:prstDash val="solid"/>
+            <a:round/>
+            <a:headEnd type="none" w="sm" len="sm"/>
+            <a:tailEnd type="none" w="sm" len="sm"/>
+          </a:ln>
+        </p:spPr>
+        <p:txBody>
+          <a:bodyPr spcFirstLastPara="1" wrap="square" lIns="91425" tIns="91425" rIns="91425" bIns="91425" anchor="ctr" anchorCtr="0">
+            <a:noAutofit/>
+          </a:bodyPr>
+          <a:lstStyle/>
+          <a:p>
+            <a:pPr marL="0" lvl="0" indent="0" algn="l" rtl="0">
+              <a:spcBef>
+                <a:spcPts val="0"/>
+              </a:spcBef>
+              <a:spcAft>
+                <a:spcPts val="0"/>
+              </a:spcAft>
+              <a:buNone/>
+            </a:pPr>
+            <a:r>
+              <a:rPr lang="en"/>
+              <a:t>d</a:t>
+            </a:r>
+            <a:endParaRPr/>
+          </a:p>
+        </p:txBody>
+      </p:sp>
+      <p:sp>
+        <p:nvSpPr>
+          <p:cNvPr id="154" name="Google Shape;154;p22"/>
+          <p:cNvSpPr/>
+          <p:nvPr/>
+        </p:nvSpPr>
+        <p:spPr>
+          <a:xfrm>
+            <a:off x="2617274" y="3596550"/>
+            <a:ext cx="207600" cy="207600"/>
+          </a:xfrm>
+          <a:prstGeom prst="rect">
+            <a:avLst/>
+          </a:prstGeom>
+          <a:solidFill>
+            <a:schemeClr val="lt2"/>
+          </a:solidFill>
+          <a:ln w="9525" cap="flat" cmpd="sng">
+            <a:solidFill>
+              <a:schemeClr val="dk2"/>
+            </a:solidFill>
+            <a:prstDash val="solid"/>
+            <a:round/>
+            <a:headEnd type="none" w="sm" len="sm"/>
+            <a:tailEnd type="none" w="sm" len="sm"/>
+          </a:ln>
+        </p:spPr>
+        <p:txBody>
+          <a:bodyPr spcFirstLastPara="1" wrap="square" lIns="91425" tIns="91425" rIns="91425" bIns="91425" anchor="ctr" anchorCtr="0">
+            <a:noAutofit/>
+          </a:bodyPr>
+          <a:lstStyle/>
+          <a:p>
+            <a:pPr marL="0" lvl="0" indent="0" algn="l" rtl="0">
+              <a:spcBef>
+                <a:spcPts val="0"/>
+              </a:spcBef>
+              <a:spcAft>
+                <a:spcPts val="0"/>
+              </a:spcAft>
+              <a:buNone/>
+            </a:pPr>
+            <a:r>
+              <a:rPr lang="en"/>
+              <a:t>$</a:t>
+            </a:r>
+            <a:endParaRPr/>
+          </a:p>
+        </p:txBody>
+      </p:sp>
+      <p:cxnSp>
+        <p:nvCxnSpPr>
+          <p:cNvPr id="155" name="Google Shape;155;p22"/>
+          <p:cNvCxnSpPr/>
+          <p:nvPr/>
+        </p:nvCxnSpPr>
+        <p:spPr>
+          <a:xfrm>
+            <a:off x="1935225" y="3794550"/>
+            <a:ext cx="8400" cy="257700"/>
+          </a:xfrm>
+          <a:prstGeom prst="straightConnector1">
+            <a:avLst/>
+          </a:prstGeom>
+          <a:noFill/>
+          <a:ln w="9525" cap="flat" cmpd="sng">
+            <a:solidFill>
+              <a:schemeClr val="dk2"/>
+            </a:solidFill>
+            <a:prstDash val="solid"/>
+            <a:round/>
+            <a:headEnd type="triangle" w="med" len="med"/>
+            <a:tailEnd type="none" w="med" len="med"/>
+          </a:ln>
+        </p:spPr>
+      </p:cxnSp>
+      <p:sp>
+        <p:nvSpPr>
+          <p:cNvPr id="156" name="Google Shape;156;p22"/>
+          <p:cNvSpPr/>
+          <p:nvPr/>
+        </p:nvSpPr>
+        <p:spPr>
+          <a:xfrm>
+            <a:off x="2203096" y="3596550"/>
+            <a:ext cx="207600" cy="207600"/>
+          </a:xfrm>
+          <a:prstGeom prst="rect">
+            <a:avLst/>
+          </a:prstGeom>
+          <a:solidFill>
+            <a:schemeClr val="lt2"/>
+          </a:solidFill>
+          <a:ln w="9525" cap="flat" cmpd="sng">
+            <a:solidFill>
+              <a:schemeClr val="dk2"/>
+            </a:solidFill>
+            <a:prstDash val="solid"/>
+            <a:round/>
+            <a:headEnd type="none" w="sm" len="sm"/>
+            <a:tailEnd type="none" w="sm" len="sm"/>
+          </a:ln>
+        </p:spPr>
+        <p:txBody>
+          <a:bodyPr spcFirstLastPara="1" wrap="square" lIns="91425" tIns="91425" rIns="91425" bIns="91425" anchor="ctr" anchorCtr="0">
+            <a:noAutofit/>
+          </a:bodyPr>
+          <a:lstStyle/>
+          <a:p>
+            <a:pPr marL="0" lvl="0" indent="0" algn="l" rtl="0">
+              <a:spcBef>
+                <a:spcPts val="0"/>
+              </a:spcBef>
+              <a:spcAft>
+                <a:spcPts val="0"/>
+              </a:spcAft>
+              <a:buNone/>
+            </a:pPr>
+            <a:r>
+              <a:rPr lang="en"/>
+              <a:t>e</a:t>
+            </a:r>
+            <a:endParaRPr/>
+          </a:p>
+        </p:txBody>
+      </p:sp>
+      <p:sp>
+        <p:nvSpPr>
+          <p:cNvPr id="157" name="Google Shape;157;p22"/>
+          <p:cNvSpPr/>
+          <p:nvPr/>
+        </p:nvSpPr>
+        <p:spPr>
+          <a:xfrm flipH="1">
+            <a:off x="8216094" y="1133266"/>
+            <a:ext cx="306065" cy="284855"/>
+          </a:xfrm>
+          <a:prstGeom prst="ellipse">
+            <a:avLst/>
+          </a:prstGeom>
+          <a:solidFill>
+            <a:srgbClr val="666666"/>
+          </a:solidFill>
+          <a:ln w="9525" cap="flat" cmpd="sng">
+            <a:solidFill>
+              <a:schemeClr val="dk2"/>
+            </a:solidFill>
+            <a:prstDash val="solid"/>
+            <a:round/>
+            <a:headEnd type="none" w="sm" len="sm"/>
+            <a:tailEnd type="none" w="sm" len="sm"/>
+          </a:ln>
+        </p:spPr>
+        <p:txBody>
+          <a:bodyPr spcFirstLastPara="1" wrap="square" lIns="91425" tIns="91425" rIns="91425" bIns="91425" anchor="ctr" anchorCtr="0">
+            <a:noAutofit/>
+          </a:bodyPr>
+          <a:lstStyle/>
+          <a:p>
+            <a:pPr marL="0" lvl="0" indent="0" algn="l" rtl="0">
+              <a:spcBef>
+                <a:spcPts val="0"/>
+              </a:spcBef>
+              <a:spcAft>
+                <a:spcPts val="0"/>
+              </a:spcAft>
+              <a:buNone/>
+            </a:pPr>
+            <a:endParaRPr/>
+          </a:p>
+        </p:txBody>
+      </p:sp>
+    </p:spTree>
+  </p:cSld>
+  <p:clrMapOvr>
+    <a:masterClrMapping/>
+  </p:clrMapOvr>
+</p:sld>
+</file>
+
+<file path=ppt/slides/slide11.xml><?xml version="1.0" encoding="utf-8"?>
 <p:sld xmlns:a="http://schemas.openxmlformats.org/drawingml/2006/main" xmlns:r="http://schemas.openxmlformats.org/officeDocument/2006/relationships" xmlns:p="http://schemas.openxmlformats.org/presentationml/2006/main">
   <p:cSld>
     <p:spTree>
@@ -9391,7 +13035,7 @@
 </p:sld>
 </file>
 
-<file path=ppt/slides/slide11.xml><?xml version="1.0" encoding="utf-8"?>
+<file path=ppt/slides/slide12.xml><?xml version="1.0" encoding="utf-8"?>
 <p:sld xmlns:a="http://schemas.openxmlformats.org/drawingml/2006/main" xmlns:r="http://schemas.openxmlformats.org/officeDocument/2006/relationships" xmlns:p="http://schemas.openxmlformats.org/presentationml/2006/main">
   <p:cSld>
     <p:spTree>
@@ -11766,7 +15410,7 @@
 </p:sld>
 </file>
 
-<file path=ppt/slides/slide12.xml><?xml version="1.0" encoding="utf-8"?>
+<file path=ppt/slides/slide13.xml><?xml version="1.0" encoding="utf-8"?>
 <p:sld xmlns:a="http://schemas.openxmlformats.org/drawingml/2006/main" xmlns:r="http://schemas.openxmlformats.org/officeDocument/2006/relationships" xmlns:p="http://schemas.openxmlformats.org/presentationml/2006/main">
   <p:cSld>
     <p:spTree>
@@ -13767,7 +17411,7 @@
 </p:sld>
 </file>
 
-<file path=ppt/slides/slide13.xml><?xml version="1.0" encoding="utf-8"?>
+<file path=ppt/slides/slide14.xml><?xml version="1.0" encoding="utf-8"?>
 <p:sld xmlns:a="http://schemas.openxmlformats.org/drawingml/2006/main" xmlns:r="http://schemas.openxmlformats.org/officeDocument/2006/relationships" xmlns:p="http://schemas.openxmlformats.org/presentationml/2006/main">
   <p:cSld>
     <p:spTree>
@@ -15793,7 +19437,7 @@
 </p:sld>
 </file>
 
-<file path=ppt/slides/slide14.xml><?xml version="1.0" encoding="utf-8"?>
+<file path=ppt/slides/slide15.xml><?xml version="1.0" encoding="utf-8"?>
 <p:sld xmlns:a="http://schemas.openxmlformats.org/drawingml/2006/main" xmlns:r="http://schemas.openxmlformats.org/officeDocument/2006/relationships" xmlns:p="http://schemas.openxmlformats.org/presentationml/2006/main">
   <p:cSld>
     <p:spTree>
@@ -16074,7 +19718,7 @@
 </p:sld>
 </file>
 
-<file path=ppt/slides/slide15.xml><?xml version="1.0" encoding="utf-8"?>
+<file path=ppt/slides/slide16.xml><?xml version="1.0" encoding="utf-8"?>
 <p:sld xmlns:a="http://schemas.openxmlformats.org/drawingml/2006/main" xmlns:r="http://schemas.openxmlformats.org/officeDocument/2006/relationships" xmlns:p="http://schemas.openxmlformats.org/presentationml/2006/main">
   <p:cSld>
     <p:spTree>
@@ -16169,7 +19813,7 @@
 </p:sld>
 </file>
 
-<file path=ppt/slides/slide16.xml><?xml version="1.0" encoding="utf-8"?>
+<file path=ppt/slides/slide17.xml><?xml version="1.0" encoding="utf-8"?>
 <p:sld xmlns:a="http://schemas.openxmlformats.org/drawingml/2006/main" xmlns:r="http://schemas.openxmlformats.org/officeDocument/2006/relationships" xmlns:p="http://schemas.openxmlformats.org/presentationml/2006/main">
   <p:cSld>
     <p:spTree>
@@ -16308,7 +19952,7 @@
 </p:sld>
 </file>
 
-<file path=ppt/slides/slide17.xml><?xml version="1.0" encoding="utf-8"?>
+<file path=ppt/slides/slide18.xml><?xml version="1.0" encoding="utf-8"?>
 <p:sld xmlns:a="http://schemas.openxmlformats.org/drawingml/2006/main" xmlns:r="http://schemas.openxmlformats.org/officeDocument/2006/relationships" xmlns:p="http://schemas.openxmlformats.org/presentationml/2006/main">
   <p:cSld>
     <p:spTree>
@@ -16470,7 +20114,7 @@
 </p:sld>
 </file>
 
-<file path=ppt/slides/slide18.xml><?xml version="1.0" encoding="utf-8"?>
+<file path=ppt/slides/slide19.xml><?xml version="1.0" encoding="utf-8"?>
 <p:sld xmlns:a="http://schemas.openxmlformats.org/drawingml/2006/main" xmlns:r="http://schemas.openxmlformats.org/officeDocument/2006/relationships" xmlns:p="http://schemas.openxmlformats.org/presentationml/2006/main">
   <p:cSld>
     <p:spTree>
@@ -16505,7 +20149,9 @@
         </p:nvSpPr>
         <p:spPr/>
         <p:txBody>
-          <a:bodyPr/>
+          <a:bodyPr>
+            <a:normAutofit fontScale="90000"/>
+          </a:bodyPr>
           <a:lstStyle/>
           <a:p>
             <a:endParaRPr lang="en-US"/>
@@ -16550,7 +20196,287 @@
 </p:sld>
 </file>
 
-<file path=ppt/slides/slide19.xml><?xml version="1.0" encoding="utf-8"?>
+<file path=ppt/slides/slide2.xml><?xml version="1.0" encoding="utf-8"?>
+<p:sld xmlns:a="http://schemas.openxmlformats.org/drawingml/2006/main" xmlns:r="http://schemas.openxmlformats.org/officeDocument/2006/relationships" xmlns:p="http://schemas.openxmlformats.org/presentationml/2006/main">
+  <p:cSld>
+    <p:spTree>
+      <p:nvGrpSpPr>
+        <p:cNvPr id="1" name="Shape 53"/>
+        <p:cNvGrpSpPr/>
+        <p:nvPr/>
+      </p:nvGrpSpPr>
+      <p:grpSpPr>
+        <a:xfrm>
+          <a:off x="0" y="0"/>
+          <a:ext cx="0" cy="0"/>
+          <a:chOff x="0" y="0"/>
+          <a:chExt cx="0" cy="0"/>
+        </a:xfrm>
+      </p:grpSpPr>
+      <p:sp>
+        <p:nvSpPr>
+          <p:cNvPr id="54" name="Google Shape;54;p13"/>
+          <p:cNvSpPr txBox="1">
+            <a:spLocks noGrp="1"/>
+          </p:cNvSpPr>
+          <p:nvPr>
+            <p:ph type="title"/>
+          </p:nvPr>
+        </p:nvSpPr>
+        <p:spPr>
+          <a:xfrm>
+            <a:off x="311700" y="445025"/>
+            <a:ext cx="8520600" cy="572700"/>
+          </a:xfrm>
+          <a:prstGeom prst="rect">
+            <a:avLst/>
+          </a:prstGeom>
+        </p:spPr>
+        <p:txBody>
+          <a:bodyPr spcFirstLastPara="1" wrap="square" lIns="91425" tIns="91425" rIns="91425" bIns="91425" anchor="t" anchorCtr="0">
+            <a:normAutofit fontScale="90000"/>
+          </a:bodyPr>
+          <a:lstStyle/>
+          <a:p>
+            <a:pPr marL="0" lvl="0" indent="0" algn="l" rtl="0">
+              <a:spcBef>
+                <a:spcPts val="0"/>
+              </a:spcBef>
+              <a:spcAft>
+                <a:spcPts val="0"/>
+              </a:spcAft>
+              <a:buNone/>
+            </a:pPr>
+            <a:r>
+              <a:rPr lang="en"/>
+              <a:t>Models of Computation and Communication</a:t>
+            </a:r>
+            <a:endParaRPr/>
+          </a:p>
+        </p:txBody>
+      </p:sp>
+      <p:sp>
+        <p:nvSpPr>
+          <p:cNvPr id="55" name="Google Shape;55;p13"/>
+          <p:cNvSpPr txBox="1">
+            <a:spLocks noGrp="1"/>
+          </p:cNvSpPr>
+          <p:nvPr>
+            <p:ph type="body" idx="1"/>
+          </p:nvPr>
+        </p:nvSpPr>
+        <p:spPr>
+          <a:xfrm>
+            <a:off x="311700" y="1152475"/>
+            <a:ext cx="8520600" cy="3416400"/>
+          </a:xfrm>
+          <a:prstGeom prst="rect">
+            <a:avLst/>
+          </a:prstGeom>
+        </p:spPr>
+        <p:txBody>
+          <a:bodyPr spcFirstLastPara="1" wrap="square" lIns="91425" tIns="91425" rIns="91425" bIns="91425" anchor="t" anchorCtr="0">
+            <a:normAutofit/>
+          </a:bodyPr>
+          <a:lstStyle/>
+          <a:p>
+            <a:pPr marL="457200" lvl="0" indent="-342900" algn="l" rtl="0">
+              <a:spcBef>
+                <a:spcPts val="0"/>
+              </a:spcBef>
+              <a:spcAft>
+                <a:spcPts val="0"/>
+              </a:spcAft>
+              <a:buSzPts val="1800"/>
+              <a:buChar char="●"/>
+            </a:pPr>
+            <a:r>
+              <a:rPr lang="en" dirty="0"/>
+              <a:t>We need to develop a model </a:t>
+            </a:r>
+            <a:endParaRPr dirty="0"/>
+          </a:p>
+          <a:p>
+            <a:pPr marL="914400" lvl="1" indent="-317500" algn="l" rtl="0">
+              <a:spcBef>
+                <a:spcPts val="0"/>
+              </a:spcBef>
+              <a:spcAft>
+                <a:spcPts val="0"/>
+              </a:spcAft>
+              <a:buSzPts val="1400"/>
+              <a:buChar char="○"/>
+            </a:pPr>
+            <a:r>
+              <a:rPr lang="en" dirty="0"/>
+              <a:t>to reason about the problem</a:t>
+            </a:r>
+            <a:endParaRPr dirty="0"/>
+          </a:p>
+          <a:p>
+            <a:pPr marL="914400" lvl="1" indent="-317500" algn="l" rtl="0">
+              <a:spcBef>
+                <a:spcPts val="0"/>
+              </a:spcBef>
+              <a:spcAft>
+                <a:spcPts val="0"/>
+              </a:spcAft>
+              <a:buSzPts val="1400"/>
+              <a:buChar char="○"/>
+            </a:pPr>
+            <a:r>
+              <a:rPr lang="en" dirty="0"/>
+              <a:t>to reason about our solution</a:t>
+            </a:r>
+            <a:endParaRPr dirty="0"/>
+          </a:p>
+          <a:p>
+            <a:pPr marL="914400" lvl="1" indent="-317500" algn="l" rtl="0">
+              <a:spcBef>
+                <a:spcPts val="0"/>
+              </a:spcBef>
+              <a:spcAft>
+                <a:spcPts val="0"/>
+              </a:spcAft>
+              <a:buSzPts val="1400"/>
+              <a:buChar char="○"/>
+            </a:pPr>
+            <a:r>
+              <a:rPr lang="en" dirty="0"/>
+              <a:t>to reason about the problem about our solution.</a:t>
+            </a:r>
+            <a:endParaRPr dirty="0"/>
+          </a:p>
+          <a:p>
+            <a:pPr marL="457200" lvl="0" indent="-342900" algn="l" rtl="0">
+              <a:spcBef>
+                <a:spcPts val="0"/>
+              </a:spcBef>
+              <a:spcAft>
+                <a:spcPts val="0"/>
+              </a:spcAft>
+              <a:buSzPts val="1800"/>
+              <a:buChar char="●"/>
+            </a:pPr>
+            <a:r>
+              <a:rPr lang="en" dirty="0"/>
+              <a:t>Models of Communication:</a:t>
+            </a:r>
+            <a:endParaRPr dirty="0"/>
+          </a:p>
+          <a:p>
+            <a:pPr marL="914400" lvl="1" indent="-317500" algn="l" rtl="0">
+              <a:spcBef>
+                <a:spcPts val="0"/>
+              </a:spcBef>
+              <a:spcAft>
+                <a:spcPts val="0"/>
+              </a:spcAft>
+              <a:buSzPts val="1400"/>
+              <a:buChar char="○"/>
+            </a:pPr>
+            <a:r>
+              <a:rPr lang="en" dirty="0"/>
+              <a:t>OSI/ISO model  (Open Systems Interconnect)</a:t>
+            </a:r>
+            <a:endParaRPr dirty="0"/>
+          </a:p>
+          <a:p>
+            <a:pPr marL="914400" lvl="1" indent="-317500" algn="l" rtl="0">
+              <a:spcBef>
+                <a:spcPts val="0"/>
+              </a:spcBef>
+              <a:spcAft>
+                <a:spcPts val="0"/>
+              </a:spcAft>
+              <a:buSzPts val="1400"/>
+              <a:buChar char="○"/>
+            </a:pPr>
+            <a:r>
+              <a:rPr lang="en" dirty="0"/>
+              <a:t>TCP/IP model</a:t>
+            </a:r>
+            <a:endParaRPr dirty="0"/>
+          </a:p>
+          <a:p>
+            <a:pPr marL="457200" lvl="0" indent="-342900" algn="l" rtl="0">
+              <a:spcBef>
+                <a:spcPts val="0"/>
+              </a:spcBef>
+              <a:spcAft>
+                <a:spcPts val="0"/>
+              </a:spcAft>
+              <a:buSzPts val="1800"/>
+              <a:buChar char="●"/>
+            </a:pPr>
+            <a:r>
+              <a:rPr lang="en" dirty="0"/>
+              <a:t>Model of Computation:  (Machine &lt;-&gt; Language)</a:t>
+            </a:r>
+            <a:endParaRPr dirty="0"/>
+          </a:p>
+          <a:p>
+            <a:pPr marL="914400" lvl="1" indent="-317500" algn="l" rtl="0">
+              <a:spcBef>
+                <a:spcPts val="0"/>
+              </a:spcBef>
+              <a:spcAft>
+                <a:spcPts val="0"/>
+              </a:spcAft>
+              <a:buSzPts val="1400"/>
+              <a:buChar char="○"/>
+            </a:pPr>
+            <a:r>
+              <a:rPr lang="en" dirty="0"/>
+              <a:t>Turing Machine, Linear Bounded Automata, Pushdown Automata, and Finite State Automata</a:t>
+            </a:r>
+            <a:endParaRPr dirty="0"/>
+          </a:p>
+          <a:p>
+            <a:pPr marL="914400" lvl="1" indent="-317500" algn="l" rtl="0">
+              <a:spcBef>
+                <a:spcPts val="0"/>
+              </a:spcBef>
+              <a:spcAft>
+                <a:spcPts val="0"/>
+              </a:spcAft>
+              <a:buSzPts val="1400"/>
+              <a:buChar char="○"/>
+            </a:pPr>
+            <a:r>
+              <a:rPr lang="en" dirty="0"/>
+              <a:t>Sequential Circuits, and Combinational Logic</a:t>
+            </a:r>
+            <a:endParaRPr dirty="0"/>
+          </a:p>
+          <a:p>
+            <a:pPr marL="914400" lvl="1" indent="-317500" algn="l" rtl="0">
+              <a:spcBef>
+                <a:spcPts val="0"/>
+              </a:spcBef>
+              <a:spcAft>
+                <a:spcPts val="0"/>
+              </a:spcAft>
+              <a:buSzPts val="1400"/>
+              <a:buChar char="➢"/>
+            </a:pPr>
+            <a:r>
+              <a:rPr lang="en" dirty="0"/>
+              <a:t>Universal Computer and Machines: Theoretical to Abstract to Physical</a:t>
+            </a:r>
+            <a:endParaRPr dirty="0"/>
+          </a:p>
+        </p:txBody>
+      </p:sp>
+    </p:spTree>
+  </p:cSld>
+  <p:clrMapOvr>
+    <a:masterClrMapping/>
+  </p:clrMapOvr>
+</p:sld>
+</file>
+
+<file path=ppt/slides/slide20.xml><?xml version="1.0" encoding="utf-8"?>
 <p:sld xmlns:a="http://schemas.openxmlformats.org/drawingml/2006/main" xmlns:r="http://schemas.openxmlformats.org/officeDocument/2006/relationships" xmlns:p="http://schemas.openxmlformats.org/presentationml/2006/main">
   <p:cSld>
     <p:spTree>
@@ -17819,7 +21745,7 @@
 </p:sld>
 </file>
 
-<file path=ppt/slides/slide2.xml><?xml version="1.0" encoding="utf-8"?>
+<file path=ppt/slides/slide3.xml><?xml version="1.0" encoding="utf-8"?>
 <p:sld xmlns:a="http://schemas.openxmlformats.org/drawingml/2006/main" xmlns:r="http://schemas.openxmlformats.org/officeDocument/2006/relationships" xmlns:p="http://schemas.openxmlformats.org/presentationml/2006/main">
   <p:cSld>
     <p:spTree>
@@ -17852,7 +21778,7 @@
         </p:blipFill>
         <p:spPr>
           <a:xfrm>
-            <a:off x="2905125" y="600075"/>
+            <a:off x="3337832" y="404132"/>
             <a:ext cx="3333750" cy="3943350"/>
           </a:xfrm>
           <a:prstGeom prst="rect">
@@ -17872,7 +21798,7 @@
 </p:sld>
 </file>
 
-<file path=ppt/slides/slide3.xml><?xml version="1.0" encoding="utf-8"?>
+<file path=ppt/slides/slide4.xml><?xml version="1.0" encoding="utf-8"?>
 <p:sld xmlns:a="http://schemas.openxmlformats.org/drawingml/2006/main" xmlns:r="http://schemas.openxmlformats.org/officeDocument/2006/relationships" xmlns:p="http://schemas.openxmlformats.org/presentationml/2006/main">
   <p:cSld>
     <p:spTree>
@@ -17946,7 +21872,7 @@
         </p:blipFill>
         <p:spPr>
           <a:xfrm>
-            <a:off x="264225" y="1005998"/>
+            <a:off x="264225" y="1357442"/>
             <a:ext cx="8568075" cy="2724475"/>
           </a:xfrm>
           <a:prstGeom prst="rect">
@@ -17966,7 +21892,7 @@
 </p:sld>
 </file>
 
-<file path=ppt/slides/slide4.xml><?xml version="1.0" encoding="utf-8"?>
+<file path=ppt/slides/slide5.xml><?xml version="1.0" encoding="utf-8"?>
 <p:sld xmlns:a="http://schemas.openxmlformats.org/drawingml/2006/main" xmlns:r="http://schemas.openxmlformats.org/officeDocument/2006/relationships" xmlns:p="http://schemas.openxmlformats.org/presentationml/2006/main">
   <p:cSld>
     <p:spTree>
@@ -19504,7 +23430,7 @@
 </p:sld>
 </file>
 
-<file path=ppt/slides/slide5.xml><?xml version="1.0" encoding="utf-8"?>
+<file path=ppt/slides/slide6.xml><?xml version="1.0" encoding="utf-8"?>
 <p:sld xmlns:a="http://schemas.openxmlformats.org/drawingml/2006/main" xmlns:r="http://schemas.openxmlformats.org/officeDocument/2006/relationships" xmlns:p="http://schemas.openxmlformats.org/presentationml/2006/main">
   <p:cSld>
     <p:spTree>
@@ -19584,7 +23510,7 @@
         </p:spPr>
         <p:txBody>
           <a:bodyPr spcFirstLastPara="1" wrap="square" lIns="91425" tIns="91425" rIns="91425" bIns="91425" anchor="t" anchorCtr="0">
-            <a:normAutofit fontScale="85000" lnSpcReduction="20000"/>
+            <a:normAutofit fontScale="85000" lnSpcReduction="10000"/>
           </a:bodyPr>
           <a:lstStyle/>
           <a:p>
@@ -19754,7 +23680,7 @@
 </p:sld>
 </file>
 
-<file path=ppt/slides/slide6.xml><?xml version="1.0" encoding="utf-8"?>
+<file path=ppt/slides/slide7.xml><?xml version="1.0" encoding="utf-8"?>
 <p:sld xmlns:a="http://schemas.openxmlformats.org/drawingml/2006/main" xmlns:r="http://schemas.openxmlformats.org/officeDocument/2006/relationships" xmlns:p="http://schemas.openxmlformats.org/presentationml/2006/main">
   <p:cSld>
     <p:spTree>
@@ -19821,7 +23747,7 @@
         </p:nvGraphicFramePr>
         <p:xfrm>
           <a:off x="561000" y="2074050"/>
-          <a:ext cx="3000000" cy="3000000"/>
+          <a:ext cx="7239000" cy="2590620"/>
         </p:xfrm>
         <a:graphic>
           <a:graphicData uri="http://schemas.openxmlformats.org/drawingml/2006/table">
@@ -20379,7 +24305,7 @@
                         </a:spcAft>
                         <a:buNone/>
                       </a:pPr>
-                      <a:endParaRPr/>
+                      <a:endParaRPr dirty="0"/>
                     </a:p>
                   </a:txBody>
                   <a:tcPr marL="91425" marR="91425" marT="91425" marB="91425"/>
@@ -20430,7 +24356,7 @@
 </p:sld>
 </file>
 
-<file path=ppt/slides/slide7.xml><?xml version="1.0" encoding="utf-8"?>
+<file path=ppt/slides/slide8.xml><?xml version="1.0" encoding="utf-8"?>
 <p:sld xmlns:a="http://schemas.openxmlformats.org/drawingml/2006/main" xmlns:r="http://schemas.openxmlformats.org/officeDocument/2006/relationships" xmlns:p="http://schemas.openxmlformats.org/presentationml/2006/main">
   <p:cSld>
     <p:spTree>
@@ -20811,7 +24737,7 @@
         </p:nvGraphicFramePr>
         <p:xfrm>
           <a:off x="6512225" y="244200"/>
-          <a:ext cx="3000000" cy="3000000"/>
+          <a:ext cx="2441100" cy="1981050"/>
         </p:xfrm>
         <a:graphic>
           <a:graphicData uri="http://schemas.openxmlformats.org/drawingml/2006/table">
@@ -21384,7 +25310,7 @@
 </p:sld>
 </file>
 
-<file path=ppt/slides/slide8.xml><?xml version="1.0" encoding="utf-8"?>
+<file path=ppt/slides/slide9.xml><?xml version="1.0" encoding="utf-8"?>
 <p:sld xmlns:a="http://schemas.openxmlformats.org/drawingml/2006/main" xmlns:r="http://schemas.openxmlformats.org/officeDocument/2006/relationships" xmlns:p="http://schemas.openxmlformats.org/presentationml/2006/main">
   <p:cSld>
     <p:spTree>
@@ -21589,7 +25515,7 @@
         </p:nvGraphicFramePr>
         <p:xfrm>
           <a:off x="1022375" y="2498800"/>
-          <a:ext cx="3000000" cy="3000000"/>
+          <a:ext cx="4429700" cy="1905000"/>
         </p:xfrm>
         <a:graphic>
           <a:graphicData uri="http://schemas.openxmlformats.org/drawingml/2006/table">
@@ -22357,1619 +26283,6 @@
 </p:sld>
 </file>
 
-<file path=ppt/slides/slide9.xml><?xml version="1.0" encoding="utf-8"?>
-<p:sld xmlns:a="http://schemas.openxmlformats.org/drawingml/2006/main" xmlns:r="http://schemas.openxmlformats.org/officeDocument/2006/relationships" xmlns:p="http://schemas.openxmlformats.org/presentationml/2006/main">
-  <p:cSld>
-    <p:spTree>
-      <p:nvGrpSpPr>
-        <p:cNvPr id="1" name="Shape 122"/>
-        <p:cNvGrpSpPr/>
-        <p:nvPr/>
-      </p:nvGrpSpPr>
-      <p:grpSpPr>
-        <a:xfrm>
-          <a:off x="0" y="0"/>
-          <a:ext cx="0" cy="0"/>
-          <a:chOff x="0" y="0"/>
-          <a:chExt cx="0" cy="0"/>
-        </a:xfrm>
-      </p:grpSpPr>
-      <p:sp>
-        <p:nvSpPr>
-          <p:cNvPr id="123" name="Google Shape;123;p22"/>
-          <p:cNvSpPr txBox="1">
-            <a:spLocks noGrp="1"/>
-          </p:cNvSpPr>
-          <p:nvPr>
-            <p:ph type="body" idx="1"/>
-          </p:nvPr>
-        </p:nvSpPr>
-        <p:spPr>
-          <a:xfrm>
-            <a:off x="311700" y="1123238"/>
-            <a:ext cx="8520600" cy="3416400"/>
-          </a:xfrm>
-          <a:prstGeom prst="rect">
-            <a:avLst/>
-          </a:prstGeom>
-        </p:spPr>
-        <p:txBody>
-          <a:bodyPr spcFirstLastPara="1" wrap="square" lIns="91425" tIns="91425" rIns="91425" bIns="91425" anchor="t" anchorCtr="0">
-            <a:normAutofit/>
-          </a:bodyPr>
-          <a:lstStyle/>
-          <a:p>
-            <a:pPr marL="457200" lvl="0" indent="-342900" algn="l" rtl="0">
-              <a:spcBef>
-                <a:spcPts val="0"/>
-              </a:spcBef>
-              <a:spcAft>
-                <a:spcPts val="0"/>
-              </a:spcAft>
-              <a:buSzPts val="1800"/>
-              <a:buChar char="●"/>
-            </a:pPr>
-            <a:r>
-              <a:rPr lang="en"/>
-              <a:t>FA(Q, Σ, 𝛅, q0, F)</a:t>
-            </a:r>
-            <a:endParaRPr/>
-          </a:p>
-          <a:p>
-            <a:pPr marL="914400" lvl="1" indent="-317500" algn="l" rtl="0">
-              <a:spcBef>
-                <a:spcPts val="0"/>
-              </a:spcBef>
-              <a:spcAft>
-                <a:spcPts val="0"/>
-              </a:spcAft>
-              <a:buSzPts val="1400"/>
-              <a:buChar char="○"/>
-            </a:pPr>
-            <a:r>
-              <a:rPr lang="en"/>
-              <a:t>Q = { N, W, R, B, T }        // New, Waiting (Ready),  Running, Blocked, Terminated</a:t>
-            </a:r>
-            <a:endParaRPr/>
-          </a:p>
-          <a:p>
-            <a:pPr marL="914400" lvl="1" indent="-317500" algn="l" rtl="0">
-              <a:spcBef>
-                <a:spcPts val="0"/>
-              </a:spcBef>
-              <a:spcAft>
-                <a:spcPts val="0"/>
-              </a:spcAft>
-              <a:buSzPts val="1400"/>
-              <a:buChar char="○"/>
-            </a:pPr>
-            <a:r>
-              <a:rPr lang="en"/>
-              <a:t>Σ = { a, d, i, t, r, e}            // admit, dispatch, interrupt, trap, resume, exit</a:t>
-            </a:r>
-            <a:endParaRPr/>
-          </a:p>
-          <a:p>
-            <a:pPr marL="914400" lvl="1" indent="-317500" algn="l" rtl="0">
-              <a:spcBef>
-                <a:spcPts val="0"/>
-              </a:spcBef>
-              <a:spcAft>
-                <a:spcPts val="0"/>
-              </a:spcAft>
-              <a:buSzPts val="1400"/>
-              <a:buChar char="○"/>
-            </a:pPr>
-            <a:r>
-              <a:rPr lang="en"/>
-              <a:t>q0 : N</a:t>
-            </a:r>
-            <a:endParaRPr/>
-          </a:p>
-          <a:p>
-            <a:pPr marL="914400" lvl="1" indent="-317500" algn="l" rtl="0">
-              <a:spcBef>
-                <a:spcPts val="0"/>
-              </a:spcBef>
-              <a:spcAft>
-                <a:spcPts val="0"/>
-              </a:spcAft>
-              <a:buSzPts val="1400"/>
-              <a:buChar char="○"/>
-            </a:pPr>
-            <a:r>
-              <a:rPr lang="en"/>
-              <a:t>F : { T }</a:t>
-            </a:r>
-            <a:endParaRPr/>
-          </a:p>
-          <a:p>
-            <a:pPr marL="914400" lvl="1" indent="-317500" algn="l" rtl="0">
-              <a:spcBef>
-                <a:spcPts val="0"/>
-              </a:spcBef>
-              <a:spcAft>
-                <a:spcPts val="0"/>
-              </a:spcAft>
-              <a:buSzPts val="1400"/>
-              <a:buChar char="○"/>
-            </a:pPr>
-            <a:r>
-              <a:rPr lang="en"/>
-              <a:t>𝛅 : Q x Σ -&gt; Q</a:t>
-            </a:r>
-            <a:endParaRPr/>
-          </a:p>
-          <a:p>
-            <a:pPr marL="0" lvl="0" indent="0" algn="l" rtl="0">
-              <a:spcBef>
-                <a:spcPts val="1200"/>
-              </a:spcBef>
-              <a:spcAft>
-                <a:spcPts val="1200"/>
-              </a:spcAft>
-              <a:buNone/>
-            </a:pPr>
-            <a:endParaRPr/>
-          </a:p>
-        </p:txBody>
-      </p:sp>
-      <p:sp>
-        <p:nvSpPr>
-          <p:cNvPr id="124" name="Google Shape;124;p22"/>
-          <p:cNvSpPr/>
-          <p:nvPr/>
-        </p:nvSpPr>
-        <p:spPr>
-          <a:xfrm>
-            <a:off x="3192425" y="2181225"/>
-            <a:ext cx="5818200" cy="2505000"/>
-          </a:xfrm>
-          <a:prstGeom prst="rect">
-            <a:avLst/>
-          </a:prstGeom>
-          <a:solidFill>
-            <a:schemeClr val="lt2"/>
-          </a:solidFill>
-          <a:ln w="9525" cap="flat" cmpd="sng">
-            <a:solidFill>
-              <a:schemeClr val="dk2"/>
-            </a:solidFill>
-            <a:prstDash val="solid"/>
-            <a:round/>
-            <a:headEnd type="none" w="sm" len="sm"/>
-            <a:tailEnd type="none" w="sm" len="sm"/>
-          </a:ln>
-        </p:spPr>
-        <p:txBody>
-          <a:bodyPr spcFirstLastPara="1" wrap="square" lIns="91425" tIns="91425" rIns="91425" bIns="91425" anchor="ctr" anchorCtr="0">
-            <a:noAutofit/>
-          </a:bodyPr>
-          <a:lstStyle/>
-          <a:p>
-            <a:pPr marL="0" lvl="0" indent="0" algn="l" rtl="0">
-              <a:spcBef>
-                <a:spcPts val="0"/>
-              </a:spcBef>
-              <a:spcAft>
-                <a:spcPts val="0"/>
-              </a:spcAft>
-              <a:buNone/>
-            </a:pPr>
-            <a:endParaRPr/>
-          </a:p>
-        </p:txBody>
-      </p:sp>
-      <p:sp>
-        <p:nvSpPr>
-          <p:cNvPr id="125" name="Google Shape;125;p22"/>
-          <p:cNvSpPr txBox="1">
-            <a:spLocks noGrp="1"/>
-          </p:cNvSpPr>
-          <p:nvPr>
-            <p:ph type="title"/>
-          </p:nvPr>
-        </p:nvSpPr>
-        <p:spPr>
-          <a:xfrm>
-            <a:off x="311700" y="445025"/>
-            <a:ext cx="8520600" cy="572700"/>
-          </a:xfrm>
-          <a:prstGeom prst="rect">
-            <a:avLst/>
-          </a:prstGeom>
-        </p:spPr>
-        <p:txBody>
-          <a:bodyPr spcFirstLastPara="1" wrap="square" lIns="91425" tIns="91425" rIns="91425" bIns="91425" anchor="t" anchorCtr="0">
-            <a:normAutofit fontScale="90000"/>
-          </a:bodyPr>
-          <a:lstStyle/>
-          <a:p>
-            <a:pPr marL="0" lvl="0" indent="0" algn="l" rtl="0">
-              <a:spcBef>
-                <a:spcPts val="0"/>
-              </a:spcBef>
-              <a:spcAft>
-                <a:spcPts val="0"/>
-              </a:spcAft>
-              <a:buNone/>
-            </a:pPr>
-            <a:r>
-              <a:rPr lang="en"/>
-              <a:t>Finite State Machine</a:t>
-            </a:r>
-            <a:endParaRPr/>
-          </a:p>
-        </p:txBody>
-      </p:sp>
-      <p:sp>
-        <p:nvSpPr>
-          <p:cNvPr id="126" name="Google Shape;126;p22"/>
-          <p:cNvSpPr/>
-          <p:nvPr/>
-        </p:nvSpPr>
-        <p:spPr>
-          <a:xfrm>
-            <a:off x="8301712" y="2721499"/>
-            <a:ext cx="584100" cy="610800"/>
-          </a:xfrm>
-          <a:prstGeom prst="ellipse">
-            <a:avLst/>
-          </a:prstGeom>
-          <a:solidFill>
-            <a:schemeClr val="lt2"/>
-          </a:solidFill>
-          <a:ln w="9525" cap="flat" cmpd="sng">
-            <a:solidFill>
-              <a:schemeClr val="dk2"/>
-            </a:solidFill>
-            <a:prstDash val="solid"/>
-            <a:round/>
-            <a:headEnd type="none" w="sm" len="sm"/>
-            <a:tailEnd type="none" w="sm" len="sm"/>
-          </a:ln>
-        </p:spPr>
-        <p:txBody>
-          <a:bodyPr spcFirstLastPara="1" wrap="square" lIns="91425" tIns="91425" rIns="91425" bIns="91425" anchor="ctr" anchorCtr="0">
-            <a:noAutofit/>
-          </a:bodyPr>
-          <a:lstStyle/>
-          <a:p>
-            <a:pPr marL="0" lvl="0" indent="0" algn="l" rtl="0">
-              <a:spcBef>
-                <a:spcPts val="0"/>
-              </a:spcBef>
-              <a:spcAft>
-                <a:spcPts val="0"/>
-              </a:spcAft>
-              <a:buNone/>
-            </a:pPr>
-            <a:endParaRPr/>
-          </a:p>
-        </p:txBody>
-      </p:sp>
-      <p:sp>
-        <p:nvSpPr>
-          <p:cNvPr id="127" name="Google Shape;127;p22"/>
-          <p:cNvSpPr/>
-          <p:nvPr/>
-        </p:nvSpPr>
-        <p:spPr>
-          <a:xfrm>
-            <a:off x="8369127" y="2792019"/>
-            <a:ext cx="449100" cy="469800"/>
-          </a:xfrm>
-          <a:prstGeom prst="ellipse">
-            <a:avLst/>
-          </a:prstGeom>
-          <a:solidFill>
-            <a:schemeClr val="lt2"/>
-          </a:solidFill>
-          <a:ln w="9525" cap="flat" cmpd="sng">
-            <a:solidFill>
-              <a:schemeClr val="dk2"/>
-            </a:solidFill>
-            <a:prstDash val="solid"/>
-            <a:round/>
-            <a:headEnd type="none" w="sm" len="sm"/>
-            <a:tailEnd type="none" w="sm" len="sm"/>
-          </a:ln>
-        </p:spPr>
-        <p:txBody>
-          <a:bodyPr spcFirstLastPara="1" wrap="square" lIns="91425" tIns="91425" rIns="91425" bIns="91425" anchor="ctr" anchorCtr="0">
-            <a:noAutofit/>
-          </a:bodyPr>
-          <a:lstStyle/>
-          <a:p>
-            <a:pPr marL="0" lvl="0" indent="0" algn="ctr" rtl="0">
-              <a:spcBef>
-                <a:spcPts val="0"/>
-              </a:spcBef>
-              <a:spcAft>
-                <a:spcPts val="0"/>
-              </a:spcAft>
-              <a:buNone/>
-            </a:pPr>
-            <a:r>
-              <a:rPr lang="en"/>
-              <a:t>T</a:t>
-            </a:r>
-            <a:endParaRPr/>
-          </a:p>
-        </p:txBody>
-      </p:sp>
-      <p:sp>
-        <p:nvSpPr>
-          <p:cNvPr id="128" name="Google Shape;128;p22"/>
-          <p:cNvSpPr/>
-          <p:nvPr/>
-        </p:nvSpPr>
-        <p:spPr>
-          <a:xfrm>
-            <a:off x="3739927" y="2721487"/>
-            <a:ext cx="584100" cy="610800"/>
-          </a:xfrm>
-          <a:prstGeom prst="ellipse">
-            <a:avLst/>
-          </a:prstGeom>
-          <a:solidFill>
-            <a:schemeClr val="lt2"/>
-          </a:solidFill>
-          <a:ln w="9525" cap="flat" cmpd="sng">
-            <a:solidFill>
-              <a:schemeClr val="dk2"/>
-            </a:solidFill>
-            <a:prstDash val="solid"/>
-            <a:round/>
-            <a:headEnd type="none" w="sm" len="sm"/>
-            <a:tailEnd type="none" w="sm" len="sm"/>
-          </a:ln>
-        </p:spPr>
-        <p:txBody>
-          <a:bodyPr spcFirstLastPara="1" wrap="square" lIns="91425" tIns="91425" rIns="91425" bIns="91425" anchor="ctr" anchorCtr="0">
-            <a:noAutofit/>
-          </a:bodyPr>
-          <a:lstStyle/>
-          <a:p>
-            <a:pPr marL="0" lvl="0" indent="0" algn="ctr" rtl="0">
-              <a:spcBef>
-                <a:spcPts val="0"/>
-              </a:spcBef>
-              <a:spcAft>
-                <a:spcPts val="0"/>
-              </a:spcAft>
-              <a:buNone/>
-            </a:pPr>
-            <a:r>
-              <a:rPr lang="en"/>
-              <a:t>N</a:t>
-            </a:r>
-            <a:endParaRPr/>
-          </a:p>
-        </p:txBody>
-      </p:sp>
-      <p:sp>
-        <p:nvSpPr>
-          <p:cNvPr id="129" name="Google Shape;129;p22"/>
-          <p:cNvSpPr/>
-          <p:nvPr/>
-        </p:nvSpPr>
-        <p:spPr>
-          <a:xfrm>
-            <a:off x="5071909" y="2721499"/>
-            <a:ext cx="584100" cy="610800"/>
-          </a:xfrm>
-          <a:prstGeom prst="ellipse">
-            <a:avLst/>
-          </a:prstGeom>
-          <a:solidFill>
-            <a:schemeClr val="lt2"/>
-          </a:solidFill>
-          <a:ln w="9525" cap="flat" cmpd="sng">
-            <a:solidFill>
-              <a:schemeClr val="dk2"/>
-            </a:solidFill>
-            <a:prstDash val="solid"/>
-            <a:round/>
-            <a:headEnd type="none" w="sm" len="sm"/>
-            <a:tailEnd type="none" w="sm" len="sm"/>
-          </a:ln>
-        </p:spPr>
-        <p:txBody>
-          <a:bodyPr spcFirstLastPara="1" wrap="square" lIns="91425" tIns="91425" rIns="91425" bIns="91425" anchor="ctr" anchorCtr="0">
-            <a:noAutofit/>
-          </a:bodyPr>
-          <a:lstStyle/>
-          <a:p>
-            <a:pPr marL="0" lvl="0" indent="0" algn="ctr" rtl="0">
-              <a:spcBef>
-                <a:spcPts val="0"/>
-              </a:spcBef>
-              <a:spcAft>
-                <a:spcPts val="0"/>
-              </a:spcAft>
-              <a:buNone/>
-            </a:pPr>
-            <a:r>
-              <a:rPr lang="en"/>
-              <a:t>W</a:t>
-            </a:r>
-            <a:endParaRPr/>
-          </a:p>
-        </p:txBody>
-      </p:sp>
-      <p:sp>
-        <p:nvSpPr>
-          <p:cNvPr id="130" name="Google Shape;130;p22"/>
-          <p:cNvSpPr/>
-          <p:nvPr/>
-        </p:nvSpPr>
-        <p:spPr>
-          <a:xfrm>
-            <a:off x="6987879" y="2721499"/>
-            <a:ext cx="584100" cy="610800"/>
-          </a:xfrm>
-          <a:prstGeom prst="ellipse">
-            <a:avLst/>
-          </a:prstGeom>
-          <a:solidFill>
-            <a:schemeClr val="lt2"/>
-          </a:solidFill>
-          <a:ln w="9525" cap="flat" cmpd="sng">
-            <a:solidFill>
-              <a:schemeClr val="dk2"/>
-            </a:solidFill>
-            <a:prstDash val="solid"/>
-            <a:round/>
-            <a:headEnd type="none" w="sm" len="sm"/>
-            <a:tailEnd type="none" w="sm" len="sm"/>
-          </a:ln>
-        </p:spPr>
-        <p:txBody>
-          <a:bodyPr spcFirstLastPara="1" wrap="square" lIns="91425" tIns="91425" rIns="91425" bIns="91425" anchor="ctr" anchorCtr="0">
-            <a:noAutofit/>
-          </a:bodyPr>
-          <a:lstStyle/>
-          <a:p>
-            <a:pPr marL="0" lvl="0" indent="0" algn="ctr" rtl="0">
-              <a:spcBef>
-                <a:spcPts val="0"/>
-              </a:spcBef>
-              <a:spcAft>
-                <a:spcPts val="0"/>
-              </a:spcAft>
-              <a:buNone/>
-            </a:pPr>
-            <a:r>
-              <a:rPr lang="en"/>
-              <a:t>R</a:t>
-            </a:r>
-            <a:endParaRPr/>
-          </a:p>
-        </p:txBody>
-      </p:sp>
-      <p:sp>
-        <p:nvSpPr>
-          <p:cNvPr id="131" name="Google Shape;131;p22"/>
-          <p:cNvSpPr/>
-          <p:nvPr/>
-        </p:nvSpPr>
-        <p:spPr>
-          <a:xfrm>
-            <a:off x="6107459" y="3970396"/>
-            <a:ext cx="584100" cy="610800"/>
-          </a:xfrm>
-          <a:prstGeom prst="ellipse">
-            <a:avLst/>
-          </a:prstGeom>
-          <a:solidFill>
-            <a:schemeClr val="lt2"/>
-          </a:solidFill>
-          <a:ln w="9525" cap="flat" cmpd="sng">
-            <a:solidFill>
-              <a:schemeClr val="dk2"/>
-            </a:solidFill>
-            <a:prstDash val="solid"/>
-            <a:round/>
-            <a:headEnd type="none" w="sm" len="sm"/>
-            <a:tailEnd type="none" w="sm" len="sm"/>
-          </a:ln>
-        </p:spPr>
-        <p:txBody>
-          <a:bodyPr spcFirstLastPara="1" wrap="square" lIns="91425" tIns="91425" rIns="91425" bIns="91425" anchor="ctr" anchorCtr="0">
-            <a:noAutofit/>
-          </a:bodyPr>
-          <a:lstStyle/>
-          <a:p>
-            <a:pPr marL="0" lvl="0" indent="0" algn="ctr" rtl="0">
-              <a:spcBef>
-                <a:spcPts val="0"/>
-              </a:spcBef>
-              <a:spcAft>
-                <a:spcPts val="0"/>
-              </a:spcAft>
-              <a:buNone/>
-            </a:pPr>
-            <a:r>
-              <a:rPr lang="en"/>
-              <a:t>B</a:t>
-            </a:r>
-            <a:endParaRPr/>
-          </a:p>
-        </p:txBody>
-      </p:sp>
-      <p:cxnSp>
-        <p:nvCxnSpPr>
-          <p:cNvPr id="132" name="Google Shape;132;p22"/>
-          <p:cNvCxnSpPr>
-            <a:endCxn id="128" idx="2"/>
-          </p:cNvCxnSpPr>
-          <p:nvPr/>
-        </p:nvCxnSpPr>
-        <p:spPr>
-          <a:xfrm rot="10800000" flipH="1">
-            <a:off x="3352927" y="3026887"/>
-            <a:ext cx="387000" cy="11400"/>
-          </a:xfrm>
-          <a:prstGeom prst="straightConnector1">
-            <a:avLst/>
-          </a:prstGeom>
-          <a:noFill/>
-          <a:ln w="9525" cap="flat" cmpd="sng">
-            <a:solidFill>
-              <a:schemeClr val="dk2"/>
-            </a:solidFill>
-            <a:prstDash val="solid"/>
-            <a:round/>
-            <a:headEnd type="none" w="med" len="med"/>
-            <a:tailEnd type="triangle" w="med" len="med"/>
-          </a:ln>
-        </p:spPr>
-      </p:cxnSp>
-      <p:cxnSp>
-        <p:nvCxnSpPr>
-          <p:cNvPr id="133" name="Google Shape;133;p22"/>
-          <p:cNvCxnSpPr>
-            <a:stCxn id="128" idx="6"/>
-            <a:endCxn id="129" idx="2"/>
-          </p:cNvCxnSpPr>
-          <p:nvPr/>
-        </p:nvCxnSpPr>
-        <p:spPr>
-          <a:xfrm>
-            <a:off x="4324027" y="3026887"/>
-            <a:ext cx="747900" cy="0"/>
-          </a:xfrm>
-          <a:prstGeom prst="straightConnector1">
-            <a:avLst/>
-          </a:prstGeom>
-          <a:noFill/>
-          <a:ln w="9525" cap="flat" cmpd="sng">
-            <a:solidFill>
-              <a:schemeClr val="dk2"/>
-            </a:solidFill>
-            <a:prstDash val="solid"/>
-            <a:round/>
-            <a:headEnd type="none" w="med" len="med"/>
-            <a:tailEnd type="triangle" w="med" len="med"/>
-          </a:ln>
-        </p:spPr>
-      </p:cxnSp>
-      <p:cxnSp>
-        <p:nvCxnSpPr>
-          <p:cNvPr id="134" name="Google Shape;134;p22"/>
-          <p:cNvCxnSpPr>
-            <a:stCxn id="129" idx="7"/>
-            <a:endCxn id="130" idx="1"/>
-          </p:cNvCxnSpPr>
-          <p:nvPr/>
-        </p:nvCxnSpPr>
-        <p:spPr>
-          <a:xfrm rot="-5400000" flipH="1">
-            <a:off x="6321669" y="2059749"/>
-            <a:ext cx="600" cy="1503000"/>
-          </a:xfrm>
-          <a:prstGeom prst="curvedConnector3">
-            <a:avLst>
-              <a:gd name="adj1" fmla="val -55101006"/>
-            </a:avLst>
-          </a:prstGeom>
-          <a:noFill/>
-          <a:ln w="9525" cap="flat" cmpd="sng">
-            <a:solidFill>
-              <a:schemeClr val="dk2"/>
-            </a:solidFill>
-            <a:prstDash val="solid"/>
-            <a:round/>
-            <a:headEnd type="none" w="med" len="med"/>
-            <a:tailEnd type="triangle" w="med" len="med"/>
-          </a:ln>
-        </p:spPr>
-      </p:cxnSp>
-      <p:cxnSp>
-        <p:nvCxnSpPr>
-          <p:cNvPr id="135" name="Google Shape;135;p22"/>
-          <p:cNvCxnSpPr>
-            <a:stCxn id="130" idx="3"/>
-            <a:endCxn id="129" idx="5"/>
-          </p:cNvCxnSpPr>
-          <p:nvPr/>
-        </p:nvCxnSpPr>
-        <p:spPr>
-          <a:xfrm rot="5400000">
-            <a:off x="6321618" y="2491650"/>
-            <a:ext cx="600" cy="1503000"/>
-          </a:xfrm>
-          <a:prstGeom prst="curvedConnector3">
-            <a:avLst>
-              <a:gd name="adj1" fmla="val 55101006"/>
-            </a:avLst>
-          </a:prstGeom>
-          <a:noFill/>
-          <a:ln w="9525" cap="flat" cmpd="sng">
-            <a:solidFill>
-              <a:schemeClr val="dk2"/>
-            </a:solidFill>
-            <a:prstDash val="solid"/>
-            <a:round/>
-            <a:headEnd type="none" w="med" len="med"/>
-            <a:tailEnd type="triangle" w="med" len="med"/>
-          </a:ln>
-        </p:spPr>
-      </p:cxnSp>
-      <p:cxnSp>
-        <p:nvCxnSpPr>
-          <p:cNvPr id="136" name="Google Shape;136;p22"/>
-          <p:cNvCxnSpPr>
-            <a:stCxn id="130" idx="4"/>
-            <a:endCxn id="131" idx="6"/>
-          </p:cNvCxnSpPr>
-          <p:nvPr/>
-        </p:nvCxnSpPr>
-        <p:spPr>
-          <a:xfrm rot="5400000">
-            <a:off x="6514029" y="3509899"/>
-            <a:ext cx="943500" cy="588300"/>
-          </a:xfrm>
-          <a:prstGeom prst="curvedConnector2">
-            <a:avLst/>
-          </a:prstGeom>
-          <a:noFill/>
-          <a:ln w="9525" cap="flat" cmpd="sng">
-            <a:solidFill>
-              <a:schemeClr val="dk2"/>
-            </a:solidFill>
-            <a:prstDash val="solid"/>
-            <a:round/>
-            <a:headEnd type="none" w="med" len="med"/>
-            <a:tailEnd type="triangle" w="med" len="med"/>
-          </a:ln>
-        </p:spPr>
-      </p:cxnSp>
-      <p:cxnSp>
-        <p:nvCxnSpPr>
-          <p:cNvPr id="137" name="Google Shape;137;p22"/>
-          <p:cNvCxnSpPr>
-            <a:stCxn id="131" idx="2"/>
-            <a:endCxn id="129" idx="4"/>
-          </p:cNvCxnSpPr>
-          <p:nvPr/>
-        </p:nvCxnSpPr>
-        <p:spPr>
-          <a:xfrm rot="10800000">
-            <a:off x="5364059" y="3332296"/>
-            <a:ext cx="743400" cy="943500"/>
-          </a:xfrm>
-          <a:prstGeom prst="curvedConnector2">
-            <a:avLst/>
-          </a:prstGeom>
-          <a:noFill/>
-          <a:ln w="9525" cap="flat" cmpd="sng">
-            <a:solidFill>
-              <a:schemeClr val="dk2"/>
-            </a:solidFill>
-            <a:prstDash val="solid"/>
-            <a:round/>
-            <a:headEnd type="none" w="med" len="med"/>
-            <a:tailEnd type="triangle" w="med" len="med"/>
-          </a:ln>
-        </p:spPr>
-      </p:cxnSp>
-      <p:cxnSp>
-        <p:nvCxnSpPr>
-          <p:cNvPr id="138" name="Google Shape;138;p22"/>
-          <p:cNvCxnSpPr>
-            <a:stCxn id="130" idx="6"/>
-            <a:endCxn id="126" idx="2"/>
-          </p:cNvCxnSpPr>
-          <p:nvPr/>
-        </p:nvCxnSpPr>
-        <p:spPr>
-          <a:xfrm>
-            <a:off x="7571979" y="3026899"/>
-            <a:ext cx="729600" cy="0"/>
-          </a:xfrm>
-          <a:prstGeom prst="straightConnector1">
-            <a:avLst/>
-          </a:prstGeom>
-          <a:noFill/>
-          <a:ln w="9525" cap="flat" cmpd="sng">
-            <a:solidFill>
-              <a:schemeClr val="dk2"/>
-            </a:solidFill>
-            <a:prstDash val="solid"/>
-            <a:round/>
-            <a:headEnd type="none" w="med" len="med"/>
-            <a:tailEnd type="triangle" w="med" len="med"/>
-          </a:ln>
-        </p:spPr>
-      </p:cxnSp>
-      <p:sp>
-        <p:nvSpPr>
-          <p:cNvPr id="139" name="Google Shape;139;p22"/>
-          <p:cNvSpPr txBox="1"/>
-          <p:nvPr/>
-        </p:nvSpPr>
-        <p:spPr>
-          <a:xfrm>
-            <a:off x="4561000" y="2711850"/>
-            <a:ext cx="340800" cy="400200"/>
-          </a:xfrm>
-          <a:prstGeom prst="rect">
-            <a:avLst/>
-          </a:prstGeom>
-          <a:noFill/>
-          <a:ln>
-            <a:noFill/>
-          </a:ln>
-        </p:spPr>
-        <p:txBody>
-          <a:bodyPr spcFirstLastPara="1" wrap="square" lIns="91425" tIns="91425" rIns="91425" bIns="91425" anchor="t" anchorCtr="0">
-            <a:spAutoFit/>
-          </a:bodyPr>
-          <a:lstStyle/>
-          <a:p>
-            <a:pPr marL="0" lvl="0" indent="0" algn="l" rtl="0">
-              <a:spcBef>
-                <a:spcPts val="0"/>
-              </a:spcBef>
-              <a:spcAft>
-                <a:spcPts val="0"/>
-              </a:spcAft>
-              <a:buNone/>
-            </a:pPr>
-            <a:r>
-              <a:rPr lang="en"/>
-              <a:t>a</a:t>
-            </a:r>
-            <a:endParaRPr/>
-          </a:p>
-        </p:txBody>
-      </p:sp>
-      <p:sp>
-        <p:nvSpPr>
-          <p:cNvPr id="140" name="Google Shape;140;p22"/>
-          <p:cNvSpPr txBox="1"/>
-          <p:nvPr/>
-        </p:nvSpPr>
-        <p:spPr>
-          <a:xfrm>
-            <a:off x="6151525" y="2171550"/>
-            <a:ext cx="340800" cy="400200"/>
-          </a:xfrm>
-          <a:prstGeom prst="rect">
-            <a:avLst/>
-          </a:prstGeom>
-          <a:noFill/>
-          <a:ln>
-            <a:noFill/>
-          </a:ln>
-        </p:spPr>
-        <p:txBody>
-          <a:bodyPr spcFirstLastPara="1" wrap="square" lIns="91425" tIns="91425" rIns="91425" bIns="91425" anchor="t" anchorCtr="0">
-            <a:spAutoFit/>
-          </a:bodyPr>
-          <a:lstStyle/>
-          <a:p>
-            <a:pPr marL="0" lvl="0" indent="0" algn="l" rtl="0">
-              <a:spcBef>
-                <a:spcPts val="0"/>
-              </a:spcBef>
-              <a:spcAft>
-                <a:spcPts val="0"/>
-              </a:spcAft>
-              <a:buNone/>
-            </a:pPr>
-            <a:r>
-              <a:rPr lang="en"/>
-              <a:t>d</a:t>
-            </a:r>
-            <a:endParaRPr/>
-          </a:p>
-        </p:txBody>
-      </p:sp>
-      <p:sp>
-        <p:nvSpPr>
-          <p:cNvPr id="141" name="Google Shape;141;p22"/>
-          <p:cNvSpPr txBox="1"/>
-          <p:nvPr/>
-        </p:nvSpPr>
-        <p:spPr>
-          <a:xfrm>
-            <a:off x="6220825" y="3223375"/>
-            <a:ext cx="340800" cy="400200"/>
-          </a:xfrm>
-          <a:prstGeom prst="rect">
-            <a:avLst/>
-          </a:prstGeom>
-          <a:noFill/>
-          <a:ln>
-            <a:noFill/>
-          </a:ln>
-        </p:spPr>
-        <p:txBody>
-          <a:bodyPr spcFirstLastPara="1" wrap="square" lIns="91425" tIns="91425" rIns="91425" bIns="91425" anchor="t" anchorCtr="0">
-            <a:spAutoFit/>
-          </a:bodyPr>
-          <a:lstStyle/>
-          <a:p>
-            <a:pPr marL="0" lvl="0" indent="0" algn="l" rtl="0">
-              <a:spcBef>
-                <a:spcPts val="0"/>
-              </a:spcBef>
-              <a:spcAft>
-                <a:spcPts val="0"/>
-              </a:spcAft>
-              <a:buNone/>
-            </a:pPr>
-            <a:r>
-              <a:rPr lang="en"/>
-              <a:t>i</a:t>
-            </a:r>
-            <a:endParaRPr/>
-          </a:p>
-        </p:txBody>
-      </p:sp>
-      <p:sp>
-        <p:nvSpPr>
-          <p:cNvPr id="142" name="Google Shape;142;p22"/>
-          <p:cNvSpPr txBox="1"/>
-          <p:nvPr/>
-        </p:nvSpPr>
-        <p:spPr>
-          <a:xfrm>
-            <a:off x="7766438" y="2711850"/>
-            <a:ext cx="340800" cy="400200"/>
-          </a:xfrm>
-          <a:prstGeom prst="rect">
-            <a:avLst/>
-          </a:prstGeom>
-          <a:noFill/>
-          <a:ln>
-            <a:noFill/>
-          </a:ln>
-        </p:spPr>
-        <p:txBody>
-          <a:bodyPr spcFirstLastPara="1" wrap="square" lIns="91425" tIns="91425" rIns="91425" bIns="91425" anchor="t" anchorCtr="0">
-            <a:spAutoFit/>
-          </a:bodyPr>
-          <a:lstStyle/>
-          <a:p>
-            <a:pPr marL="0" lvl="0" indent="0" algn="l" rtl="0">
-              <a:spcBef>
-                <a:spcPts val="0"/>
-              </a:spcBef>
-              <a:spcAft>
-                <a:spcPts val="0"/>
-              </a:spcAft>
-              <a:buNone/>
-            </a:pPr>
-            <a:r>
-              <a:rPr lang="en"/>
-              <a:t>e</a:t>
-            </a:r>
-            <a:endParaRPr/>
-          </a:p>
-        </p:txBody>
-      </p:sp>
-      <p:sp>
-        <p:nvSpPr>
-          <p:cNvPr id="143" name="Google Shape;143;p22"/>
-          <p:cNvSpPr txBox="1"/>
-          <p:nvPr/>
-        </p:nvSpPr>
-        <p:spPr>
-          <a:xfrm>
-            <a:off x="7179313" y="3750525"/>
-            <a:ext cx="340800" cy="400200"/>
-          </a:xfrm>
-          <a:prstGeom prst="rect">
-            <a:avLst/>
-          </a:prstGeom>
-          <a:noFill/>
-          <a:ln>
-            <a:noFill/>
-          </a:ln>
-        </p:spPr>
-        <p:txBody>
-          <a:bodyPr spcFirstLastPara="1" wrap="square" lIns="91425" tIns="91425" rIns="91425" bIns="91425" anchor="t" anchorCtr="0">
-            <a:spAutoFit/>
-          </a:bodyPr>
-          <a:lstStyle/>
-          <a:p>
-            <a:pPr marL="0" lvl="0" indent="0" algn="l" rtl="0">
-              <a:spcBef>
-                <a:spcPts val="0"/>
-              </a:spcBef>
-              <a:spcAft>
-                <a:spcPts val="0"/>
-              </a:spcAft>
-              <a:buNone/>
-            </a:pPr>
-            <a:r>
-              <a:rPr lang="en"/>
-              <a:t>t</a:t>
-            </a:r>
-            <a:endParaRPr/>
-          </a:p>
-        </p:txBody>
-      </p:sp>
-      <p:sp>
-        <p:nvSpPr>
-          <p:cNvPr id="144" name="Google Shape;144;p22"/>
-          <p:cNvSpPr txBox="1"/>
-          <p:nvPr/>
-        </p:nvSpPr>
-        <p:spPr>
-          <a:xfrm>
-            <a:off x="5305825" y="3826725"/>
-            <a:ext cx="340800" cy="400200"/>
-          </a:xfrm>
-          <a:prstGeom prst="rect">
-            <a:avLst/>
-          </a:prstGeom>
-          <a:noFill/>
-          <a:ln>
-            <a:noFill/>
-          </a:ln>
-        </p:spPr>
-        <p:txBody>
-          <a:bodyPr spcFirstLastPara="1" wrap="square" lIns="91425" tIns="91425" rIns="91425" bIns="91425" anchor="t" anchorCtr="0">
-            <a:spAutoFit/>
-          </a:bodyPr>
-          <a:lstStyle/>
-          <a:p>
-            <a:pPr marL="0" lvl="0" indent="0" algn="l" rtl="0">
-              <a:spcBef>
-                <a:spcPts val="0"/>
-              </a:spcBef>
-              <a:spcAft>
-                <a:spcPts val="0"/>
-              </a:spcAft>
-              <a:buNone/>
-            </a:pPr>
-            <a:r>
-              <a:rPr lang="en"/>
-              <a:t>r</a:t>
-            </a:r>
-            <a:endParaRPr/>
-          </a:p>
-        </p:txBody>
-      </p:sp>
-      <p:sp>
-        <p:nvSpPr>
-          <p:cNvPr id="145" name="Google Shape;145;p22"/>
-          <p:cNvSpPr txBox="1"/>
-          <p:nvPr/>
-        </p:nvSpPr>
-        <p:spPr>
-          <a:xfrm>
-            <a:off x="4709200" y="4645150"/>
-            <a:ext cx="4109100" cy="400200"/>
-          </a:xfrm>
-          <a:prstGeom prst="rect">
-            <a:avLst/>
-          </a:prstGeom>
-          <a:noFill/>
-          <a:ln>
-            <a:noFill/>
-          </a:ln>
-        </p:spPr>
-        <p:txBody>
-          <a:bodyPr spcFirstLastPara="1" wrap="square" lIns="91425" tIns="91425" rIns="91425" bIns="91425" anchor="t" anchorCtr="0">
-            <a:spAutoFit/>
-          </a:bodyPr>
-          <a:lstStyle/>
-          <a:p>
-            <a:pPr marL="0" lvl="0" indent="0" algn="l" rtl="0">
-              <a:spcBef>
-                <a:spcPts val="0"/>
-              </a:spcBef>
-              <a:spcAft>
-                <a:spcPts val="0"/>
-              </a:spcAft>
-              <a:buNone/>
-            </a:pPr>
-            <a:r>
-              <a:rPr lang="en"/>
-              <a:t>FA for the Process Status Diagram</a:t>
-            </a:r>
-            <a:endParaRPr/>
-          </a:p>
-        </p:txBody>
-      </p:sp>
-      <p:sp>
-        <p:nvSpPr>
-          <p:cNvPr id="146" name="Google Shape;146;p22"/>
-          <p:cNvSpPr txBox="1"/>
-          <p:nvPr/>
-        </p:nvSpPr>
-        <p:spPr>
-          <a:xfrm>
-            <a:off x="540300" y="3131850"/>
-            <a:ext cx="1250400" cy="400200"/>
-          </a:xfrm>
-          <a:prstGeom prst="rect">
-            <a:avLst/>
-          </a:prstGeom>
-          <a:noFill/>
-          <a:ln>
-            <a:noFill/>
-          </a:ln>
-        </p:spPr>
-        <p:txBody>
-          <a:bodyPr spcFirstLastPara="1" wrap="square" lIns="91425" tIns="91425" rIns="91425" bIns="91425" anchor="t" anchorCtr="0">
-            <a:spAutoFit/>
-          </a:bodyPr>
-          <a:lstStyle/>
-          <a:p>
-            <a:pPr marL="0" lvl="0" indent="0" algn="l" rtl="0">
-              <a:spcBef>
-                <a:spcPts val="0"/>
-              </a:spcBef>
-              <a:spcAft>
-                <a:spcPts val="0"/>
-              </a:spcAft>
-              <a:buNone/>
-            </a:pPr>
-            <a:r>
-              <a:rPr lang="en"/>
-              <a:t>input string:</a:t>
-            </a:r>
-            <a:endParaRPr/>
-          </a:p>
-        </p:txBody>
-      </p:sp>
-      <p:sp>
-        <p:nvSpPr>
-          <p:cNvPr id="147" name="Google Shape;147;p22"/>
-          <p:cNvSpPr/>
-          <p:nvPr/>
-        </p:nvSpPr>
-        <p:spPr>
-          <a:xfrm>
-            <a:off x="760400" y="3596550"/>
-            <a:ext cx="207600" cy="207600"/>
-          </a:xfrm>
-          <a:prstGeom prst="rect">
-            <a:avLst/>
-          </a:prstGeom>
-          <a:solidFill>
-            <a:schemeClr val="lt2"/>
-          </a:solidFill>
-          <a:ln w="9525" cap="flat" cmpd="sng">
-            <a:solidFill>
-              <a:schemeClr val="dk2"/>
-            </a:solidFill>
-            <a:prstDash val="solid"/>
-            <a:round/>
-            <a:headEnd type="none" w="sm" len="sm"/>
-            <a:tailEnd type="none" w="sm" len="sm"/>
-          </a:ln>
-        </p:spPr>
-        <p:txBody>
-          <a:bodyPr spcFirstLastPara="1" wrap="square" lIns="91425" tIns="91425" rIns="91425" bIns="91425" anchor="ctr" anchorCtr="0">
-            <a:noAutofit/>
-          </a:bodyPr>
-          <a:lstStyle/>
-          <a:p>
-            <a:pPr marL="0" lvl="0" indent="0" algn="l" rtl="0">
-              <a:spcBef>
-                <a:spcPts val="0"/>
-              </a:spcBef>
-              <a:spcAft>
-                <a:spcPts val="0"/>
-              </a:spcAft>
-              <a:buNone/>
-            </a:pPr>
-            <a:r>
-              <a:rPr lang="en"/>
-              <a:t>a</a:t>
-            </a:r>
-            <a:endParaRPr/>
-          </a:p>
-        </p:txBody>
-      </p:sp>
-      <p:sp>
-        <p:nvSpPr>
-          <p:cNvPr id="148" name="Google Shape;148;p22"/>
-          <p:cNvSpPr/>
-          <p:nvPr/>
-        </p:nvSpPr>
-        <p:spPr>
-          <a:xfrm>
-            <a:off x="966101" y="3596550"/>
-            <a:ext cx="207600" cy="207600"/>
-          </a:xfrm>
-          <a:prstGeom prst="rect">
-            <a:avLst/>
-          </a:prstGeom>
-          <a:solidFill>
-            <a:schemeClr val="lt2"/>
-          </a:solidFill>
-          <a:ln w="9525" cap="flat" cmpd="sng">
-            <a:solidFill>
-              <a:schemeClr val="dk2"/>
-            </a:solidFill>
-            <a:prstDash val="solid"/>
-            <a:round/>
-            <a:headEnd type="none" w="sm" len="sm"/>
-            <a:tailEnd type="none" w="sm" len="sm"/>
-          </a:ln>
-        </p:spPr>
-        <p:txBody>
-          <a:bodyPr spcFirstLastPara="1" wrap="square" lIns="91425" tIns="91425" rIns="91425" bIns="91425" anchor="ctr" anchorCtr="0">
-            <a:noAutofit/>
-          </a:bodyPr>
-          <a:lstStyle/>
-          <a:p>
-            <a:pPr marL="0" lvl="0" indent="0" algn="l" rtl="0">
-              <a:spcBef>
-                <a:spcPts val="0"/>
-              </a:spcBef>
-              <a:spcAft>
-                <a:spcPts val="0"/>
-              </a:spcAft>
-              <a:buNone/>
-            </a:pPr>
-            <a:r>
-              <a:rPr lang="en"/>
-              <a:t>d</a:t>
-            </a:r>
-            <a:endParaRPr/>
-          </a:p>
-        </p:txBody>
-      </p:sp>
-      <p:sp>
-        <p:nvSpPr>
-          <p:cNvPr id="149" name="Google Shape;149;p22"/>
-          <p:cNvSpPr/>
-          <p:nvPr/>
-        </p:nvSpPr>
-        <p:spPr>
-          <a:xfrm>
-            <a:off x="1171803" y="3596550"/>
-            <a:ext cx="207600" cy="207600"/>
-          </a:xfrm>
-          <a:prstGeom prst="rect">
-            <a:avLst/>
-          </a:prstGeom>
-          <a:solidFill>
-            <a:schemeClr val="lt2"/>
-          </a:solidFill>
-          <a:ln w="9525" cap="flat" cmpd="sng">
-            <a:solidFill>
-              <a:schemeClr val="dk2"/>
-            </a:solidFill>
-            <a:prstDash val="solid"/>
-            <a:round/>
-            <a:headEnd type="none" w="sm" len="sm"/>
-            <a:tailEnd type="none" w="sm" len="sm"/>
-          </a:ln>
-        </p:spPr>
-        <p:txBody>
-          <a:bodyPr spcFirstLastPara="1" wrap="square" lIns="91425" tIns="91425" rIns="91425" bIns="91425" anchor="ctr" anchorCtr="0">
-            <a:noAutofit/>
-          </a:bodyPr>
-          <a:lstStyle/>
-          <a:p>
-            <a:pPr marL="0" lvl="0" indent="0" algn="l" rtl="0">
-              <a:spcBef>
-                <a:spcPts val="0"/>
-              </a:spcBef>
-              <a:spcAft>
-                <a:spcPts val="0"/>
-              </a:spcAft>
-              <a:buNone/>
-            </a:pPr>
-            <a:r>
-              <a:rPr lang="en"/>
-              <a:t>t</a:t>
-            </a:r>
-            <a:endParaRPr/>
-          </a:p>
-        </p:txBody>
-      </p:sp>
-      <p:sp>
-        <p:nvSpPr>
-          <p:cNvPr id="150" name="Google Shape;150;p22"/>
-          <p:cNvSpPr/>
-          <p:nvPr/>
-        </p:nvSpPr>
-        <p:spPr>
-          <a:xfrm>
-            <a:off x="1377504" y="3596550"/>
-            <a:ext cx="207600" cy="207600"/>
-          </a:xfrm>
-          <a:prstGeom prst="rect">
-            <a:avLst/>
-          </a:prstGeom>
-          <a:solidFill>
-            <a:schemeClr val="lt2"/>
-          </a:solidFill>
-          <a:ln w="9525" cap="flat" cmpd="sng">
-            <a:solidFill>
-              <a:schemeClr val="dk2"/>
-            </a:solidFill>
-            <a:prstDash val="solid"/>
-            <a:round/>
-            <a:headEnd type="none" w="sm" len="sm"/>
-            <a:tailEnd type="none" w="sm" len="sm"/>
-          </a:ln>
-        </p:spPr>
-        <p:txBody>
-          <a:bodyPr spcFirstLastPara="1" wrap="square" lIns="91425" tIns="91425" rIns="91425" bIns="91425" anchor="ctr" anchorCtr="0">
-            <a:noAutofit/>
-          </a:bodyPr>
-          <a:lstStyle/>
-          <a:p>
-            <a:pPr marL="0" lvl="0" indent="0" algn="l" rtl="0">
-              <a:spcBef>
-                <a:spcPts val="0"/>
-              </a:spcBef>
-              <a:spcAft>
-                <a:spcPts val="0"/>
-              </a:spcAft>
-              <a:buNone/>
-            </a:pPr>
-            <a:r>
-              <a:rPr lang="en"/>
-              <a:t>r</a:t>
-            </a:r>
-            <a:endParaRPr/>
-          </a:p>
-        </p:txBody>
-      </p:sp>
-      <p:sp>
-        <p:nvSpPr>
-          <p:cNvPr id="151" name="Google Shape;151;p22"/>
-          <p:cNvSpPr/>
-          <p:nvPr/>
-        </p:nvSpPr>
-        <p:spPr>
-          <a:xfrm>
-            <a:off x="1583206" y="3596550"/>
-            <a:ext cx="207600" cy="207600"/>
-          </a:xfrm>
-          <a:prstGeom prst="rect">
-            <a:avLst/>
-          </a:prstGeom>
-          <a:solidFill>
-            <a:schemeClr val="lt2"/>
-          </a:solidFill>
-          <a:ln w="9525" cap="flat" cmpd="sng">
-            <a:solidFill>
-              <a:schemeClr val="dk2"/>
-            </a:solidFill>
-            <a:prstDash val="solid"/>
-            <a:round/>
-            <a:headEnd type="none" w="sm" len="sm"/>
-            <a:tailEnd type="none" w="sm" len="sm"/>
-          </a:ln>
-        </p:spPr>
-        <p:txBody>
-          <a:bodyPr spcFirstLastPara="1" wrap="square" lIns="91425" tIns="91425" rIns="91425" bIns="91425" anchor="ctr" anchorCtr="0">
-            <a:noAutofit/>
-          </a:bodyPr>
-          <a:lstStyle/>
-          <a:p>
-            <a:pPr marL="0" lvl="0" indent="0" algn="l" rtl="0">
-              <a:spcBef>
-                <a:spcPts val="0"/>
-              </a:spcBef>
-              <a:spcAft>
-                <a:spcPts val="0"/>
-              </a:spcAft>
-              <a:buNone/>
-            </a:pPr>
-            <a:r>
-              <a:rPr lang="en"/>
-              <a:t>d</a:t>
-            </a:r>
-            <a:endParaRPr/>
-          </a:p>
-        </p:txBody>
-      </p:sp>
-      <p:sp>
-        <p:nvSpPr>
-          <p:cNvPr id="152" name="Google Shape;152;p22"/>
-          <p:cNvSpPr/>
-          <p:nvPr/>
-        </p:nvSpPr>
-        <p:spPr>
-          <a:xfrm>
-            <a:off x="1788907" y="3596550"/>
-            <a:ext cx="207600" cy="207600"/>
-          </a:xfrm>
-          <a:prstGeom prst="rect">
-            <a:avLst/>
-          </a:prstGeom>
-          <a:solidFill>
-            <a:schemeClr val="lt2"/>
-          </a:solidFill>
-          <a:ln w="9525" cap="flat" cmpd="sng">
-            <a:solidFill>
-              <a:schemeClr val="dk2"/>
-            </a:solidFill>
-            <a:prstDash val="solid"/>
-            <a:round/>
-            <a:headEnd type="none" w="sm" len="sm"/>
-            <a:tailEnd type="none" w="sm" len="sm"/>
-          </a:ln>
-        </p:spPr>
-        <p:txBody>
-          <a:bodyPr spcFirstLastPara="1" wrap="square" lIns="91425" tIns="91425" rIns="91425" bIns="91425" anchor="ctr" anchorCtr="0">
-            <a:noAutofit/>
-          </a:bodyPr>
-          <a:lstStyle/>
-          <a:p>
-            <a:pPr marL="0" lvl="0" indent="0" algn="l" rtl="0">
-              <a:spcBef>
-                <a:spcPts val="0"/>
-              </a:spcBef>
-              <a:spcAft>
-                <a:spcPts val="0"/>
-              </a:spcAft>
-              <a:buNone/>
-            </a:pPr>
-            <a:r>
-              <a:rPr lang="en"/>
-              <a:t>a</a:t>
-            </a:r>
-            <a:endParaRPr/>
-          </a:p>
-        </p:txBody>
-      </p:sp>
-      <p:sp>
-        <p:nvSpPr>
-          <p:cNvPr id="153" name="Google Shape;153;p22"/>
-          <p:cNvSpPr/>
-          <p:nvPr/>
-        </p:nvSpPr>
-        <p:spPr>
-          <a:xfrm>
-            <a:off x="1994609" y="3596550"/>
-            <a:ext cx="207600" cy="207600"/>
-          </a:xfrm>
-          <a:prstGeom prst="rect">
-            <a:avLst/>
-          </a:prstGeom>
-          <a:solidFill>
-            <a:schemeClr val="lt2"/>
-          </a:solidFill>
-          <a:ln w="9525" cap="flat" cmpd="sng">
-            <a:solidFill>
-              <a:schemeClr val="dk2"/>
-            </a:solidFill>
-            <a:prstDash val="solid"/>
-            <a:round/>
-            <a:headEnd type="none" w="sm" len="sm"/>
-            <a:tailEnd type="none" w="sm" len="sm"/>
-          </a:ln>
-        </p:spPr>
-        <p:txBody>
-          <a:bodyPr spcFirstLastPara="1" wrap="square" lIns="91425" tIns="91425" rIns="91425" bIns="91425" anchor="ctr" anchorCtr="0">
-            <a:noAutofit/>
-          </a:bodyPr>
-          <a:lstStyle/>
-          <a:p>
-            <a:pPr marL="0" lvl="0" indent="0" algn="l" rtl="0">
-              <a:spcBef>
-                <a:spcPts val="0"/>
-              </a:spcBef>
-              <a:spcAft>
-                <a:spcPts val="0"/>
-              </a:spcAft>
-              <a:buNone/>
-            </a:pPr>
-            <a:r>
-              <a:rPr lang="en"/>
-              <a:t>d</a:t>
-            </a:r>
-            <a:endParaRPr/>
-          </a:p>
-        </p:txBody>
-      </p:sp>
-      <p:sp>
-        <p:nvSpPr>
-          <p:cNvPr id="154" name="Google Shape;154;p22"/>
-          <p:cNvSpPr/>
-          <p:nvPr/>
-        </p:nvSpPr>
-        <p:spPr>
-          <a:xfrm>
-            <a:off x="2617274" y="3596550"/>
-            <a:ext cx="207600" cy="207600"/>
-          </a:xfrm>
-          <a:prstGeom prst="rect">
-            <a:avLst/>
-          </a:prstGeom>
-          <a:solidFill>
-            <a:schemeClr val="lt2"/>
-          </a:solidFill>
-          <a:ln w="9525" cap="flat" cmpd="sng">
-            <a:solidFill>
-              <a:schemeClr val="dk2"/>
-            </a:solidFill>
-            <a:prstDash val="solid"/>
-            <a:round/>
-            <a:headEnd type="none" w="sm" len="sm"/>
-            <a:tailEnd type="none" w="sm" len="sm"/>
-          </a:ln>
-        </p:spPr>
-        <p:txBody>
-          <a:bodyPr spcFirstLastPara="1" wrap="square" lIns="91425" tIns="91425" rIns="91425" bIns="91425" anchor="ctr" anchorCtr="0">
-            <a:noAutofit/>
-          </a:bodyPr>
-          <a:lstStyle/>
-          <a:p>
-            <a:pPr marL="0" lvl="0" indent="0" algn="l" rtl="0">
-              <a:spcBef>
-                <a:spcPts val="0"/>
-              </a:spcBef>
-              <a:spcAft>
-                <a:spcPts val="0"/>
-              </a:spcAft>
-              <a:buNone/>
-            </a:pPr>
-            <a:r>
-              <a:rPr lang="en"/>
-              <a:t>$</a:t>
-            </a:r>
-            <a:endParaRPr/>
-          </a:p>
-        </p:txBody>
-      </p:sp>
-      <p:cxnSp>
-        <p:nvCxnSpPr>
-          <p:cNvPr id="155" name="Google Shape;155;p22"/>
-          <p:cNvCxnSpPr/>
-          <p:nvPr/>
-        </p:nvCxnSpPr>
-        <p:spPr>
-          <a:xfrm>
-            <a:off x="1935225" y="3794550"/>
-            <a:ext cx="8400" cy="257700"/>
-          </a:xfrm>
-          <a:prstGeom prst="straightConnector1">
-            <a:avLst/>
-          </a:prstGeom>
-          <a:noFill/>
-          <a:ln w="9525" cap="flat" cmpd="sng">
-            <a:solidFill>
-              <a:schemeClr val="dk2"/>
-            </a:solidFill>
-            <a:prstDash val="solid"/>
-            <a:round/>
-            <a:headEnd type="triangle" w="med" len="med"/>
-            <a:tailEnd type="none" w="med" len="med"/>
-          </a:ln>
-        </p:spPr>
-      </p:cxnSp>
-      <p:sp>
-        <p:nvSpPr>
-          <p:cNvPr id="156" name="Google Shape;156;p22"/>
-          <p:cNvSpPr/>
-          <p:nvPr/>
-        </p:nvSpPr>
-        <p:spPr>
-          <a:xfrm>
-            <a:off x="2203096" y="3596550"/>
-            <a:ext cx="207600" cy="207600"/>
-          </a:xfrm>
-          <a:prstGeom prst="rect">
-            <a:avLst/>
-          </a:prstGeom>
-          <a:solidFill>
-            <a:schemeClr val="lt2"/>
-          </a:solidFill>
-          <a:ln w="9525" cap="flat" cmpd="sng">
-            <a:solidFill>
-              <a:schemeClr val="dk2"/>
-            </a:solidFill>
-            <a:prstDash val="solid"/>
-            <a:round/>
-            <a:headEnd type="none" w="sm" len="sm"/>
-            <a:tailEnd type="none" w="sm" len="sm"/>
-          </a:ln>
-        </p:spPr>
-        <p:txBody>
-          <a:bodyPr spcFirstLastPara="1" wrap="square" lIns="91425" tIns="91425" rIns="91425" bIns="91425" anchor="ctr" anchorCtr="0">
-            <a:noAutofit/>
-          </a:bodyPr>
-          <a:lstStyle/>
-          <a:p>
-            <a:pPr marL="0" lvl="0" indent="0" algn="l" rtl="0">
-              <a:spcBef>
-                <a:spcPts val="0"/>
-              </a:spcBef>
-              <a:spcAft>
-                <a:spcPts val="0"/>
-              </a:spcAft>
-              <a:buNone/>
-            </a:pPr>
-            <a:r>
-              <a:rPr lang="en"/>
-              <a:t>e</a:t>
-            </a:r>
-            <a:endParaRPr/>
-          </a:p>
-        </p:txBody>
-      </p:sp>
-      <p:sp>
-        <p:nvSpPr>
-          <p:cNvPr id="157" name="Google Shape;157;p22"/>
-          <p:cNvSpPr/>
-          <p:nvPr/>
-        </p:nvSpPr>
-        <p:spPr>
-          <a:xfrm>
-            <a:off x="4097063" y="2979175"/>
-            <a:ext cx="106800" cy="106800"/>
-          </a:xfrm>
-          <a:prstGeom prst="ellipse">
-            <a:avLst/>
-          </a:prstGeom>
-          <a:solidFill>
-            <a:srgbClr val="666666"/>
-          </a:solidFill>
-          <a:ln w="9525" cap="flat" cmpd="sng">
-            <a:solidFill>
-              <a:schemeClr val="dk2"/>
-            </a:solidFill>
-            <a:prstDash val="solid"/>
-            <a:round/>
-            <a:headEnd type="none" w="sm" len="sm"/>
-            <a:tailEnd type="none" w="sm" len="sm"/>
-          </a:ln>
-        </p:spPr>
-        <p:txBody>
-          <a:bodyPr spcFirstLastPara="1" wrap="square" lIns="91425" tIns="91425" rIns="91425" bIns="91425" anchor="ctr" anchorCtr="0">
-            <a:noAutofit/>
-          </a:bodyPr>
-          <a:lstStyle/>
-          <a:p>
-            <a:pPr marL="0" lvl="0" indent="0" algn="l" rtl="0">
-              <a:spcBef>
-                <a:spcPts val="0"/>
-              </a:spcBef>
-              <a:spcAft>
-                <a:spcPts val="0"/>
-              </a:spcAft>
-              <a:buNone/>
-            </a:pPr>
-            <a:endParaRPr/>
-          </a:p>
-        </p:txBody>
-      </p:sp>
-    </p:spTree>
-  </p:cSld>
-  <p:clrMapOvr>
-    <a:masterClrMapping/>
-  </p:clrMapOvr>
-</p:sld>
-</file>
-
 <file path=ppt/theme/theme1.xml><?xml version="1.0" encoding="utf-8"?>
 <a:theme xmlns:a="http://schemas.openxmlformats.org/drawingml/2006/main" name="Simple Light">
   <a:themeElements>
